--- a/Stroke Dataset Presentation.pptx
+++ b/Stroke Dataset Presentation.pptx
@@ -12,19 +12,18 @@
     <p:sldId id="274" r:id="rId6"/>
     <p:sldId id="275" r:id="rId7"/>
     <p:sldId id="277" r:id="rId8"/>
-    <p:sldId id="269" r:id="rId9"/>
-    <p:sldId id="259" r:id="rId10"/>
-    <p:sldId id="278" r:id="rId11"/>
-    <p:sldId id="260" r:id="rId12"/>
-    <p:sldId id="261" r:id="rId13"/>
-    <p:sldId id="262" r:id="rId14"/>
-    <p:sldId id="264" r:id="rId15"/>
-    <p:sldId id="271" r:id="rId16"/>
-    <p:sldId id="272" r:id="rId17"/>
-    <p:sldId id="280" r:id="rId18"/>
-    <p:sldId id="281" r:id="rId19"/>
-    <p:sldId id="268" r:id="rId20"/>
-    <p:sldId id="267" r:id="rId21"/>
+    <p:sldId id="259" r:id="rId9"/>
+    <p:sldId id="278" r:id="rId10"/>
+    <p:sldId id="260" r:id="rId11"/>
+    <p:sldId id="261" r:id="rId12"/>
+    <p:sldId id="262" r:id="rId13"/>
+    <p:sldId id="264" r:id="rId14"/>
+    <p:sldId id="271" r:id="rId15"/>
+    <p:sldId id="272" r:id="rId16"/>
+    <p:sldId id="280" r:id="rId17"/>
+    <p:sldId id="281" r:id="rId18"/>
+    <p:sldId id="268" r:id="rId19"/>
+    <p:sldId id="267" r:id="rId20"/>
   </p:sldIdLst>
   <p:sldSz cx="12192000" cy="6858000"/>
   <p:notesSz cx="6858000" cy="9144000"/>
@@ -134,7 +133,7 @@
 <file path=ppt/revisionInfo.xml><?xml version="1.0" encoding="utf-8"?>
 <p1510:revInfo xmlns:a="http://schemas.openxmlformats.org/drawingml/2006/main" xmlns:r="http://schemas.openxmlformats.org/officeDocument/2006/relationships" xmlns:p1510="http://schemas.microsoft.com/office/powerpoint/2015/10/main">
   <p1510:revLst>
-    <p1510:client id="{3522D70F-F5A9-471E-BCF2-D87552F5A14B}" v="2" dt="2022-04-17T20:54:17.066"/>
+    <p1510:client id="{91426C73-4AA6-491E-92B9-67F9DA0C00F3}" v="8" dt="2022-04-17T22:14:23.738"/>
   </p1510:revLst>
 </p1510:revInfo>
 </file>
@@ -142,167 +141,41 @@
 <file path=ppt/changesInfos/changesInfo1.xml><?xml version="1.0" encoding="utf-8"?>
 <pc:chgInfo xmlns:a="http://schemas.openxmlformats.org/drawingml/2006/main" xmlns:r="http://schemas.openxmlformats.org/officeDocument/2006/relationships" xmlns:ac="http://schemas.microsoft.com/office/drawing/2013/main/command" xmlns:pc="http://schemas.microsoft.com/office/powerpoint/2013/main/command">
   <pc:docChgLst>
-    <pc:chgData name="Benjamin Judd Earnest" userId="2fbef15e-3d07-4010-877b-002074773309" providerId="ADAL" clId="{3522D70F-F5A9-471E-BCF2-D87552F5A14B}"/>
-    <pc:docChg chg="undo custSel modSld">
-      <pc:chgData name="Benjamin Judd Earnest" userId="2fbef15e-3d07-4010-877b-002074773309" providerId="ADAL" clId="{3522D70F-F5A9-471E-BCF2-D87552F5A14B}" dt="2022-04-17T22:04:36.554" v="393" actId="20577"/>
+    <pc:chgData name="andrewpakkim@gmail.com" userId="aed3a4d2dfa1bf11" providerId="LiveId" clId="{91426C73-4AA6-491E-92B9-67F9DA0C00F3}"/>
+    <pc:docChg chg="modSld">
+      <pc:chgData name="andrewpakkim@gmail.com" userId="aed3a4d2dfa1bf11" providerId="LiveId" clId="{91426C73-4AA6-491E-92B9-67F9DA0C00F3}" dt="2022-04-17T22:14:23.738" v="7" actId="20577"/>
       <pc:docMkLst>
         <pc:docMk/>
       </pc:docMkLst>
-      <pc:sldChg chg="addSp delSp modSp mod setBg">
-        <pc:chgData name="Benjamin Judd Earnest" userId="2fbef15e-3d07-4010-877b-002074773309" providerId="ADAL" clId="{3522D70F-F5A9-471E-BCF2-D87552F5A14B}" dt="2022-04-17T20:42:00.838" v="129" actId="1076"/>
+      <pc:sldChg chg="modSp">
+        <pc:chgData name="andrewpakkim@gmail.com" userId="aed3a4d2dfa1bf11" providerId="LiveId" clId="{91426C73-4AA6-491E-92B9-67F9DA0C00F3}" dt="2022-04-17T22:14:23.738" v="7" actId="20577"/>
         <pc:sldMkLst>
           <pc:docMk/>
-          <pc:sldMk cId="2107040181" sldId="260"/>
+          <pc:sldMk cId="1245233308" sldId="268"/>
         </pc:sldMkLst>
         <pc:spChg chg="mod">
-          <ac:chgData name="Benjamin Judd Earnest" userId="2fbef15e-3d07-4010-877b-002074773309" providerId="ADAL" clId="{3522D70F-F5A9-471E-BCF2-D87552F5A14B}" dt="2022-04-17T20:32:10.311" v="5" actId="26606"/>
+          <ac:chgData name="andrewpakkim@gmail.com" userId="aed3a4d2dfa1bf11" providerId="LiveId" clId="{91426C73-4AA6-491E-92B9-67F9DA0C00F3}" dt="2022-04-17T22:14:23.738" v="7" actId="20577"/>
           <ac:spMkLst>
             <pc:docMk/>
-            <pc:sldMk cId="2107040181" sldId="260"/>
-            <ac:spMk id="2" creationId="{864ED4A0-3212-4818-BAD1-F80ED2028799}"/>
-          </ac:spMkLst>
-        </pc:spChg>
-        <pc:spChg chg="mod">
-          <ac:chgData name="Benjamin Judd Earnest" userId="2fbef15e-3d07-4010-877b-002074773309" providerId="ADAL" clId="{3522D70F-F5A9-471E-BCF2-D87552F5A14B}" dt="2022-04-17T20:38:38.821" v="123" actId="20577"/>
-          <ac:spMkLst>
-            <pc:docMk/>
-            <pc:sldMk cId="2107040181" sldId="260"/>
+            <pc:sldMk cId="1245233308" sldId="268"/>
             <ac:spMk id="3" creationId="{1D47CA84-7016-4715-8AC7-26FEE33160DF}"/>
           </ac:spMkLst>
         </pc:spChg>
-        <pc:spChg chg="add del">
-          <ac:chgData name="Benjamin Judd Earnest" userId="2fbef15e-3d07-4010-877b-002074773309" providerId="ADAL" clId="{3522D70F-F5A9-471E-BCF2-D87552F5A14B}" dt="2022-04-17T20:32:10.265" v="4" actId="26606"/>
+      </pc:sldChg>
+      <pc:sldChg chg="modSp">
+        <pc:chgData name="andrewpakkim@gmail.com" userId="aed3a4d2dfa1bf11" providerId="LiveId" clId="{91426C73-4AA6-491E-92B9-67F9DA0C00F3}" dt="2022-04-17T22:14:08.232" v="4" actId="20577"/>
+        <pc:sldMkLst>
+          <pc:docMk/>
+          <pc:sldMk cId="3087262519" sldId="277"/>
+        </pc:sldMkLst>
+        <pc:spChg chg="mod">
+          <ac:chgData name="andrewpakkim@gmail.com" userId="aed3a4d2dfa1bf11" providerId="LiveId" clId="{91426C73-4AA6-491E-92B9-67F9DA0C00F3}" dt="2022-04-17T22:14:08.232" v="4" actId="20577"/>
           <ac:spMkLst>
             <pc:docMk/>
-            <pc:sldMk cId="2107040181" sldId="260"/>
-            <ac:spMk id="10" creationId="{F55AA229-0B4E-4809-8BE3-C36D5ACEF22E}"/>
+            <pc:sldMk cId="3087262519" sldId="277"/>
+            <ac:spMk id="3" creationId="{D78E4759-41A0-4B7E-8C59-B89C2E28494A}"/>
           </ac:spMkLst>
         </pc:spChg>
-        <pc:picChg chg="add mod">
-          <ac:chgData name="Benjamin Judd Earnest" userId="2fbef15e-3d07-4010-877b-002074773309" providerId="ADAL" clId="{3522D70F-F5A9-471E-BCF2-D87552F5A14B}" dt="2022-04-17T20:42:00.838" v="129" actId="1076"/>
-          <ac:picMkLst>
-            <pc:docMk/>
-            <pc:sldMk cId="2107040181" sldId="260"/>
-            <ac:picMk id="5" creationId="{A7A366C2-1F83-4219-BAB2-7F4A14C91D24}"/>
-          </ac:picMkLst>
-        </pc:picChg>
-        <pc:picChg chg="add">
-          <ac:chgData name="Benjamin Judd Earnest" userId="2fbef15e-3d07-4010-877b-002074773309" providerId="ADAL" clId="{3522D70F-F5A9-471E-BCF2-D87552F5A14B}" dt="2022-04-17T20:32:10.311" v="5" actId="26606"/>
-          <ac:picMkLst>
-            <pc:docMk/>
-            <pc:sldMk cId="2107040181" sldId="260"/>
-            <ac:picMk id="12" creationId="{717E16F5-97B7-4495-BD62-559E796C1E7C}"/>
-          </ac:picMkLst>
-        </pc:picChg>
-      </pc:sldChg>
-      <pc:sldChg chg="addSp delSp modSp mod">
-        <pc:chgData name="Benjamin Judd Earnest" userId="2fbef15e-3d07-4010-877b-002074773309" providerId="ADAL" clId="{3522D70F-F5A9-471E-BCF2-D87552F5A14B}" dt="2022-04-17T22:04:36.554" v="393" actId="20577"/>
-        <pc:sldMkLst>
-          <pc:docMk/>
-          <pc:sldMk cId="1895897122" sldId="261"/>
-        </pc:sldMkLst>
-        <pc:spChg chg="del">
-          <ac:chgData name="Benjamin Judd Earnest" userId="2fbef15e-3d07-4010-877b-002074773309" providerId="ADAL" clId="{3522D70F-F5A9-471E-BCF2-D87552F5A14B}" dt="2022-04-17T20:47:34.485" v="132" actId="22"/>
-          <ac:spMkLst>
-            <pc:docMk/>
-            <pc:sldMk cId="1895897122" sldId="261"/>
-            <ac:spMk id="3" creationId="{1D47CA84-7016-4715-8AC7-26FEE33160DF}"/>
-          </ac:spMkLst>
-        </pc:spChg>
-        <pc:spChg chg="add del mod">
-          <ac:chgData name="Benjamin Judd Earnest" userId="2fbef15e-3d07-4010-877b-002074773309" providerId="ADAL" clId="{3522D70F-F5A9-471E-BCF2-D87552F5A14B}" dt="2022-04-17T20:51:32.060" v="135"/>
-          <ac:spMkLst>
-            <pc:docMk/>
-            <pc:sldMk cId="1895897122" sldId="261"/>
-            <ac:spMk id="7" creationId="{2E23F69D-0A72-4F73-9CB0-CAB77D2F95BD}"/>
-          </ac:spMkLst>
-        </pc:spChg>
-        <pc:spChg chg="add del mod">
-          <ac:chgData name="Benjamin Judd Earnest" userId="2fbef15e-3d07-4010-877b-002074773309" providerId="ADAL" clId="{3522D70F-F5A9-471E-BCF2-D87552F5A14B}" dt="2022-04-17T20:52:17.037" v="139" actId="3680"/>
-          <ac:spMkLst>
-            <pc:docMk/>
-            <pc:sldMk cId="1895897122" sldId="261"/>
-            <ac:spMk id="10" creationId="{8EE05C1F-3A35-4674-A8A3-88711108461D}"/>
-          </ac:spMkLst>
-        </pc:spChg>
-        <pc:spChg chg="add mod">
-          <ac:chgData name="Benjamin Judd Earnest" userId="2fbef15e-3d07-4010-877b-002074773309" providerId="ADAL" clId="{3522D70F-F5A9-471E-BCF2-D87552F5A14B}" dt="2022-04-17T20:57:37.060" v="390" actId="20577"/>
-          <ac:spMkLst>
-            <pc:docMk/>
-            <pc:sldMk cId="1895897122" sldId="261"/>
-            <ac:spMk id="12" creationId="{BA4398CE-7AA1-4828-B389-E7B6B6BA5CC7}"/>
-          </ac:spMkLst>
-        </pc:spChg>
-        <pc:spChg chg="add del mod">
-          <ac:chgData name="Benjamin Judd Earnest" userId="2fbef15e-3d07-4010-877b-002074773309" providerId="ADAL" clId="{3522D70F-F5A9-471E-BCF2-D87552F5A14B}" dt="2022-04-17T20:56:21.334" v="346" actId="21"/>
-          <ac:spMkLst>
-            <pc:docMk/>
-            <pc:sldMk cId="1895897122" sldId="261"/>
-            <ac:spMk id="14" creationId="{E89F37E1-7BE5-4192-A2A1-09D3DADB8A16}"/>
-          </ac:spMkLst>
-        </pc:spChg>
-        <pc:graphicFrameChg chg="add mod ord modGraphic">
-          <ac:chgData name="Benjamin Judd Earnest" userId="2fbef15e-3d07-4010-877b-002074773309" providerId="ADAL" clId="{3522D70F-F5A9-471E-BCF2-D87552F5A14B}" dt="2022-04-17T22:04:36.554" v="393" actId="20577"/>
-          <ac:graphicFrameMkLst>
-            <pc:docMk/>
-            <pc:sldMk cId="1895897122" sldId="261"/>
-            <ac:graphicFrameMk id="11" creationId="{EA0085A9-2949-4E86-BC3A-F9C0323183D0}"/>
-          </ac:graphicFrameMkLst>
-        </pc:graphicFrameChg>
-        <pc:picChg chg="add del mod ord">
-          <ac:chgData name="Benjamin Judd Earnest" userId="2fbef15e-3d07-4010-877b-002074773309" providerId="ADAL" clId="{3522D70F-F5A9-471E-BCF2-D87552F5A14B}" dt="2022-04-17T20:51:28.671" v="134" actId="21"/>
-          <ac:picMkLst>
-            <pc:docMk/>
-            <pc:sldMk cId="1895897122" sldId="261"/>
-            <ac:picMk id="5" creationId="{8C991A83-980E-453A-B209-B47E52A17CB7}"/>
-          </ac:picMkLst>
-        </pc:picChg>
-        <pc:picChg chg="add del mod">
-          <ac:chgData name="Benjamin Judd Earnest" userId="2fbef15e-3d07-4010-877b-002074773309" providerId="ADAL" clId="{3522D70F-F5A9-471E-BCF2-D87552F5A14B}" dt="2022-04-17T20:51:41.192" v="136" actId="478"/>
-          <ac:picMkLst>
-            <pc:docMk/>
-            <pc:sldMk cId="1895897122" sldId="261"/>
-            <ac:picMk id="8" creationId="{32310015-FDF3-4784-84B7-B4BFE8372762}"/>
-          </ac:picMkLst>
-        </pc:picChg>
-        <pc:picChg chg="add mod">
-          <ac:chgData name="Benjamin Judd Earnest" userId="2fbef15e-3d07-4010-877b-002074773309" providerId="ADAL" clId="{3522D70F-F5A9-471E-BCF2-D87552F5A14B}" dt="2022-04-17T22:04:23.992" v="391" actId="14100"/>
-          <ac:picMkLst>
-            <pc:docMk/>
-            <pc:sldMk cId="1895897122" sldId="261"/>
-            <ac:picMk id="16" creationId="{8DA25225-FA56-4931-8CBB-D80E83DF3280}"/>
-          </ac:picMkLst>
-        </pc:picChg>
-      </pc:sldChg>
-      <pc:sldChg chg="modSp mod">
-        <pc:chgData name="Benjamin Judd Earnest" userId="2fbef15e-3d07-4010-877b-002074773309" providerId="ADAL" clId="{3522D70F-F5A9-471E-BCF2-D87552F5A14B}" dt="2022-04-17T20:47:22.763" v="131" actId="14734"/>
-        <pc:sldMkLst>
-          <pc:docMk/>
-          <pc:sldMk cId="2350468897" sldId="271"/>
-        </pc:sldMkLst>
-        <pc:graphicFrameChg chg="modGraphic">
-          <ac:chgData name="Benjamin Judd Earnest" userId="2fbef15e-3d07-4010-877b-002074773309" providerId="ADAL" clId="{3522D70F-F5A9-471E-BCF2-D87552F5A14B}" dt="2022-04-17T20:47:22.763" v="131" actId="14734"/>
-          <ac:graphicFrameMkLst>
-            <pc:docMk/>
-            <pc:sldMk cId="2350468897" sldId="271"/>
-            <ac:graphicFrameMk id="11" creationId="{EBF0249E-8AE0-4D90-8C25-C64E87B7F2D2}"/>
-          </ac:graphicFrameMkLst>
-        </pc:graphicFrameChg>
-      </pc:sldChg>
-      <pc:sldChg chg="modSp mod">
-        <pc:chgData name="Benjamin Judd Earnest" userId="2fbef15e-3d07-4010-877b-002074773309" providerId="ADAL" clId="{3522D70F-F5A9-471E-BCF2-D87552F5A14B}" dt="2022-04-17T20:51:50.337" v="138" actId="20577"/>
-        <pc:sldMkLst>
-          <pc:docMk/>
-          <pc:sldMk cId="1656053846" sldId="272"/>
-        </pc:sldMkLst>
-        <pc:graphicFrameChg chg="modGraphic">
-          <ac:chgData name="Benjamin Judd Earnest" userId="2fbef15e-3d07-4010-877b-002074773309" providerId="ADAL" clId="{3522D70F-F5A9-471E-BCF2-D87552F5A14B}" dt="2022-04-17T20:51:50.337" v="138" actId="20577"/>
-          <ac:graphicFrameMkLst>
-            <pc:docMk/>
-            <pc:sldMk cId="1656053846" sldId="272"/>
-            <ac:graphicFrameMk id="7" creationId="{887A145E-710A-4961-AE9B-463A5FB21440}"/>
-          </ac:graphicFrameMkLst>
-        </pc:graphicFrameChg>
       </pc:sldChg>
     </pc:docChg>
   </pc:docChgLst>
@@ -6302,383 +6175,6 @@
 <file path=ppt/slides/slide10.xml><?xml version="1.0" encoding="utf-8"?>
 <p:sld xmlns:a="http://schemas.openxmlformats.org/drawingml/2006/main" xmlns:r="http://schemas.openxmlformats.org/officeDocument/2006/relationships" xmlns:p="http://schemas.openxmlformats.org/presentationml/2006/main">
   <p:cSld>
-    <p:spTree>
-      <p:nvGrpSpPr>
-        <p:cNvPr id="1" name=""/>
-        <p:cNvGrpSpPr/>
-        <p:nvPr/>
-      </p:nvGrpSpPr>
-      <p:grpSpPr>
-        <a:xfrm>
-          <a:off x="0" y="0"/>
-          <a:ext cx="0" cy="0"/>
-          <a:chOff x="0" y="0"/>
-          <a:chExt cx="0" cy="0"/>
-        </a:xfrm>
-      </p:grpSpPr>
-      <p:sp>
-        <p:nvSpPr>
-          <p:cNvPr id="2" name="Title 1">
-            <a:extLst>
-              <a:ext uri="{FF2B5EF4-FFF2-40B4-BE49-F238E27FC236}">
-                <a16:creationId xmlns:a16="http://schemas.microsoft.com/office/drawing/2014/main" id="{4E832F24-B61E-4EAD-9B3D-75054E61A0CA}"/>
-              </a:ext>
-            </a:extLst>
-          </p:cNvPr>
-          <p:cNvSpPr>
-            <a:spLocks noGrp="1"/>
-          </p:cNvSpPr>
-          <p:nvPr>
-            <p:ph type="title"/>
-          </p:nvPr>
-        </p:nvSpPr>
-        <p:spPr>
-          <a:xfrm>
-            <a:off x="3738318" y="590539"/>
-            <a:ext cx="3952902" cy="970450"/>
-          </a:xfrm>
-        </p:spPr>
-        <p:txBody>
-          <a:bodyPr>
-            <a:normAutofit fontScale="90000"/>
-          </a:bodyPr>
-          <a:lstStyle/>
-          <a:p>
-            <a:r>
-              <a:rPr lang="en-US" dirty="0"/>
-              <a:t>Naïve Bayes Pt. 2</a:t>
-            </a:r>
-          </a:p>
-        </p:txBody>
-      </p:sp>
-      <p:sp>
-        <p:nvSpPr>
-          <p:cNvPr id="3" name="Content Placeholder 2">
-            <a:extLst>
-              <a:ext uri="{FF2B5EF4-FFF2-40B4-BE49-F238E27FC236}">
-                <a16:creationId xmlns:a16="http://schemas.microsoft.com/office/drawing/2014/main" id="{DA948BD0-85D8-4878-98CD-0E79402C744A}"/>
-              </a:ext>
-            </a:extLst>
-          </p:cNvPr>
-          <p:cNvSpPr>
-            <a:spLocks noGrp="1"/>
-          </p:cNvSpPr>
-          <p:nvPr>
-            <p:ph idx="1"/>
-          </p:nvPr>
-        </p:nvSpPr>
-        <p:spPr>
-          <a:xfrm>
-            <a:off x="833718" y="2698394"/>
-            <a:ext cx="4509247" cy="2126858"/>
-          </a:xfrm>
-        </p:spPr>
-        <p:txBody>
-          <a:bodyPr>
-            <a:normAutofit/>
-          </a:bodyPr>
-          <a:lstStyle/>
-          <a:p>
-            <a:r>
-              <a:rPr lang="en-US" dirty="0"/>
-              <a:t>The NB model that evaluated “stroke” in association with “smoking status” and “work type” generated the lowest accuracy percentage rating of approximately 33%. </a:t>
-            </a:r>
-          </a:p>
-        </p:txBody>
-      </p:sp>
-      <p:pic>
-        <p:nvPicPr>
-          <p:cNvPr id="5" name="Picture 4">
-            <a:extLst>
-              <a:ext uri="{FF2B5EF4-FFF2-40B4-BE49-F238E27FC236}">
-                <a16:creationId xmlns:a16="http://schemas.microsoft.com/office/drawing/2014/main" id="{C37B29CB-B5FF-4E61-A633-7DAA861830A7}"/>
-              </a:ext>
-            </a:extLst>
-          </p:cNvPr>
-          <p:cNvPicPr>
-            <a:picLocks noChangeAspect="1"/>
-          </p:cNvPicPr>
-          <p:nvPr/>
-        </p:nvPicPr>
-        <p:blipFill>
-          <a:blip r:embed="rId2"/>
-          <a:stretch>
-            <a:fillRect/>
-          </a:stretch>
-        </p:blipFill>
-        <p:spPr>
-          <a:xfrm>
-            <a:off x="5714769" y="2115761"/>
-            <a:ext cx="5334462" cy="3292125"/>
-          </a:xfrm>
-          <a:prstGeom prst="rect">
-            <a:avLst/>
-          </a:prstGeom>
-        </p:spPr>
-      </p:pic>
-    </p:spTree>
-    <p:extLst>
-      <p:ext uri="{BB962C8B-B14F-4D97-AF65-F5344CB8AC3E}">
-        <p14:creationId xmlns:p14="http://schemas.microsoft.com/office/powerpoint/2010/main" val="1986380626"/>
-      </p:ext>
-    </p:extLst>
-  </p:cSld>
-  <p:clrMapOvr>
-    <a:masterClrMapping/>
-  </p:clrMapOvr>
-  <p:timing>
-    <p:tnLst>
-      <p:par>
-        <p:cTn id="1" dur="indefinite" restart="never" nodeType="tmRoot">
-          <p:childTnLst>
-            <p:seq concurrent="1" nextAc="seek">
-              <p:cTn id="2" dur="indefinite" nodeType="mainSeq">
-                <p:childTnLst>
-                  <p:par>
-                    <p:cTn id="3" fill="hold">
-                      <p:stCondLst>
-                        <p:cond delay="indefinite"/>
-                      </p:stCondLst>
-                      <p:childTnLst>
-                        <p:par>
-                          <p:cTn id="4" fill="hold">
-                            <p:stCondLst>
-                              <p:cond delay="0"/>
-                            </p:stCondLst>
-                            <p:childTnLst>
-                              <p:par>
-                                <p:cTn id="5" presetID="42" presetClass="entr" presetSubtype="0" fill="hold" grpId="0" nodeType="clickEffect">
-                                  <p:stCondLst>
-                                    <p:cond delay="0"/>
-                                  </p:stCondLst>
-                                  <p:childTnLst>
-                                    <p:set>
-                                      <p:cBhvr>
-                                        <p:cTn id="6" dur="1" fill="hold">
-                                          <p:stCondLst>
-                                            <p:cond delay="0"/>
-                                          </p:stCondLst>
-                                        </p:cTn>
-                                        <p:tgtEl>
-                                          <p:spTgt spid="2"/>
-                                        </p:tgtEl>
-                                        <p:attrNameLst>
-                                          <p:attrName>style.visibility</p:attrName>
-                                        </p:attrNameLst>
-                                      </p:cBhvr>
-                                      <p:to>
-                                        <p:strVal val="visible"/>
-                                      </p:to>
-                                    </p:set>
-                                    <p:animEffect transition="in" filter="fade">
-                                      <p:cBhvr>
-                                        <p:cTn id="7" dur="1000"/>
-                                        <p:tgtEl>
-                                          <p:spTgt spid="2"/>
-                                        </p:tgtEl>
-                                      </p:cBhvr>
-                                    </p:animEffect>
-                                    <p:anim calcmode="lin" valueType="num">
-                                      <p:cBhvr>
-                                        <p:cTn id="8" dur="1000" fill="hold"/>
-                                        <p:tgtEl>
-                                          <p:spTgt spid="2"/>
-                                        </p:tgtEl>
-                                        <p:attrNameLst>
-                                          <p:attrName>ppt_x</p:attrName>
-                                        </p:attrNameLst>
-                                      </p:cBhvr>
-                                      <p:tavLst>
-                                        <p:tav tm="0">
-                                          <p:val>
-                                            <p:strVal val="#ppt_x"/>
-                                          </p:val>
-                                        </p:tav>
-                                        <p:tav tm="100000">
-                                          <p:val>
-                                            <p:strVal val="#ppt_x"/>
-                                          </p:val>
-                                        </p:tav>
-                                      </p:tavLst>
-                                    </p:anim>
-                                    <p:anim calcmode="lin" valueType="num">
-                                      <p:cBhvr>
-                                        <p:cTn id="9" dur="1000" fill="hold"/>
-                                        <p:tgtEl>
-                                          <p:spTgt spid="2"/>
-                                        </p:tgtEl>
-                                        <p:attrNameLst>
-                                          <p:attrName>ppt_y</p:attrName>
-                                        </p:attrNameLst>
-                                      </p:cBhvr>
-                                      <p:tavLst>
-                                        <p:tav tm="0">
-                                          <p:val>
-                                            <p:strVal val="#ppt_y+.1"/>
-                                          </p:val>
-                                        </p:tav>
-                                        <p:tav tm="100000">
-                                          <p:val>
-                                            <p:strVal val="#ppt_y"/>
-                                          </p:val>
-                                        </p:tav>
-                                      </p:tavLst>
-                                    </p:anim>
-                                  </p:childTnLst>
-                                </p:cTn>
-                              </p:par>
-                            </p:childTnLst>
-                          </p:cTn>
-                        </p:par>
-                      </p:childTnLst>
-                    </p:cTn>
-                  </p:par>
-                  <p:par>
-                    <p:cTn id="10" fill="hold">
-                      <p:stCondLst>
-                        <p:cond delay="indefinite"/>
-                      </p:stCondLst>
-                      <p:childTnLst>
-                        <p:par>
-                          <p:cTn id="11" fill="hold">
-                            <p:stCondLst>
-                              <p:cond delay="0"/>
-                            </p:stCondLst>
-                            <p:childTnLst>
-                              <p:par>
-                                <p:cTn id="12" presetID="42" presetClass="entr" presetSubtype="0" fill="hold" nodeType="clickEffect">
-                                  <p:stCondLst>
-                                    <p:cond delay="0"/>
-                                  </p:stCondLst>
-                                  <p:childTnLst>
-                                    <p:set>
-                                      <p:cBhvr>
-                                        <p:cTn id="13" dur="1" fill="hold">
-                                          <p:stCondLst>
-                                            <p:cond delay="0"/>
-                                          </p:stCondLst>
-                                        </p:cTn>
-                                        <p:tgtEl>
-                                          <p:spTgt spid="3">
-                                            <p:txEl>
-                                              <p:pRg st="0" end="0"/>
-                                            </p:txEl>
-                                          </p:spTgt>
-                                        </p:tgtEl>
-                                        <p:attrNameLst>
-                                          <p:attrName>style.visibility</p:attrName>
-                                        </p:attrNameLst>
-                                      </p:cBhvr>
-                                      <p:to>
-                                        <p:strVal val="visible"/>
-                                      </p:to>
-                                    </p:set>
-                                    <p:animEffect transition="in" filter="fade">
-                                      <p:cBhvr>
-                                        <p:cTn id="14" dur="1000"/>
-                                        <p:tgtEl>
-                                          <p:spTgt spid="3">
-                                            <p:txEl>
-                                              <p:pRg st="0" end="0"/>
-                                            </p:txEl>
-                                          </p:spTgt>
-                                        </p:tgtEl>
-                                      </p:cBhvr>
-                                    </p:animEffect>
-                                    <p:anim calcmode="lin" valueType="num">
-                                      <p:cBhvr>
-                                        <p:cTn id="15" dur="1000" fill="hold"/>
-                                        <p:tgtEl>
-                                          <p:spTgt spid="3">
-                                            <p:txEl>
-                                              <p:pRg st="0" end="0"/>
-                                            </p:txEl>
-                                          </p:spTgt>
-                                        </p:tgtEl>
-                                        <p:attrNameLst>
-                                          <p:attrName>ppt_x</p:attrName>
-                                        </p:attrNameLst>
-                                      </p:cBhvr>
-                                      <p:tavLst>
-                                        <p:tav tm="0">
-                                          <p:val>
-                                            <p:strVal val="#ppt_x"/>
-                                          </p:val>
-                                        </p:tav>
-                                        <p:tav tm="100000">
-                                          <p:val>
-                                            <p:strVal val="#ppt_x"/>
-                                          </p:val>
-                                        </p:tav>
-                                      </p:tavLst>
-                                    </p:anim>
-                                    <p:anim calcmode="lin" valueType="num">
-                                      <p:cBhvr>
-                                        <p:cTn id="16" dur="1000" fill="hold"/>
-                                        <p:tgtEl>
-                                          <p:spTgt spid="3">
-                                            <p:txEl>
-                                              <p:pRg st="0" end="0"/>
-                                            </p:txEl>
-                                          </p:spTgt>
-                                        </p:tgtEl>
-                                        <p:attrNameLst>
-                                          <p:attrName>ppt_y</p:attrName>
-                                        </p:attrNameLst>
-                                      </p:cBhvr>
-                                      <p:tavLst>
-                                        <p:tav tm="0">
-                                          <p:val>
-                                            <p:strVal val="#ppt_y+.1"/>
-                                          </p:val>
-                                        </p:tav>
-                                        <p:tav tm="100000">
-                                          <p:val>
-                                            <p:strVal val="#ppt_y"/>
-                                          </p:val>
-                                        </p:tav>
-                                      </p:tavLst>
-                                    </p:anim>
-                                  </p:childTnLst>
-                                </p:cTn>
-                              </p:par>
-                            </p:childTnLst>
-                          </p:cTn>
-                        </p:par>
-                      </p:childTnLst>
-                    </p:cTn>
-                  </p:par>
-                </p:childTnLst>
-              </p:cTn>
-              <p:prevCondLst>
-                <p:cond evt="onPrev" delay="0">
-                  <p:tgtEl>
-                    <p:sldTgt/>
-                  </p:tgtEl>
-                </p:cond>
-              </p:prevCondLst>
-              <p:nextCondLst>
-                <p:cond evt="onNext" delay="0">
-                  <p:tgtEl>
-                    <p:sldTgt/>
-                  </p:tgtEl>
-                </p:cond>
-              </p:nextCondLst>
-            </p:seq>
-          </p:childTnLst>
-        </p:cTn>
-      </p:par>
-    </p:tnLst>
-    <p:bldLst>
-      <p:bldP spid="2" grpId="0"/>
-    </p:bldLst>
-  </p:timing>
-</p:sld>
-</file>
-
-<file path=ppt/slides/slide11.xml><?xml version="1.0" encoding="utf-8"?>
-<p:sld xmlns:a="http://schemas.openxmlformats.org/drawingml/2006/main" xmlns:r="http://schemas.openxmlformats.org/officeDocument/2006/relationships" xmlns:p="http://schemas.openxmlformats.org/presentationml/2006/main">
-  <p:cSld>
     <p:bg>
       <p:bgPr>
         <a:blipFill rotWithShape="1">
@@ -6894,7 +6390,7 @@
 </p:sld>
 </file>
 
-<file path=ppt/slides/slide12.xml><?xml version="1.0" encoding="utf-8"?>
+<file path=ppt/slides/slide11.xml><?xml version="1.0" encoding="utf-8"?>
 <p:sld xmlns:a="http://schemas.openxmlformats.org/drawingml/2006/main" xmlns:r="http://schemas.openxmlformats.org/officeDocument/2006/relationships" xmlns:p="http://schemas.openxmlformats.org/presentationml/2006/main">
   <p:cSld>
     <p:spTree>
@@ -7580,7 +7076,7 @@
 </p:sld>
 </file>
 
-<file path=ppt/slides/slide13.xml><?xml version="1.0" encoding="utf-8"?>
+<file path=ppt/slides/slide12.xml><?xml version="1.0" encoding="utf-8"?>
 <p:sld xmlns:a="http://schemas.openxmlformats.org/drawingml/2006/main" xmlns:r="http://schemas.openxmlformats.org/officeDocument/2006/relationships" xmlns:p="http://schemas.openxmlformats.org/presentationml/2006/main">
   <p:cSld>
     <p:spTree>
@@ -7871,7 +7367,7 @@
 </p:sld>
 </file>
 
-<file path=ppt/slides/slide14.xml><?xml version="1.0" encoding="utf-8"?>
+<file path=ppt/slides/slide13.xml><?xml version="1.0" encoding="utf-8"?>
 <p:sld xmlns:a="http://schemas.openxmlformats.org/drawingml/2006/main" xmlns:r="http://schemas.openxmlformats.org/officeDocument/2006/relationships" xmlns:p="http://schemas.openxmlformats.org/presentationml/2006/main">
   <p:cSld>
     <p:spTree>
@@ -8000,7 +7496,7 @@
 </p:sld>
 </file>
 
-<file path=ppt/slides/slide15.xml><?xml version="1.0" encoding="utf-8"?>
+<file path=ppt/slides/slide14.xml><?xml version="1.0" encoding="utf-8"?>
 <p:sld xmlns:a="http://schemas.openxmlformats.org/drawingml/2006/main" xmlns:r="http://schemas.openxmlformats.org/officeDocument/2006/relationships" xmlns:p="http://schemas.openxmlformats.org/presentationml/2006/main">
   <p:cSld>
     <p:spTree>
@@ -8335,7 +7831,7 @@
 </p:sld>
 </file>
 
-<file path=ppt/slides/slide16.xml><?xml version="1.0" encoding="utf-8"?>
+<file path=ppt/slides/slide15.xml><?xml version="1.0" encoding="utf-8"?>
 <p:sld xmlns:a="http://schemas.openxmlformats.org/drawingml/2006/main" xmlns:r="http://schemas.openxmlformats.org/officeDocument/2006/relationships" xmlns:p="http://schemas.openxmlformats.org/presentationml/2006/main">
   <p:cSld>
     <p:spTree>
@@ -8670,7 +8166,7 @@
 </p:sld>
 </file>
 
-<file path=ppt/slides/slide17.xml><?xml version="1.0" encoding="utf-8"?>
+<file path=ppt/slides/slide16.xml><?xml version="1.0" encoding="utf-8"?>
 <p:sld xmlns:a="http://schemas.openxmlformats.org/drawingml/2006/main" xmlns:r="http://schemas.openxmlformats.org/officeDocument/2006/relationships" xmlns:p="http://schemas.openxmlformats.org/presentationml/2006/main">
   <p:cSld>
     <p:spTree>
@@ -12368,7 +11864,7 @@
 </p:sld>
 </file>
 
-<file path=ppt/slides/slide18.xml><?xml version="1.0" encoding="utf-8"?>
+<file path=ppt/slides/slide17.xml><?xml version="1.0" encoding="utf-8"?>
 <p:sld xmlns:a="http://schemas.openxmlformats.org/drawingml/2006/main" xmlns:r="http://schemas.openxmlformats.org/officeDocument/2006/relationships" xmlns:p="http://schemas.openxmlformats.org/presentationml/2006/main">
   <p:cSld>
     <p:spTree>
@@ -12494,7 +11990,7 @@
 </p:sld>
 </file>
 
-<file path=ppt/slides/slide19.xml><?xml version="1.0" encoding="utf-8"?>
+<file path=ppt/slides/slide18.xml><?xml version="1.0" encoding="utf-8"?>
 <p:sld xmlns:a="http://schemas.openxmlformats.org/drawingml/2006/main" xmlns:r="http://schemas.openxmlformats.org/officeDocument/2006/relationships" xmlns:p="http://schemas.openxmlformats.org/presentationml/2006/main">
   <p:cSld>
     <p:spTree>
@@ -12568,19 +12064,19 @@
           <a:p>
             <a:r>
               <a:rPr lang="en-US" dirty="0"/>
-              <a:t>Balanced, cost-sensitive CART (CART Cost Bal.) model.</a:t>
+              <a:t>Balanced, cost-sensitive CART (CART Cost Bal.) model</a:t>
             </a:r>
           </a:p>
           <a:p>
             <a:r>
               <a:rPr lang="en-US" dirty="0"/>
-              <a:t>Balanced artificial neural network (ANN Bal.) model.</a:t>
+              <a:t>Balanced artificial neural network (ANN Bal.) model</a:t>
             </a:r>
           </a:p>
           <a:p>
             <a:r>
               <a:rPr lang="en-US" dirty="0"/>
-              <a:t>ANN Bal. model.</a:t>
+              <a:t>ANN Bal. model</a:t>
             </a:r>
           </a:p>
         </p:txBody>
@@ -13039,6 +12535,235 @@
 </p:sld>
 </file>
 
+<file path=ppt/slides/slide19.xml><?xml version="1.0" encoding="utf-8"?>
+<p:sld xmlns:a="http://schemas.openxmlformats.org/drawingml/2006/main" xmlns:r="http://schemas.openxmlformats.org/officeDocument/2006/relationships" xmlns:p="http://schemas.openxmlformats.org/presentationml/2006/main">
+  <p:cSld>
+    <p:spTree>
+      <p:nvGrpSpPr>
+        <p:cNvPr id="1" name=""/>
+        <p:cNvGrpSpPr/>
+        <p:nvPr/>
+      </p:nvGrpSpPr>
+      <p:grpSpPr>
+        <a:xfrm>
+          <a:off x="0" y="0"/>
+          <a:ext cx="0" cy="0"/>
+          <a:chOff x="0" y="0"/>
+          <a:chExt cx="0" cy="0"/>
+        </a:xfrm>
+      </p:grpSpPr>
+      <p:sp>
+        <p:nvSpPr>
+          <p:cNvPr id="2" name="Title 1">
+            <a:extLst>
+              <a:ext uri="{FF2B5EF4-FFF2-40B4-BE49-F238E27FC236}">
+                <a16:creationId xmlns:a16="http://schemas.microsoft.com/office/drawing/2014/main" id="{864ED4A0-3212-4818-BAD1-F80ED2028799}"/>
+              </a:ext>
+            </a:extLst>
+          </p:cNvPr>
+          <p:cNvSpPr>
+            <a:spLocks noGrp="1"/>
+          </p:cNvSpPr>
+          <p:nvPr>
+            <p:ph type="title"/>
+          </p:nvPr>
+        </p:nvSpPr>
+        <p:spPr/>
+        <p:txBody>
+          <a:bodyPr/>
+          <a:lstStyle/>
+          <a:p>
+            <a:pPr algn="ctr"/>
+            <a:r>
+              <a:rPr lang="en-US" dirty="0"/>
+              <a:t>References</a:t>
+            </a:r>
+          </a:p>
+        </p:txBody>
+      </p:sp>
+      <p:sp>
+        <p:nvSpPr>
+          <p:cNvPr id="3" name="Content Placeholder 2">
+            <a:extLst>
+              <a:ext uri="{FF2B5EF4-FFF2-40B4-BE49-F238E27FC236}">
+                <a16:creationId xmlns:a16="http://schemas.microsoft.com/office/drawing/2014/main" id="{1D47CA84-7016-4715-8AC7-26FEE33160DF}"/>
+              </a:ext>
+            </a:extLst>
+          </p:cNvPr>
+          <p:cNvSpPr>
+            <a:spLocks noGrp="1"/>
+          </p:cNvSpPr>
+          <p:nvPr>
+            <p:ph idx="1"/>
+          </p:nvPr>
+        </p:nvSpPr>
+        <p:spPr>
+          <a:xfrm>
+            <a:off x="627227" y="1555418"/>
+            <a:ext cx="10937546" cy="4838680"/>
+          </a:xfrm>
+        </p:spPr>
+        <p:txBody>
+          <a:bodyPr>
+            <a:normAutofit fontScale="25000" lnSpcReduction="20000"/>
+          </a:bodyPr>
+          <a:lstStyle/>
+          <a:p>
+            <a:r>
+              <a:rPr lang="en-US" sz="4600" dirty="0">
+                <a:effectLst/>
+              </a:rPr>
+              <a:t>Benjamin </a:t>
+            </a:r>
+            <a:r>
+              <a:rPr lang="en-US" sz="4600" dirty="0" err="1">
+                <a:effectLst/>
+              </a:rPr>
+              <a:t>Wedro</a:t>
+            </a:r>
+            <a:r>
+              <a:rPr lang="en-US" sz="4600" dirty="0">
+                <a:effectLst/>
+              </a:rPr>
+              <a:t>, M. D. (2021, November 12). </a:t>
+            </a:r>
+            <a:r>
+              <a:rPr lang="en-US" sz="4600" i="1" dirty="0">
+                <a:effectLst/>
+              </a:rPr>
+              <a:t>Stroke: Fast, symptoms, causes, types, treatment, prevention</a:t>
+            </a:r>
+            <a:r>
+              <a:rPr lang="en-US" sz="4600" dirty="0">
+                <a:effectLst/>
+              </a:rPr>
+              <a:t>. </a:t>
+            </a:r>
+            <a:r>
+              <a:rPr lang="en-US" sz="4600" dirty="0" err="1">
+                <a:effectLst/>
+              </a:rPr>
+              <a:t>MedicineNet</a:t>
+            </a:r>
+            <a:r>
+              <a:rPr lang="en-US" sz="4600" dirty="0">
+                <a:effectLst/>
+              </a:rPr>
+              <a:t>. Retrieved April 17, 2022, from https://www.medicinenet.com/stroke_symptoms_and_treatment/article.htm </a:t>
+            </a:r>
+          </a:p>
+          <a:p>
+            <a:r>
+              <a:rPr lang="en-US" sz="4600" dirty="0"/>
+              <a:t>Centers for Disease Control and Prevention. (2022, April 5). Stroke facts. Centers for Disease Control and Prevention. Retrieved April 13, 2022, from https://www.cdc.gov/stroke/facts.htm</a:t>
+            </a:r>
+          </a:p>
+          <a:p>
+            <a:endParaRPr lang="en-US" sz="4600" dirty="0"/>
+          </a:p>
+          <a:p>
+            <a:r>
+              <a:rPr lang="en-US" sz="4600" dirty="0" err="1"/>
+              <a:t>Emon</a:t>
+            </a:r>
+            <a:r>
+              <a:rPr lang="en-US" sz="4600" dirty="0"/>
+              <a:t>, M. U., Keya, M. S., </a:t>
+            </a:r>
+            <a:r>
+              <a:rPr lang="en-US" sz="4600" dirty="0" err="1"/>
+              <a:t>Meghla</a:t>
+            </a:r>
+            <a:r>
+              <a:rPr lang="en-US" sz="4600" dirty="0"/>
+              <a:t>, T. I., Rahman, M. M., Al Mamun, M. S., &amp; Kaiser, M. S. (2020, November). Performance analysis of machine learning approaches in stroke prediction. In 2020 4th International Conference on Electronics, Communication and Aerospace Technology (ICECA) (pp. 1464-1469). IEEE.</a:t>
+            </a:r>
+          </a:p>
+          <a:p>
+            <a:r>
+              <a:rPr lang="en-US" sz="4600" dirty="0"/>
+              <a:t>Markus, H. (2008). Stroke: causes and clinical features. Medicine. 36(11). Elsevier Ltd.</a:t>
+            </a:r>
+          </a:p>
+          <a:p>
+            <a:r>
+              <a:rPr lang="en-US" sz="4600" dirty="0"/>
+              <a:t>Murphy, S. J., &amp; </a:t>
+            </a:r>
+            <a:r>
+              <a:rPr lang="en-US" sz="4600" dirty="0" err="1"/>
+              <a:t>Werring</a:t>
+            </a:r>
+            <a:r>
+              <a:rPr lang="en-US" sz="4600" dirty="0"/>
+              <a:t>, D. J. (2020). Stroke: causes and clinical features. Medicine, 48(9), 561-566.</a:t>
+            </a:r>
+          </a:p>
+          <a:p>
+            <a:endParaRPr lang="en-US" sz="4600" dirty="0"/>
+          </a:p>
+          <a:p>
+            <a:r>
+              <a:rPr lang="en-US" sz="4600" dirty="0"/>
+              <a:t>Palacios, F. S. (2021, January 26). Stroke prediction dataset. Kaggle. Retrieved April 14, 2022, from https://www.kaggle.com/datasets/fedesoriano/stroke-prediction-dataset</a:t>
+            </a:r>
+          </a:p>
+          <a:p>
+            <a:endParaRPr lang="en-US" sz="4600" dirty="0"/>
+          </a:p>
+          <a:p>
+            <a:r>
+              <a:rPr lang="en-US" sz="4600" dirty="0"/>
+              <a:t>Pandian, J. D., Gall, S. L., Kate, M. P., Silva, G. S., Akinyemi, R. O., </a:t>
+            </a:r>
+            <a:r>
+              <a:rPr lang="en-US" sz="4600" dirty="0" err="1"/>
+              <a:t>Ovbiagele</a:t>
+            </a:r>
+            <a:r>
+              <a:rPr lang="en-US" sz="4600" dirty="0"/>
+              <a:t>, B. I., ... &amp; Thrift, A. G. (2018). Prevention of stroke: a global perspective. The Lancet, 392(10154), 1269-1278.</a:t>
+            </a:r>
+          </a:p>
+          <a:p>
+            <a:endParaRPr lang="en-US" sz="4600" dirty="0"/>
+          </a:p>
+          <a:p>
+            <a:r>
+              <a:rPr lang="en-US" sz="4600" dirty="0"/>
+              <a:t>R Core Team (2021). R: A language and environment for statistical computing. R Foundation for Statistical Computing, Vienna, Austria. URL https://www.R-project.org/.</a:t>
+            </a:r>
+          </a:p>
+          <a:p>
+            <a:endParaRPr lang="en-US" sz="4600" dirty="0"/>
+          </a:p>
+          <a:p>
+            <a:r>
+              <a:rPr lang="en-US" sz="4600" dirty="0"/>
+              <a:t>Singh, M. S., &amp; Choudhary, P. (2017, August). Stroke prediction using artificial intelligence. In 2017 8th Annual Industrial Automation and Electromechanical Engineering Conference (IEMECON) (pp. 158-161). IEEE.</a:t>
+            </a:r>
+          </a:p>
+          <a:p>
+            <a:pPr marL="36900" indent="0">
+              <a:buNone/>
+            </a:pPr>
+            <a:endParaRPr lang="en-US" dirty="0"/>
+          </a:p>
+        </p:txBody>
+      </p:sp>
+    </p:spTree>
+    <p:extLst>
+      <p:ext uri="{BB962C8B-B14F-4D97-AF65-F5344CB8AC3E}">
+        <p14:creationId xmlns:p14="http://schemas.microsoft.com/office/powerpoint/2010/main" val="137080484"/>
+      </p:ext>
+    </p:extLst>
+  </p:cSld>
+  <p:clrMapOvr>
+    <a:masterClrMapping/>
+  </p:clrMapOvr>
+</p:sld>
+</file>
+
 <file path=ppt/slides/slide2.xml><?xml version="1.0" encoding="utf-8"?>
 <p:sld xmlns:a="http://schemas.openxmlformats.org/drawingml/2006/main" xmlns:r="http://schemas.openxmlformats.org/officeDocument/2006/relationships" xmlns:p="http://schemas.openxmlformats.org/presentationml/2006/main">
   <p:cSld>
@@ -13206,235 +12931,6 @@
     <p:extLst>
       <p:ext uri="{BB962C8B-B14F-4D97-AF65-F5344CB8AC3E}">
         <p14:creationId xmlns:p14="http://schemas.microsoft.com/office/powerpoint/2010/main" val="1702723648"/>
-      </p:ext>
-    </p:extLst>
-  </p:cSld>
-  <p:clrMapOvr>
-    <a:masterClrMapping/>
-  </p:clrMapOvr>
-</p:sld>
-</file>
-
-<file path=ppt/slides/slide20.xml><?xml version="1.0" encoding="utf-8"?>
-<p:sld xmlns:a="http://schemas.openxmlformats.org/drawingml/2006/main" xmlns:r="http://schemas.openxmlformats.org/officeDocument/2006/relationships" xmlns:p="http://schemas.openxmlformats.org/presentationml/2006/main">
-  <p:cSld>
-    <p:spTree>
-      <p:nvGrpSpPr>
-        <p:cNvPr id="1" name=""/>
-        <p:cNvGrpSpPr/>
-        <p:nvPr/>
-      </p:nvGrpSpPr>
-      <p:grpSpPr>
-        <a:xfrm>
-          <a:off x="0" y="0"/>
-          <a:ext cx="0" cy="0"/>
-          <a:chOff x="0" y="0"/>
-          <a:chExt cx="0" cy="0"/>
-        </a:xfrm>
-      </p:grpSpPr>
-      <p:sp>
-        <p:nvSpPr>
-          <p:cNvPr id="2" name="Title 1">
-            <a:extLst>
-              <a:ext uri="{FF2B5EF4-FFF2-40B4-BE49-F238E27FC236}">
-                <a16:creationId xmlns:a16="http://schemas.microsoft.com/office/drawing/2014/main" id="{864ED4A0-3212-4818-BAD1-F80ED2028799}"/>
-              </a:ext>
-            </a:extLst>
-          </p:cNvPr>
-          <p:cNvSpPr>
-            <a:spLocks noGrp="1"/>
-          </p:cNvSpPr>
-          <p:nvPr>
-            <p:ph type="title"/>
-          </p:nvPr>
-        </p:nvSpPr>
-        <p:spPr/>
-        <p:txBody>
-          <a:bodyPr/>
-          <a:lstStyle/>
-          <a:p>
-            <a:pPr algn="ctr"/>
-            <a:r>
-              <a:rPr lang="en-US" dirty="0"/>
-              <a:t>References</a:t>
-            </a:r>
-          </a:p>
-        </p:txBody>
-      </p:sp>
-      <p:sp>
-        <p:nvSpPr>
-          <p:cNvPr id="3" name="Content Placeholder 2">
-            <a:extLst>
-              <a:ext uri="{FF2B5EF4-FFF2-40B4-BE49-F238E27FC236}">
-                <a16:creationId xmlns:a16="http://schemas.microsoft.com/office/drawing/2014/main" id="{1D47CA84-7016-4715-8AC7-26FEE33160DF}"/>
-              </a:ext>
-            </a:extLst>
-          </p:cNvPr>
-          <p:cNvSpPr>
-            <a:spLocks noGrp="1"/>
-          </p:cNvSpPr>
-          <p:nvPr>
-            <p:ph idx="1"/>
-          </p:nvPr>
-        </p:nvSpPr>
-        <p:spPr>
-          <a:xfrm>
-            <a:off x="627227" y="1555418"/>
-            <a:ext cx="10937546" cy="4838680"/>
-          </a:xfrm>
-        </p:spPr>
-        <p:txBody>
-          <a:bodyPr>
-            <a:normAutofit fontScale="25000" lnSpcReduction="20000"/>
-          </a:bodyPr>
-          <a:lstStyle/>
-          <a:p>
-            <a:r>
-              <a:rPr lang="en-US" sz="4600" dirty="0">
-                <a:effectLst/>
-              </a:rPr>
-              <a:t>Benjamin </a:t>
-            </a:r>
-            <a:r>
-              <a:rPr lang="en-US" sz="4600" dirty="0" err="1">
-                <a:effectLst/>
-              </a:rPr>
-              <a:t>Wedro</a:t>
-            </a:r>
-            <a:r>
-              <a:rPr lang="en-US" sz="4600" dirty="0">
-                <a:effectLst/>
-              </a:rPr>
-              <a:t>, M. D. (2021, November 12). </a:t>
-            </a:r>
-            <a:r>
-              <a:rPr lang="en-US" sz="4600" i="1" dirty="0">
-                <a:effectLst/>
-              </a:rPr>
-              <a:t>Stroke: Fast, symptoms, causes, types, treatment, prevention</a:t>
-            </a:r>
-            <a:r>
-              <a:rPr lang="en-US" sz="4600" dirty="0">
-                <a:effectLst/>
-              </a:rPr>
-              <a:t>. </a:t>
-            </a:r>
-            <a:r>
-              <a:rPr lang="en-US" sz="4600" dirty="0" err="1">
-                <a:effectLst/>
-              </a:rPr>
-              <a:t>MedicineNet</a:t>
-            </a:r>
-            <a:r>
-              <a:rPr lang="en-US" sz="4600" dirty="0">
-                <a:effectLst/>
-              </a:rPr>
-              <a:t>. Retrieved April 17, 2022, from https://www.medicinenet.com/stroke_symptoms_and_treatment/article.htm </a:t>
-            </a:r>
-          </a:p>
-          <a:p>
-            <a:r>
-              <a:rPr lang="en-US" sz="4600" dirty="0"/>
-              <a:t>Centers for Disease Control and Prevention. (2022, April 5). Stroke facts. Centers for Disease Control and Prevention. Retrieved April 13, 2022, from https://www.cdc.gov/stroke/facts.htm</a:t>
-            </a:r>
-          </a:p>
-          <a:p>
-            <a:endParaRPr lang="en-US" sz="4600" dirty="0"/>
-          </a:p>
-          <a:p>
-            <a:r>
-              <a:rPr lang="en-US" sz="4600" dirty="0" err="1"/>
-              <a:t>Emon</a:t>
-            </a:r>
-            <a:r>
-              <a:rPr lang="en-US" sz="4600" dirty="0"/>
-              <a:t>, M. U., Keya, M. S., </a:t>
-            </a:r>
-            <a:r>
-              <a:rPr lang="en-US" sz="4600" dirty="0" err="1"/>
-              <a:t>Meghla</a:t>
-            </a:r>
-            <a:r>
-              <a:rPr lang="en-US" sz="4600" dirty="0"/>
-              <a:t>, T. I., Rahman, M. M., Al Mamun, M. S., &amp; Kaiser, M. S. (2020, November). Performance analysis of machine learning approaches in stroke prediction. In 2020 4th International Conference on Electronics, Communication and Aerospace Technology (ICECA) (pp. 1464-1469). IEEE.</a:t>
-            </a:r>
-          </a:p>
-          <a:p>
-            <a:r>
-              <a:rPr lang="en-US" sz="4600" dirty="0"/>
-              <a:t>Markus, H. (2008). Stroke: causes and clinical features. Medicine. 36(11). Elsevier Ltd.</a:t>
-            </a:r>
-          </a:p>
-          <a:p>
-            <a:r>
-              <a:rPr lang="en-US" sz="4600" dirty="0"/>
-              <a:t>Murphy, S. J., &amp; </a:t>
-            </a:r>
-            <a:r>
-              <a:rPr lang="en-US" sz="4600" dirty="0" err="1"/>
-              <a:t>Werring</a:t>
-            </a:r>
-            <a:r>
-              <a:rPr lang="en-US" sz="4600" dirty="0"/>
-              <a:t>, D. J. (2020). Stroke: causes and clinical features. Medicine, 48(9), 561-566.</a:t>
-            </a:r>
-          </a:p>
-          <a:p>
-            <a:endParaRPr lang="en-US" sz="4600" dirty="0"/>
-          </a:p>
-          <a:p>
-            <a:r>
-              <a:rPr lang="en-US" sz="4600" dirty="0"/>
-              <a:t>Palacios, F. S. (2021, January 26). Stroke prediction dataset. Kaggle. Retrieved April 14, 2022, from https://www.kaggle.com/datasets/fedesoriano/stroke-prediction-dataset</a:t>
-            </a:r>
-          </a:p>
-          <a:p>
-            <a:endParaRPr lang="en-US" sz="4600" dirty="0"/>
-          </a:p>
-          <a:p>
-            <a:r>
-              <a:rPr lang="en-US" sz="4600" dirty="0"/>
-              <a:t>Pandian, J. D., Gall, S. L., Kate, M. P., Silva, G. S., Akinyemi, R. O., </a:t>
-            </a:r>
-            <a:r>
-              <a:rPr lang="en-US" sz="4600" dirty="0" err="1"/>
-              <a:t>Ovbiagele</a:t>
-            </a:r>
-            <a:r>
-              <a:rPr lang="en-US" sz="4600" dirty="0"/>
-              <a:t>, B. I., ... &amp; Thrift, A. G. (2018). Prevention of stroke: a global perspective. The Lancet, 392(10154), 1269-1278.</a:t>
-            </a:r>
-          </a:p>
-          <a:p>
-            <a:endParaRPr lang="en-US" sz="4600" dirty="0"/>
-          </a:p>
-          <a:p>
-            <a:r>
-              <a:rPr lang="en-US" sz="4600" dirty="0"/>
-              <a:t>R Core Team (2021). R: A language and environment for statistical computing. R Foundation for Statistical Computing, Vienna, Austria. URL https://www.R-project.org/.</a:t>
-            </a:r>
-          </a:p>
-          <a:p>
-            <a:endParaRPr lang="en-US" sz="4600" dirty="0"/>
-          </a:p>
-          <a:p>
-            <a:r>
-              <a:rPr lang="en-US" sz="4600" dirty="0"/>
-              <a:t>Singh, M. S., &amp; Choudhary, P. (2017, August). Stroke prediction using artificial intelligence. In 2017 8th Annual Industrial Automation and Electromechanical Engineering Conference (IEMECON) (pp. 158-161). IEEE.</a:t>
-            </a:r>
-          </a:p>
-          <a:p>
-            <a:pPr marL="36900" indent="0">
-              <a:buNone/>
-            </a:pPr>
-            <a:endParaRPr lang="en-US" dirty="0"/>
-          </a:p>
-        </p:txBody>
-      </p:sp>
-    </p:spTree>
-    <p:extLst>
-      <p:ext uri="{BB962C8B-B14F-4D97-AF65-F5344CB8AC3E}">
-        <p14:creationId xmlns:p14="http://schemas.microsoft.com/office/powerpoint/2010/main" val="137080484"/>
       </p:ext>
     </p:extLst>
   </p:cSld>
@@ -14027,7 +13523,7 @@
                   <a:srgbClr val="DADADA"/>
                 </a:solidFill>
               </a:rPr>
-              <a:t>Age serves as the root node.</a:t>
+              <a:t>Age serves as the root node</a:t>
             </a:r>
           </a:p>
           <a:p>
@@ -14044,7 +13540,7 @@
                   <a:srgbClr val="DADADA"/>
                 </a:solidFill>
               </a:rPr>
-              <a:t>66 nodes.</a:t>
+              <a:t>66 nodes</a:t>
             </a:r>
           </a:p>
           <a:p>
@@ -14061,7 +13557,7 @@
                   <a:srgbClr val="DADADA"/>
                 </a:solidFill>
               </a:rPr>
-              <a:t>78% accuracy.</a:t>
+              <a:t>78% accuracy</a:t>
             </a:r>
           </a:p>
           <a:p>
@@ -14078,7 +13574,7 @@
                   <a:srgbClr val="DADADA"/>
                 </a:solidFill>
               </a:rPr>
-              <a:t>54% sensitivity.</a:t>
+              <a:t>54% sensitivity</a:t>
             </a:r>
           </a:p>
           <a:p>
@@ -14095,7 +13591,7 @@
                   <a:srgbClr val="DADADA"/>
                 </a:solidFill>
               </a:rPr>
-              <a:t>80% specificity.</a:t>
+              <a:t>80% specificity</a:t>
             </a:r>
           </a:p>
           <a:p>
@@ -14605,90 +14101,6 @@
       </p:grpSpPr>
       <p:sp>
         <p:nvSpPr>
-          <p:cNvPr id="2" name="Title 1">
-            <a:extLst>
-              <a:ext uri="{FF2B5EF4-FFF2-40B4-BE49-F238E27FC236}">
-                <a16:creationId xmlns:a16="http://schemas.microsoft.com/office/drawing/2014/main" id="{864ED4A0-3212-4818-BAD1-F80ED2028799}"/>
-              </a:ext>
-            </a:extLst>
-          </p:cNvPr>
-          <p:cNvSpPr>
-            <a:spLocks noGrp="1"/>
-          </p:cNvSpPr>
-          <p:nvPr>
-            <p:ph type="title"/>
-          </p:nvPr>
-        </p:nvSpPr>
-        <p:spPr/>
-        <p:txBody>
-          <a:bodyPr/>
-          <a:lstStyle/>
-          <a:p>
-            <a:pPr algn="ctr"/>
-            <a:r>
-              <a:rPr lang="en-US" dirty="0"/>
-              <a:t>Linear Regression</a:t>
-            </a:r>
-          </a:p>
-        </p:txBody>
-      </p:sp>
-      <p:sp>
-        <p:nvSpPr>
-          <p:cNvPr id="3" name="Content Placeholder 2">
-            <a:extLst>
-              <a:ext uri="{FF2B5EF4-FFF2-40B4-BE49-F238E27FC236}">
-                <a16:creationId xmlns:a16="http://schemas.microsoft.com/office/drawing/2014/main" id="{1D47CA84-7016-4715-8AC7-26FEE33160DF}"/>
-              </a:ext>
-            </a:extLst>
-          </p:cNvPr>
-          <p:cNvSpPr>
-            <a:spLocks noGrp="1"/>
-          </p:cNvSpPr>
-          <p:nvPr>
-            <p:ph idx="1"/>
-          </p:nvPr>
-        </p:nvSpPr>
-        <p:spPr/>
-        <p:txBody>
-          <a:bodyPr/>
-          <a:lstStyle/>
-          <a:p>
-            <a:endParaRPr lang="en-US"/>
-          </a:p>
-        </p:txBody>
-      </p:sp>
-    </p:spTree>
-    <p:extLst>
-      <p:ext uri="{BB962C8B-B14F-4D97-AF65-F5344CB8AC3E}">
-        <p14:creationId xmlns:p14="http://schemas.microsoft.com/office/powerpoint/2010/main" val="1457020880"/>
-      </p:ext>
-    </p:extLst>
-  </p:cSld>
-  <p:clrMapOvr>
-    <a:masterClrMapping/>
-  </p:clrMapOvr>
-</p:sld>
-</file>
-
-<file path=ppt/slides/slide9.xml><?xml version="1.0" encoding="utf-8"?>
-<p:sld xmlns:a="http://schemas.openxmlformats.org/drawingml/2006/main" xmlns:r="http://schemas.openxmlformats.org/officeDocument/2006/relationships" xmlns:p="http://schemas.openxmlformats.org/presentationml/2006/main">
-  <p:cSld>
-    <p:spTree>
-      <p:nvGrpSpPr>
-        <p:cNvPr id="1" name=""/>
-        <p:cNvGrpSpPr/>
-        <p:nvPr/>
-      </p:nvGrpSpPr>
-      <p:grpSpPr>
-        <a:xfrm>
-          <a:off x="0" y="0"/>
-          <a:ext cx="0" cy="0"/>
-          <a:chOff x="0" y="0"/>
-          <a:chExt cx="0" cy="0"/>
-        </a:xfrm>
-      </p:grpSpPr>
-      <p:sp>
-        <p:nvSpPr>
           <p:cNvPr id="3" name="Content Placeholder 2">
             <a:extLst>
               <a:ext uri="{FF2B5EF4-FFF2-40B4-BE49-F238E27FC236}">
@@ -14995,6 +14407,383 @@
         </p:cTn>
       </p:par>
     </p:tnLst>
+  </p:timing>
+</p:sld>
+</file>
+
+<file path=ppt/slides/slide9.xml><?xml version="1.0" encoding="utf-8"?>
+<p:sld xmlns:a="http://schemas.openxmlformats.org/drawingml/2006/main" xmlns:r="http://schemas.openxmlformats.org/officeDocument/2006/relationships" xmlns:p="http://schemas.openxmlformats.org/presentationml/2006/main">
+  <p:cSld>
+    <p:spTree>
+      <p:nvGrpSpPr>
+        <p:cNvPr id="1" name=""/>
+        <p:cNvGrpSpPr/>
+        <p:nvPr/>
+      </p:nvGrpSpPr>
+      <p:grpSpPr>
+        <a:xfrm>
+          <a:off x="0" y="0"/>
+          <a:ext cx="0" cy="0"/>
+          <a:chOff x="0" y="0"/>
+          <a:chExt cx="0" cy="0"/>
+        </a:xfrm>
+      </p:grpSpPr>
+      <p:sp>
+        <p:nvSpPr>
+          <p:cNvPr id="2" name="Title 1">
+            <a:extLst>
+              <a:ext uri="{FF2B5EF4-FFF2-40B4-BE49-F238E27FC236}">
+                <a16:creationId xmlns:a16="http://schemas.microsoft.com/office/drawing/2014/main" id="{4E832F24-B61E-4EAD-9B3D-75054E61A0CA}"/>
+              </a:ext>
+            </a:extLst>
+          </p:cNvPr>
+          <p:cNvSpPr>
+            <a:spLocks noGrp="1"/>
+          </p:cNvSpPr>
+          <p:nvPr>
+            <p:ph type="title"/>
+          </p:nvPr>
+        </p:nvSpPr>
+        <p:spPr>
+          <a:xfrm>
+            <a:off x="3738318" y="590539"/>
+            <a:ext cx="3952902" cy="970450"/>
+          </a:xfrm>
+        </p:spPr>
+        <p:txBody>
+          <a:bodyPr>
+            <a:normAutofit fontScale="90000"/>
+          </a:bodyPr>
+          <a:lstStyle/>
+          <a:p>
+            <a:r>
+              <a:rPr lang="en-US" dirty="0"/>
+              <a:t>Naïve Bayes Pt. 2</a:t>
+            </a:r>
+          </a:p>
+        </p:txBody>
+      </p:sp>
+      <p:sp>
+        <p:nvSpPr>
+          <p:cNvPr id="3" name="Content Placeholder 2">
+            <a:extLst>
+              <a:ext uri="{FF2B5EF4-FFF2-40B4-BE49-F238E27FC236}">
+                <a16:creationId xmlns:a16="http://schemas.microsoft.com/office/drawing/2014/main" id="{DA948BD0-85D8-4878-98CD-0E79402C744A}"/>
+              </a:ext>
+            </a:extLst>
+          </p:cNvPr>
+          <p:cNvSpPr>
+            <a:spLocks noGrp="1"/>
+          </p:cNvSpPr>
+          <p:nvPr>
+            <p:ph idx="1"/>
+          </p:nvPr>
+        </p:nvSpPr>
+        <p:spPr>
+          <a:xfrm>
+            <a:off x="833718" y="2698394"/>
+            <a:ext cx="4509247" cy="2126858"/>
+          </a:xfrm>
+        </p:spPr>
+        <p:txBody>
+          <a:bodyPr>
+            <a:normAutofit/>
+          </a:bodyPr>
+          <a:lstStyle/>
+          <a:p>
+            <a:r>
+              <a:rPr lang="en-US" dirty="0"/>
+              <a:t>The NB model that evaluated “stroke” in association with “smoking status” and “work type” generated the lowest accuracy percentage rating of approximately 33%. </a:t>
+            </a:r>
+          </a:p>
+        </p:txBody>
+      </p:sp>
+      <p:pic>
+        <p:nvPicPr>
+          <p:cNvPr id="5" name="Picture 4">
+            <a:extLst>
+              <a:ext uri="{FF2B5EF4-FFF2-40B4-BE49-F238E27FC236}">
+                <a16:creationId xmlns:a16="http://schemas.microsoft.com/office/drawing/2014/main" id="{C37B29CB-B5FF-4E61-A633-7DAA861830A7}"/>
+              </a:ext>
+            </a:extLst>
+          </p:cNvPr>
+          <p:cNvPicPr>
+            <a:picLocks noChangeAspect="1"/>
+          </p:cNvPicPr>
+          <p:nvPr/>
+        </p:nvPicPr>
+        <p:blipFill>
+          <a:blip r:embed="rId2"/>
+          <a:stretch>
+            <a:fillRect/>
+          </a:stretch>
+        </p:blipFill>
+        <p:spPr>
+          <a:xfrm>
+            <a:off x="5714769" y="2115761"/>
+            <a:ext cx="5334462" cy="3292125"/>
+          </a:xfrm>
+          <a:prstGeom prst="rect">
+            <a:avLst/>
+          </a:prstGeom>
+        </p:spPr>
+      </p:pic>
+    </p:spTree>
+    <p:extLst>
+      <p:ext uri="{BB962C8B-B14F-4D97-AF65-F5344CB8AC3E}">
+        <p14:creationId xmlns:p14="http://schemas.microsoft.com/office/powerpoint/2010/main" val="1986380626"/>
+      </p:ext>
+    </p:extLst>
+  </p:cSld>
+  <p:clrMapOvr>
+    <a:masterClrMapping/>
+  </p:clrMapOvr>
+  <p:timing>
+    <p:tnLst>
+      <p:par>
+        <p:cTn id="1" dur="indefinite" restart="never" nodeType="tmRoot">
+          <p:childTnLst>
+            <p:seq concurrent="1" nextAc="seek">
+              <p:cTn id="2" dur="indefinite" nodeType="mainSeq">
+                <p:childTnLst>
+                  <p:par>
+                    <p:cTn id="3" fill="hold">
+                      <p:stCondLst>
+                        <p:cond delay="indefinite"/>
+                      </p:stCondLst>
+                      <p:childTnLst>
+                        <p:par>
+                          <p:cTn id="4" fill="hold">
+                            <p:stCondLst>
+                              <p:cond delay="0"/>
+                            </p:stCondLst>
+                            <p:childTnLst>
+                              <p:par>
+                                <p:cTn id="5" presetID="42" presetClass="entr" presetSubtype="0" fill="hold" grpId="0" nodeType="clickEffect">
+                                  <p:stCondLst>
+                                    <p:cond delay="0"/>
+                                  </p:stCondLst>
+                                  <p:childTnLst>
+                                    <p:set>
+                                      <p:cBhvr>
+                                        <p:cTn id="6" dur="1" fill="hold">
+                                          <p:stCondLst>
+                                            <p:cond delay="0"/>
+                                          </p:stCondLst>
+                                        </p:cTn>
+                                        <p:tgtEl>
+                                          <p:spTgt spid="2"/>
+                                        </p:tgtEl>
+                                        <p:attrNameLst>
+                                          <p:attrName>style.visibility</p:attrName>
+                                        </p:attrNameLst>
+                                      </p:cBhvr>
+                                      <p:to>
+                                        <p:strVal val="visible"/>
+                                      </p:to>
+                                    </p:set>
+                                    <p:animEffect transition="in" filter="fade">
+                                      <p:cBhvr>
+                                        <p:cTn id="7" dur="1000"/>
+                                        <p:tgtEl>
+                                          <p:spTgt spid="2"/>
+                                        </p:tgtEl>
+                                      </p:cBhvr>
+                                    </p:animEffect>
+                                    <p:anim calcmode="lin" valueType="num">
+                                      <p:cBhvr>
+                                        <p:cTn id="8" dur="1000" fill="hold"/>
+                                        <p:tgtEl>
+                                          <p:spTgt spid="2"/>
+                                        </p:tgtEl>
+                                        <p:attrNameLst>
+                                          <p:attrName>ppt_x</p:attrName>
+                                        </p:attrNameLst>
+                                      </p:cBhvr>
+                                      <p:tavLst>
+                                        <p:tav tm="0">
+                                          <p:val>
+                                            <p:strVal val="#ppt_x"/>
+                                          </p:val>
+                                        </p:tav>
+                                        <p:tav tm="100000">
+                                          <p:val>
+                                            <p:strVal val="#ppt_x"/>
+                                          </p:val>
+                                        </p:tav>
+                                      </p:tavLst>
+                                    </p:anim>
+                                    <p:anim calcmode="lin" valueType="num">
+                                      <p:cBhvr>
+                                        <p:cTn id="9" dur="1000" fill="hold"/>
+                                        <p:tgtEl>
+                                          <p:spTgt spid="2"/>
+                                        </p:tgtEl>
+                                        <p:attrNameLst>
+                                          <p:attrName>ppt_y</p:attrName>
+                                        </p:attrNameLst>
+                                      </p:cBhvr>
+                                      <p:tavLst>
+                                        <p:tav tm="0">
+                                          <p:val>
+                                            <p:strVal val="#ppt_y+.1"/>
+                                          </p:val>
+                                        </p:tav>
+                                        <p:tav tm="100000">
+                                          <p:val>
+                                            <p:strVal val="#ppt_y"/>
+                                          </p:val>
+                                        </p:tav>
+                                      </p:tavLst>
+                                    </p:anim>
+                                  </p:childTnLst>
+                                </p:cTn>
+                              </p:par>
+                            </p:childTnLst>
+                          </p:cTn>
+                        </p:par>
+                      </p:childTnLst>
+                    </p:cTn>
+                  </p:par>
+                  <p:par>
+                    <p:cTn id="10" fill="hold">
+                      <p:stCondLst>
+                        <p:cond delay="indefinite"/>
+                      </p:stCondLst>
+                      <p:childTnLst>
+                        <p:par>
+                          <p:cTn id="11" fill="hold">
+                            <p:stCondLst>
+                              <p:cond delay="0"/>
+                            </p:stCondLst>
+                            <p:childTnLst>
+                              <p:par>
+                                <p:cTn id="12" presetID="42" presetClass="entr" presetSubtype="0" fill="hold" nodeType="clickEffect">
+                                  <p:stCondLst>
+                                    <p:cond delay="0"/>
+                                  </p:stCondLst>
+                                  <p:childTnLst>
+                                    <p:set>
+                                      <p:cBhvr>
+                                        <p:cTn id="13" dur="1" fill="hold">
+                                          <p:stCondLst>
+                                            <p:cond delay="0"/>
+                                          </p:stCondLst>
+                                        </p:cTn>
+                                        <p:tgtEl>
+                                          <p:spTgt spid="3">
+                                            <p:txEl>
+                                              <p:pRg st="0" end="0"/>
+                                            </p:txEl>
+                                          </p:spTgt>
+                                        </p:tgtEl>
+                                        <p:attrNameLst>
+                                          <p:attrName>style.visibility</p:attrName>
+                                        </p:attrNameLst>
+                                      </p:cBhvr>
+                                      <p:to>
+                                        <p:strVal val="visible"/>
+                                      </p:to>
+                                    </p:set>
+                                    <p:animEffect transition="in" filter="fade">
+                                      <p:cBhvr>
+                                        <p:cTn id="14" dur="1000"/>
+                                        <p:tgtEl>
+                                          <p:spTgt spid="3">
+                                            <p:txEl>
+                                              <p:pRg st="0" end="0"/>
+                                            </p:txEl>
+                                          </p:spTgt>
+                                        </p:tgtEl>
+                                      </p:cBhvr>
+                                    </p:animEffect>
+                                    <p:anim calcmode="lin" valueType="num">
+                                      <p:cBhvr>
+                                        <p:cTn id="15" dur="1000" fill="hold"/>
+                                        <p:tgtEl>
+                                          <p:spTgt spid="3">
+                                            <p:txEl>
+                                              <p:pRg st="0" end="0"/>
+                                            </p:txEl>
+                                          </p:spTgt>
+                                        </p:tgtEl>
+                                        <p:attrNameLst>
+                                          <p:attrName>ppt_x</p:attrName>
+                                        </p:attrNameLst>
+                                      </p:cBhvr>
+                                      <p:tavLst>
+                                        <p:tav tm="0">
+                                          <p:val>
+                                            <p:strVal val="#ppt_x"/>
+                                          </p:val>
+                                        </p:tav>
+                                        <p:tav tm="100000">
+                                          <p:val>
+                                            <p:strVal val="#ppt_x"/>
+                                          </p:val>
+                                        </p:tav>
+                                      </p:tavLst>
+                                    </p:anim>
+                                    <p:anim calcmode="lin" valueType="num">
+                                      <p:cBhvr>
+                                        <p:cTn id="16" dur="1000" fill="hold"/>
+                                        <p:tgtEl>
+                                          <p:spTgt spid="3">
+                                            <p:txEl>
+                                              <p:pRg st="0" end="0"/>
+                                            </p:txEl>
+                                          </p:spTgt>
+                                        </p:tgtEl>
+                                        <p:attrNameLst>
+                                          <p:attrName>ppt_y</p:attrName>
+                                        </p:attrNameLst>
+                                      </p:cBhvr>
+                                      <p:tavLst>
+                                        <p:tav tm="0">
+                                          <p:val>
+                                            <p:strVal val="#ppt_y+.1"/>
+                                          </p:val>
+                                        </p:tav>
+                                        <p:tav tm="100000">
+                                          <p:val>
+                                            <p:strVal val="#ppt_y"/>
+                                          </p:val>
+                                        </p:tav>
+                                      </p:tavLst>
+                                    </p:anim>
+                                  </p:childTnLst>
+                                </p:cTn>
+                              </p:par>
+                            </p:childTnLst>
+                          </p:cTn>
+                        </p:par>
+                      </p:childTnLst>
+                    </p:cTn>
+                  </p:par>
+                </p:childTnLst>
+              </p:cTn>
+              <p:prevCondLst>
+                <p:cond evt="onPrev" delay="0">
+                  <p:tgtEl>
+                    <p:sldTgt/>
+                  </p:tgtEl>
+                </p:cond>
+              </p:prevCondLst>
+              <p:nextCondLst>
+                <p:cond evt="onNext" delay="0">
+                  <p:tgtEl>
+                    <p:sldTgt/>
+                  </p:tgtEl>
+                </p:cond>
+              </p:nextCondLst>
+            </p:seq>
+          </p:childTnLst>
+        </p:cTn>
+      </p:par>
+    </p:tnLst>
+    <p:bldLst>
+      <p:bldP spid="2" grpId="0"/>
+    </p:bldLst>
   </p:timing>
 </p:sld>
 </file>

--- a/Stroke Dataset Presentation.pptx
+++ b/Stroke Dataset Presentation.pptx
@@ -136,50 +136,6 @@
     <p1510:client id="{91426C73-4AA6-491E-92B9-67F9DA0C00F3}" v="8" dt="2022-04-17T22:14:23.738"/>
   </p1510:revLst>
 </p1510:revInfo>
-</file>
-
-<file path=ppt/changesInfos/changesInfo1.xml><?xml version="1.0" encoding="utf-8"?>
-<pc:chgInfo xmlns:a="http://schemas.openxmlformats.org/drawingml/2006/main" xmlns:r="http://schemas.openxmlformats.org/officeDocument/2006/relationships" xmlns:ac="http://schemas.microsoft.com/office/drawing/2013/main/command" xmlns:pc="http://schemas.microsoft.com/office/powerpoint/2013/main/command">
-  <pc:docChgLst>
-    <pc:chgData name="andrewpakkim@gmail.com" userId="aed3a4d2dfa1bf11" providerId="LiveId" clId="{91426C73-4AA6-491E-92B9-67F9DA0C00F3}"/>
-    <pc:docChg chg="modSld">
-      <pc:chgData name="andrewpakkim@gmail.com" userId="aed3a4d2dfa1bf11" providerId="LiveId" clId="{91426C73-4AA6-491E-92B9-67F9DA0C00F3}" dt="2022-04-17T22:14:23.738" v="7" actId="20577"/>
-      <pc:docMkLst>
-        <pc:docMk/>
-      </pc:docMkLst>
-      <pc:sldChg chg="modSp">
-        <pc:chgData name="andrewpakkim@gmail.com" userId="aed3a4d2dfa1bf11" providerId="LiveId" clId="{91426C73-4AA6-491E-92B9-67F9DA0C00F3}" dt="2022-04-17T22:14:23.738" v="7" actId="20577"/>
-        <pc:sldMkLst>
-          <pc:docMk/>
-          <pc:sldMk cId="1245233308" sldId="268"/>
-        </pc:sldMkLst>
-        <pc:spChg chg="mod">
-          <ac:chgData name="andrewpakkim@gmail.com" userId="aed3a4d2dfa1bf11" providerId="LiveId" clId="{91426C73-4AA6-491E-92B9-67F9DA0C00F3}" dt="2022-04-17T22:14:23.738" v="7" actId="20577"/>
-          <ac:spMkLst>
-            <pc:docMk/>
-            <pc:sldMk cId="1245233308" sldId="268"/>
-            <ac:spMk id="3" creationId="{1D47CA84-7016-4715-8AC7-26FEE33160DF}"/>
-          </ac:spMkLst>
-        </pc:spChg>
-      </pc:sldChg>
-      <pc:sldChg chg="modSp">
-        <pc:chgData name="andrewpakkim@gmail.com" userId="aed3a4d2dfa1bf11" providerId="LiveId" clId="{91426C73-4AA6-491E-92B9-67F9DA0C00F3}" dt="2022-04-17T22:14:08.232" v="4" actId="20577"/>
-        <pc:sldMkLst>
-          <pc:docMk/>
-          <pc:sldMk cId="3087262519" sldId="277"/>
-        </pc:sldMkLst>
-        <pc:spChg chg="mod">
-          <ac:chgData name="andrewpakkim@gmail.com" userId="aed3a4d2dfa1bf11" providerId="LiveId" clId="{91426C73-4AA6-491E-92B9-67F9DA0C00F3}" dt="2022-04-17T22:14:08.232" v="4" actId="20577"/>
-          <ac:spMkLst>
-            <pc:docMk/>
-            <pc:sldMk cId="3087262519" sldId="277"/>
-            <ac:spMk id="3" creationId="{D78E4759-41A0-4B7E-8C59-B89C2E28494A}"/>
-          </ac:spMkLst>
-        </pc:spChg>
-      </pc:sldChg>
-    </pc:docChg>
-  </pc:docChgLst>
-</pc:chgInfo>
 </file>
 
 <file path=ppt/slideLayouts/slideLayout1.xml><?xml version="1.0" encoding="utf-8"?>
@@ -12055,7 +12011,7 @@
         <p:spPr>
           <a:xfrm>
             <a:off x="2127973" y="2580724"/>
-            <a:ext cx="7925405" cy="1696551"/>
+            <a:ext cx="7925405" cy="1041017"/>
           </a:xfrm>
         </p:spPr>
         <p:txBody>
@@ -12070,13 +12026,7 @@
           <a:p>
             <a:r>
               <a:rPr lang="en-US" dirty="0"/>
-              <a:t>Balanced artificial neural network (ANN Bal.) model</a:t>
-            </a:r>
-          </a:p>
-          <a:p>
-            <a:r>
-              <a:rPr lang="en-US" dirty="0"/>
-              <a:t>ANN Bal. model</a:t>
+              <a:t>Balanced artificial neural network (ANN Bal.) model.</a:t>
             </a:r>
           </a:p>
         </p:txBody>
@@ -12375,109 +12325,6 @@
                                           <p:spTgt spid="3">
                                             <p:txEl>
                                               <p:pRg st="1" end="1"/>
-                                            </p:txEl>
-                                          </p:spTgt>
-                                        </p:tgtEl>
-                                        <p:attrNameLst>
-                                          <p:attrName>ppt_y</p:attrName>
-                                        </p:attrNameLst>
-                                      </p:cBhvr>
-                                      <p:tavLst>
-                                        <p:tav tm="0">
-                                          <p:val>
-                                            <p:strVal val="1+#ppt_h/2"/>
-                                          </p:val>
-                                        </p:tav>
-                                        <p:tav tm="100000">
-                                          <p:val>
-                                            <p:strVal val="#ppt_y"/>
-                                          </p:val>
-                                        </p:tav>
-                                      </p:tavLst>
-                                    </p:anim>
-                                  </p:childTnLst>
-                                </p:cTn>
-                              </p:par>
-                            </p:childTnLst>
-                          </p:cTn>
-                        </p:par>
-                      </p:childTnLst>
-                    </p:cTn>
-                  </p:par>
-                  <p:par>
-                    <p:cTn id="22" fill="hold">
-                      <p:stCondLst>
-                        <p:cond delay="indefinite"/>
-                      </p:stCondLst>
-                      <p:childTnLst>
-                        <p:par>
-                          <p:cTn id="23" fill="hold">
-                            <p:stCondLst>
-                              <p:cond delay="0"/>
-                            </p:stCondLst>
-                            <p:childTnLst>
-                              <p:par>
-                                <p:cTn id="24" presetID="2" presetClass="entr" presetSubtype="4" fill="hold" nodeType="clickEffect">
-                                  <p:stCondLst>
-                                    <p:cond delay="0"/>
-                                  </p:stCondLst>
-                                  <p:childTnLst>
-                                    <p:set>
-                                      <p:cBhvr>
-                                        <p:cTn id="25" dur="1" fill="hold">
-                                          <p:stCondLst>
-                                            <p:cond delay="0"/>
-                                          </p:stCondLst>
-                                        </p:cTn>
-                                        <p:tgtEl>
-                                          <p:spTgt spid="3">
-                                            <p:txEl>
-                                              <p:pRg st="2" end="2"/>
-                                            </p:txEl>
-                                          </p:spTgt>
-                                        </p:tgtEl>
-                                        <p:attrNameLst>
-                                          <p:attrName>style.visibility</p:attrName>
-                                        </p:attrNameLst>
-                                      </p:cBhvr>
-                                      <p:to>
-                                        <p:strVal val="visible"/>
-                                      </p:to>
-                                    </p:set>
-                                    <p:anim calcmode="lin" valueType="num">
-                                      <p:cBhvr additive="base">
-                                        <p:cTn id="26" dur="500" fill="hold"/>
-                                        <p:tgtEl>
-                                          <p:spTgt spid="3">
-                                            <p:txEl>
-                                              <p:pRg st="2" end="2"/>
-                                            </p:txEl>
-                                          </p:spTgt>
-                                        </p:tgtEl>
-                                        <p:attrNameLst>
-                                          <p:attrName>ppt_x</p:attrName>
-                                        </p:attrNameLst>
-                                      </p:cBhvr>
-                                      <p:tavLst>
-                                        <p:tav tm="0">
-                                          <p:val>
-                                            <p:strVal val="#ppt_x"/>
-                                          </p:val>
-                                        </p:tav>
-                                        <p:tav tm="100000">
-                                          <p:val>
-                                            <p:strVal val="#ppt_x"/>
-                                          </p:val>
-                                        </p:tav>
-                                      </p:tavLst>
-                                    </p:anim>
-                                    <p:anim calcmode="lin" valueType="num">
-                                      <p:cBhvr additive="base">
-                                        <p:cTn id="27" dur="500" fill="hold"/>
-                                        <p:tgtEl>
-                                          <p:spTgt spid="3">
-                                            <p:txEl>
-                                              <p:pRg st="2" end="2"/>
                                             </p:txEl>
                                           </p:spTgt>
                                         </p:tgtEl>

--- a/Stroke Dataset Presentation.pptx
+++ b/Stroke Dataset Presentation.pptx
@@ -3,27 +3,29 @@
 <p:presentation xmlns:a="http://schemas.openxmlformats.org/drawingml/2006/main" xmlns:r="http://schemas.openxmlformats.org/officeDocument/2006/relationships" xmlns:p="http://schemas.openxmlformats.org/presentationml/2006/main" saveSubsetFonts="1">
   <p:sldMasterIdLst>
     <p:sldMasterId id="2147483690" r:id="rId1"/>
+    <p:sldMasterId id="2147483708" r:id="rId2"/>
   </p:sldMasterIdLst>
   <p:sldIdLst>
-    <p:sldId id="256" r:id="rId2"/>
-    <p:sldId id="257" r:id="rId3"/>
-    <p:sldId id="258" r:id="rId4"/>
-    <p:sldId id="273" r:id="rId5"/>
-    <p:sldId id="274" r:id="rId6"/>
-    <p:sldId id="275" r:id="rId7"/>
-    <p:sldId id="277" r:id="rId8"/>
-    <p:sldId id="259" r:id="rId9"/>
-    <p:sldId id="278" r:id="rId10"/>
-    <p:sldId id="260" r:id="rId11"/>
-    <p:sldId id="261" r:id="rId12"/>
-    <p:sldId id="262" r:id="rId13"/>
-    <p:sldId id="264" r:id="rId14"/>
-    <p:sldId id="271" r:id="rId15"/>
-    <p:sldId id="272" r:id="rId16"/>
-    <p:sldId id="280" r:id="rId17"/>
-    <p:sldId id="281" r:id="rId18"/>
-    <p:sldId id="268" r:id="rId19"/>
-    <p:sldId id="267" r:id="rId20"/>
+    <p:sldId id="256" r:id="rId3"/>
+    <p:sldId id="257" r:id="rId4"/>
+    <p:sldId id="258" r:id="rId5"/>
+    <p:sldId id="273" r:id="rId6"/>
+    <p:sldId id="274" r:id="rId7"/>
+    <p:sldId id="275" r:id="rId8"/>
+    <p:sldId id="277" r:id="rId9"/>
+    <p:sldId id="259" r:id="rId10"/>
+    <p:sldId id="278" r:id="rId11"/>
+    <p:sldId id="260" r:id="rId12"/>
+    <p:sldId id="283" r:id="rId13"/>
+    <p:sldId id="261" r:id="rId14"/>
+    <p:sldId id="262" r:id="rId15"/>
+    <p:sldId id="264" r:id="rId16"/>
+    <p:sldId id="271" r:id="rId17"/>
+    <p:sldId id="272" r:id="rId18"/>
+    <p:sldId id="280" r:id="rId19"/>
+    <p:sldId id="281" r:id="rId20"/>
+    <p:sldId id="268" r:id="rId21"/>
+    <p:sldId id="267" r:id="rId22"/>
   </p:sldIdLst>
   <p:sldSz cx="12192000" cy="6858000"/>
   <p:notesSz cx="6858000" cy="9144000"/>
@@ -3314,6 +3316,422 @@
 </p:sldLayout>
 </file>
 
+<file path=ppt/slideLayouts/slideLayout18.xml><?xml version="1.0" encoding="utf-8"?>
+<p:sldLayout xmlns:a="http://schemas.openxmlformats.org/drawingml/2006/main" xmlns:r="http://schemas.openxmlformats.org/officeDocument/2006/relationships" xmlns:p="http://schemas.openxmlformats.org/presentationml/2006/main" showMasterSp="0" type="title" preserve="1">
+  <p:cSld name="Title Slide">
+    <p:spTree>
+      <p:nvGrpSpPr>
+        <p:cNvPr id="1" name=""/>
+        <p:cNvGrpSpPr/>
+        <p:nvPr/>
+      </p:nvGrpSpPr>
+      <p:grpSpPr>
+        <a:xfrm>
+          <a:off x="0" y="0"/>
+          <a:ext cx="0" cy="0"/>
+          <a:chOff x="0" y="0"/>
+          <a:chExt cx="0" cy="0"/>
+        </a:xfrm>
+      </p:grpSpPr>
+      <p:sp>
+        <p:nvSpPr>
+          <p:cNvPr id="2" name="Title 1"/>
+          <p:cNvSpPr>
+            <a:spLocks noGrp="1"/>
+          </p:cNvSpPr>
+          <p:nvPr>
+            <p:ph type="ctrTitle"/>
+          </p:nvPr>
+        </p:nvSpPr>
+        <p:spPr>
+          <a:xfrm>
+            <a:off x="1370693" y="1769540"/>
+            <a:ext cx="9440034" cy="1828801"/>
+          </a:xfrm>
+        </p:spPr>
+        <p:txBody>
+          <a:bodyPr anchor="b">
+            <a:normAutofit/>
+          </a:bodyPr>
+          <a:lstStyle>
+            <a:lvl1pPr algn="ctr">
+              <a:defRPr sz="5400"/>
+            </a:lvl1pPr>
+          </a:lstStyle>
+          <a:p>
+            <a:r>
+              <a:rPr lang="en-US"/>
+              <a:t>Click to edit Master title style</a:t>
+            </a:r>
+            <a:endParaRPr lang="en-US" dirty="0"/>
+          </a:p>
+        </p:txBody>
+      </p:sp>
+      <p:sp>
+        <p:nvSpPr>
+          <p:cNvPr id="3" name="Subtitle 2"/>
+          <p:cNvSpPr>
+            <a:spLocks noGrp="1"/>
+          </p:cNvSpPr>
+          <p:nvPr>
+            <p:ph type="subTitle" idx="1"/>
+          </p:nvPr>
+        </p:nvSpPr>
+        <p:spPr>
+          <a:xfrm>
+            <a:off x="1370693" y="3598339"/>
+            <a:ext cx="9440034" cy="1049867"/>
+          </a:xfrm>
+        </p:spPr>
+        <p:txBody>
+          <a:bodyPr anchor="t"/>
+          <a:lstStyle>
+            <a:lvl1pPr marL="0" indent="0" algn="ctr">
+              <a:buNone/>
+              <a:defRPr>
+                <a:solidFill>
+                  <a:schemeClr val="tx1"/>
+                </a:solidFill>
+              </a:defRPr>
+            </a:lvl1pPr>
+            <a:lvl2pPr marL="457200" indent="0" algn="ctr">
+              <a:buNone/>
+              <a:defRPr>
+                <a:solidFill>
+                  <a:schemeClr val="tx1">
+                    <a:tint val="75000"/>
+                  </a:schemeClr>
+                </a:solidFill>
+              </a:defRPr>
+            </a:lvl2pPr>
+            <a:lvl3pPr marL="914400" indent="0" algn="ctr">
+              <a:buNone/>
+              <a:defRPr>
+                <a:solidFill>
+                  <a:schemeClr val="tx1">
+                    <a:tint val="75000"/>
+                  </a:schemeClr>
+                </a:solidFill>
+              </a:defRPr>
+            </a:lvl3pPr>
+            <a:lvl4pPr marL="1371600" indent="0" algn="ctr">
+              <a:buNone/>
+              <a:defRPr>
+                <a:solidFill>
+                  <a:schemeClr val="tx1">
+                    <a:tint val="75000"/>
+                  </a:schemeClr>
+                </a:solidFill>
+              </a:defRPr>
+            </a:lvl4pPr>
+            <a:lvl5pPr marL="1828800" indent="0" algn="ctr">
+              <a:buNone/>
+              <a:defRPr>
+                <a:solidFill>
+                  <a:schemeClr val="tx1">
+                    <a:tint val="75000"/>
+                  </a:schemeClr>
+                </a:solidFill>
+              </a:defRPr>
+            </a:lvl5pPr>
+            <a:lvl6pPr marL="2286000" indent="0" algn="ctr">
+              <a:buNone/>
+              <a:defRPr>
+                <a:solidFill>
+                  <a:schemeClr val="tx1">
+                    <a:tint val="75000"/>
+                  </a:schemeClr>
+                </a:solidFill>
+              </a:defRPr>
+            </a:lvl6pPr>
+            <a:lvl7pPr marL="2743200" indent="0" algn="ctr">
+              <a:buNone/>
+              <a:defRPr>
+                <a:solidFill>
+                  <a:schemeClr val="tx1">
+                    <a:tint val="75000"/>
+                  </a:schemeClr>
+                </a:solidFill>
+              </a:defRPr>
+            </a:lvl7pPr>
+            <a:lvl8pPr marL="3200400" indent="0" algn="ctr">
+              <a:buNone/>
+              <a:defRPr>
+                <a:solidFill>
+                  <a:schemeClr val="tx1">
+                    <a:tint val="75000"/>
+                  </a:schemeClr>
+                </a:solidFill>
+              </a:defRPr>
+            </a:lvl8pPr>
+            <a:lvl9pPr marL="3657600" indent="0" algn="ctr">
+              <a:buNone/>
+              <a:defRPr>
+                <a:solidFill>
+                  <a:schemeClr val="tx1">
+                    <a:tint val="75000"/>
+                  </a:schemeClr>
+                </a:solidFill>
+              </a:defRPr>
+            </a:lvl9pPr>
+          </a:lstStyle>
+          <a:p>
+            <a:r>
+              <a:rPr lang="en-US"/>
+              <a:t>Click to edit Master subtitle style</a:t>
+            </a:r>
+            <a:endParaRPr lang="en-US" dirty="0"/>
+          </a:p>
+        </p:txBody>
+      </p:sp>
+      <p:sp>
+        <p:nvSpPr>
+          <p:cNvPr id="4" name="Date Placeholder 3"/>
+          <p:cNvSpPr>
+            <a:spLocks noGrp="1"/>
+          </p:cNvSpPr>
+          <p:nvPr>
+            <p:ph type="dt" sz="half" idx="10"/>
+          </p:nvPr>
+        </p:nvSpPr>
+        <p:spPr/>
+        <p:txBody>
+          <a:bodyPr/>
+          <a:lstStyle/>
+          <a:p>
+            <a:fld id="{12435AB4-87E5-4569-B59F-FFDB84E70E67}" type="datetimeFigureOut">
+              <a:rPr lang="en-US" smtClean="0"/>
+              <a:t>4/17/2022</a:t>
+            </a:fld>
+            <a:endParaRPr lang="en-US"/>
+          </a:p>
+        </p:txBody>
+      </p:sp>
+      <p:sp>
+        <p:nvSpPr>
+          <p:cNvPr id="5" name="Footer Placeholder 4"/>
+          <p:cNvSpPr>
+            <a:spLocks noGrp="1"/>
+          </p:cNvSpPr>
+          <p:nvPr>
+            <p:ph type="ftr" sz="quarter" idx="11"/>
+          </p:nvPr>
+        </p:nvSpPr>
+        <p:spPr/>
+        <p:txBody>
+          <a:bodyPr/>
+          <a:lstStyle/>
+          <a:p>
+            <a:endParaRPr lang="en-US"/>
+          </a:p>
+        </p:txBody>
+      </p:sp>
+      <p:sp>
+        <p:nvSpPr>
+          <p:cNvPr id="6" name="Slide Number Placeholder 5"/>
+          <p:cNvSpPr>
+            <a:spLocks noGrp="1"/>
+          </p:cNvSpPr>
+          <p:nvPr>
+            <p:ph type="sldNum" sz="quarter" idx="12"/>
+          </p:nvPr>
+        </p:nvSpPr>
+        <p:spPr/>
+        <p:txBody>
+          <a:bodyPr/>
+          <a:lstStyle/>
+          <a:p>
+            <a:fld id="{522A4B67-F228-4320-BA3B-7A6ECE67417F}" type="slidenum">
+              <a:rPr lang="en-US" smtClean="0"/>
+              <a:t>‹#›</a:t>
+            </a:fld>
+            <a:endParaRPr lang="en-US"/>
+          </a:p>
+        </p:txBody>
+      </p:sp>
+    </p:spTree>
+    <p:extLst>
+      <p:ext uri="{BB962C8B-B14F-4D97-AF65-F5344CB8AC3E}">
+        <p14:creationId xmlns:p14="http://schemas.microsoft.com/office/powerpoint/2010/main" val="620595996"/>
+      </p:ext>
+    </p:extLst>
+  </p:cSld>
+  <p:clrMapOvr>
+    <a:masterClrMapping/>
+  </p:clrMapOvr>
+</p:sldLayout>
+</file>
+
+<file path=ppt/slideLayouts/slideLayout19.xml><?xml version="1.0" encoding="utf-8"?>
+<p:sldLayout xmlns:a="http://schemas.openxmlformats.org/drawingml/2006/main" xmlns:r="http://schemas.openxmlformats.org/officeDocument/2006/relationships" xmlns:p="http://schemas.openxmlformats.org/presentationml/2006/main" showMasterSp="0" type="obj" preserve="1">
+  <p:cSld name="Title and Content">
+    <p:spTree>
+      <p:nvGrpSpPr>
+        <p:cNvPr id="1" name=""/>
+        <p:cNvGrpSpPr/>
+        <p:nvPr/>
+      </p:nvGrpSpPr>
+      <p:grpSpPr>
+        <a:xfrm>
+          <a:off x="0" y="0"/>
+          <a:ext cx="0" cy="0"/>
+          <a:chOff x="0" y="0"/>
+          <a:chExt cx="0" cy="0"/>
+        </a:xfrm>
+      </p:grpSpPr>
+      <p:sp>
+        <p:nvSpPr>
+          <p:cNvPr id="2" name="Title 1"/>
+          <p:cNvSpPr>
+            <a:spLocks noGrp="1"/>
+          </p:cNvSpPr>
+          <p:nvPr>
+            <p:ph type="title"/>
+          </p:nvPr>
+        </p:nvSpPr>
+        <p:spPr/>
+        <p:txBody>
+          <a:bodyPr/>
+          <a:lstStyle/>
+          <a:p>
+            <a:r>
+              <a:rPr lang="en-US"/>
+              <a:t>Click to edit Master title style</a:t>
+            </a:r>
+            <a:endParaRPr lang="en-US" dirty="0"/>
+          </a:p>
+        </p:txBody>
+      </p:sp>
+      <p:sp>
+        <p:nvSpPr>
+          <p:cNvPr id="3" name="Content Placeholder 2"/>
+          <p:cNvSpPr>
+            <a:spLocks noGrp="1"/>
+          </p:cNvSpPr>
+          <p:nvPr>
+            <p:ph idx="1"/>
+          </p:nvPr>
+        </p:nvSpPr>
+        <p:spPr/>
+        <p:txBody>
+          <a:bodyPr/>
+          <a:lstStyle/>
+          <a:p>
+            <a:pPr lvl="0"/>
+            <a:r>
+              <a:rPr lang="en-US"/>
+              <a:t>Click to edit Master text styles</a:t>
+            </a:r>
+          </a:p>
+          <a:p>
+            <a:pPr lvl="1"/>
+            <a:r>
+              <a:rPr lang="en-US"/>
+              <a:t>Second level</a:t>
+            </a:r>
+          </a:p>
+          <a:p>
+            <a:pPr lvl="2"/>
+            <a:r>
+              <a:rPr lang="en-US"/>
+              <a:t>Third level</a:t>
+            </a:r>
+          </a:p>
+          <a:p>
+            <a:pPr lvl="3"/>
+            <a:r>
+              <a:rPr lang="en-US"/>
+              <a:t>Fourth level</a:t>
+            </a:r>
+          </a:p>
+          <a:p>
+            <a:pPr lvl="4"/>
+            <a:r>
+              <a:rPr lang="en-US"/>
+              <a:t>Fifth level</a:t>
+            </a:r>
+            <a:endParaRPr lang="en-US" dirty="0"/>
+          </a:p>
+        </p:txBody>
+      </p:sp>
+      <p:sp>
+        <p:nvSpPr>
+          <p:cNvPr id="4" name="Date Placeholder 3"/>
+          <p:cNvSpPr>
+            <a:spLocks noGrp="1"/>
+          </p:cNvSpPr>
+          <p:nvPr>
+            <p:ph type="dt" sz="half" idx="10"/>
+          </p:nvPr>
+        </p:nvSpPr>
+        <p:spPr/>
+        <p:txBody>
+          <a:bodyPr/>
+          <a:lstStyle/>
+          <a:p>
+            <a:fld id="{12435AB4-87E5-4569-B59F-FFDB84E70E67}" type="datetimeFigureOut">
+              <a:rPr lang="en-US" smtClean="0"/>
+              <a:t>4/17/2022</a:t>
+            </a:fld>
+            <a:endParaRPr lang="en-US"/>
+          </a:p>
+        </p:txBody>
+      </p:sp>
+      <p:sp>
+        <p:nvSpPr>
+          <p:cNvPr id="5" name="Footer Placeholder 4"/>
+          <p:cNvSpPr>
+            <a:spLocks noGrp="1"/>
+          </p:cNvSpPr>
+          <p:nvPr>
+            <p:ph type="ftr" sz="quarter" idx="11"/>
+          </p:nvPr>
+        </p:nvSpPr>
+        <p:spPr/>
+        <p:txBody>
+          <a:bodyPr/>
+          <a:lstStyle/>
+          <a:p>
+            <a:endParaRPr lang="en-US"/>
+          </a:p>
+        </p:txBody>
+      </p:sp>
+      <p:sp>
+        <p:nvSpPr>
+          <p:cNvPr id="6" name="Slide Number Placeholder 5"/>
+          <p:cNvSpPr>
+            <a:spLocks noGrp="1"/>
+          </p:cNvSpPr>
+          <p:nvPr>
+            <p:ph type="sldNum" sz="quarter" idx="12"/>
+          </p:nvPr>
+        </p:nvSpPr>
+        <p:spPr/>
+        <p:txBody>
+          <a:bodyPr/>
+          <a:lstStyle/>
+          <a:p>
+            <a:fld id="{522A4B67-F228-4320-BA3B-7A6ECE67417F}" type="slidenum">
+              <a:rPr lang="en-US" smtClean="0"/>
+              <a:t>‹#›</a:t>
+            </a:fld>
+            <a:endParaRPr lang="en-US"/>
+          </a:p>
+        </p:txBody>
+      </p:sp>
+    </p:spTree>
+    <p:extLst>
+      <p:ext uri="{BB962C8B-B14F-4D97-AF65-F5344CB8AC3E}">
+        <p14:creationId xmlns:p14="http://schemas.microsoft.com/office/powerpoint/2010/main" val="4069621860"/>
+      </p:ext>
+    </p:extLst>
+  </p:cSld>
+  <p:clrMapOvr>
+    <a:masterClrMapping/>
+  </p:clrMapOvr>
+</p:sldLayout>
+</file>
+
 <file path=ppt/slideLayouts/slideLayout2.xml><?xml version="1.0" encoding="utf-8"?>
 <p:sldLayout xmlns:a="http://schemas.openxmlformats.org/drawingml/2006/main" xmlns:r="http://schemas.openxmlformats.org/officeDocument/2006/relationships" xmlns:p="http://schemas.openxmlformats.org/presentationml/2006/main" type="obj" preserve="1">
   <p:cSld name="Title and Content">
@@ -3475,6 +3893,2703 @@
     <p:extLst>
       <p:ext uri="{BB962C8B-B14F-4D97-AF65-F5344CB8AC3E}">
         <p14:creationId xmlns:p14="http://schemas.microsoft.com/office/powerpoint/2010/main" val="3563794790"/>
+      </p:ext>
+    </p:extLst>
+  </p:cSld>
+  <p:clrMapOvr>
+    <a:masterClrMapping/>
+  </p:clrMapOvr>
+</p:sldLayout>
+</file>
+
+<file path=ppt/slideLayouts/slideLayout20.xml><?xml version="1.0" encoding="utf-8"?>
+<p:sldLayout xmlns:a="http://schemas.openxmlformats.org/drawingml/2006/main" xmlns:r="http://schemas.openxmlformats.org/officeDocument/2006/relationships" xmlns:p="http://schemas.openxmlformats.org/presentationml/2006/main" showMasterSp="0" type="secHead" preserve="1">
+  <p:cSld name="Section Header">
+    <p:spTree>
+      <p:nvGrpSpPr>
+        <p:cNvPr id="1" name=""/>
+        <p:cNvGrpSpPr/>
+        <p:nvPr/>
+      </p:nvGrpSpPr>
+      <p:grpSpPr>
+        <a:xfrm>
+          <a:off x="0" y="0"/>
+          <a:ext cx="0" cy="0"/>
+          <a:chOff x="0" y="0"/>
+          <a:chExt cx="0" cy="0"/>
+        </a:xfrm>
+      </p:grpSpPr>
+      <p:sp>
+        <p:nvSpPr>
+          <p:cNvPr id="2" name="Title 1"/>
+          <p:cNvSpPr>
+            <a:spLocks noGrp="1"/>
+          </p:cNvSpPr>
+          <p:nvPr>
+            <p:ph type="title"/>
+          </p:nvPr>
+        </p:nvSpPr>
+        <p:spPr>
+          <a:xfrm>
+            <a:off x="1295401" y="1761067"/>
+            <a:ext cx="9590550" cy="1828813"/>
+          </a:xfrm>
+        </p:spPr>
+        <p:txBody>
+          <a:bodyPr anchor="b"/>
+          <a:lstStyle>
+            <a:lvl1pPr algn="ctr">
+              <a:defRPr sz="4000" b="0" cap="none"/>
+            </a:lvl1pPr>
+          </a:lstStyle>
+          <a:p>
+            <a:r>
+              <a:rPr lang="en-US"/>
+              <a:t>Click to edit Master title style</a:t>
+            </a:r>
+            <a:endParaRPr lang="en-US" dirty="0"/>
+          </a:p>
+        </p:txBody>
+      </p:sp>
+      <p:sp>
+        <p:nvSpPr>
+          <p:cNvPr id="3" name="Text Placeholder 2"/>
+          <p:cNvSpPr>
+            <a:spLocks noGrp="1"/>
+          </p:cNvSpPr>
+          <p:nvPr>
+            <p:ph type="body" idx="1"/>
+          </p:nvPr>
+        </p:nvSpPr>
+        <p:spPr>
+          <a:xfrm>
+            <a:off x="1295401" y="3589879"/>
+            <a:ext cx="9590550" cy="1507054"/>
+          </a:xfrm>
+        </p:spPr>
+        <p:txBody>
+          <a:bodyPr anchor="t"/>
+          <a:lstStyle>
+            <a:lvl1pPr marL="0" indent="0" algn="ctr">
+              <a:buNone/>
+              <a:defRPr sz="2000">
+                <a:solidFill>
+                  <a:schemeClr val="tx1"/>
+                </a:solidFill>
+              </a:defRPr>
+            </a:lvl1pPr>
+            <a:lvl2pPr marL="457200" indent="0">
+              <a:buNone/>
+              <a:defRPr sz="1800">
+                <a:solidFill>
+                  <a:schemeClr val="tx1">
+                    <a:tint val="75000"/>
+                  </a:schemeClr>
+                </a:solidFill>
+              </a:defRPr>
+            </a:lvl2pPr>
+            <a:lvl3pPr marL="914400" indent="0">
+              <a:buNone/>
+              <a:defRPr sz="1600">
+                <a:solidFill>
+                  <a:schemeClr val="tx1">
+                    <a:tint val="75000"/>
+                  </a:schemeClr>
+                </a:solidFill>
+              </a:defRPr>
+            </a:lvl3pPr>
+            <a:lvl4pPr marL="1371600" indent="0">
+              <a:buNone/>
+              <a:defRPr sz="1400">
+                <a:solidFill>
+                  <a:schemeClr val="tx1">
+                    <a:tint val="75000"/>
+                  </a:schemeClr>
+                </a:solidFill>
+              </a:defRPr>
+            </a:lvl4pPr>
+            <a:lvl5pPr marL="1828800" indent="0">
+              <a:buNone/>
+              <a:defRPr sz="1400">
+                <a:solidFill>
+                  <a:schemeClr val="tx1">
+                    <a:tint val="75000"/>
+                  </a:schemeClr>
+                </a:solidFill>
+              </a:defRPr>
+            </a:lvl5pPr>
+            <a:lvl6pPr marL="2286000" indent="0">
+              <a:buNone/>
+              <a:defRPr sz="1400">
+                <a:solidFill>
+                  <a:schemeClr val="tx1">
+                    <a:tint val="75000"/>
+                  </a:schemeClr>
+                </a:solidFill>
+              </a:defRPr>
+            </a:lvl6pPr>
+            <a:lvl7pPr marL="2743200" indent="0">
+              <a:buNone/>
+              <a:defRPr sz="1400">
+                <a:solidFill>
+                  <a:schemeClr val="tx1">
+                    <a:tint val="75000"/>
+                  </a:schemeClr>
+                </a:solidFill>
+              </a:defRPr>
+            </a:lvl7pPr>
+            <a:lvl8pPr marL="3200400" indent="0">
+              <a:buNone/>
+              <a:defRPr sz="1400">
+                <a:solidFill>
+                  <a:schemeClr val="tx1">
+                    <a:tint val="75000"/>
+                  </a:schemeClr>
+                </a:solidFill>
+              </a:defRPr>
+            </a:lvl8pPr>
+            <a:lvl9pPr marL="3657600" indent="0">
+              <a:buNone/>
+              <a:defRPr sz="1400">
+                <a:solidFill>
+                  <a:schemeClr val="tx1">
+                    <a:tint val="75000"/>
+                  </a:schemeClr>
+                </a:solidFill>
+              </a:defRPr>
+            </a:lvl9pPr>
+          </a:lstStyle>
+          <a:p>
+            <a:pPr lvl="0"/>
+            <a:r>
+              <a:rPr lang="en-US"/>
+              <a:t>Click to edit Master text styles</a:t>
+            </a:r>
+          </a:p>
+        </p:txBody>
+      </p:sp>
+      <p:sp>
+        <p:nvSpPr>
+          <p:cNvPr id="4" name="Date Placeholder 3"/>
+          <p:cNvSpPr>
+            <a:spLocks noGrp="1"/>
+          </p:cNvSpPr>
+          <p:nvPr>
+            <p:ph type="dt" sz="half" idx="10"/>
+          </p:nvPr>
+        </p:nvSpPr>
+        <p:spPr/>
+        <p:txBody>
+          <a:bodyPr/>
+          <a:lstStyle/>
+          <a:p>
+            <a:fld id="{12435AB4-87E5-4569-B59F-FFDB84E70E67}" type="datetimeFigureOut">
+              <a:rPr lang="en-US" smtClean="0"/>
+              <a:t>4/17/2022</a:t>
+            </a:fld>
+            <a:endParaRPr lang="en-US"/>
+          </a:p>
+        </p:txBody>
+      </p:sp>
+      <p:sp>
+        <p:nvSpPr>
+          <p:cNvPr id="5" name="Footer Placeholder 4"/>
+          <p:cNvSpPr>
+            <a:spLocks noGrp="1"/>
+          </p:cNvSpPr>
+          <p:nvPr>
+            <p:ph type="ftr" sz="quarter" idx="11"/>
+          </p:nvPr>
+        </p:nvSpPr>
+        <p:spPr/>
+        <p:txBody>
+          <a:bodyPr/>
+          <a:lstStyle/>
+          <a:p>
+            <a:endParaRPr lang="en-US"/>
+          </a:p>
+        </p:txBody>
+      </p:sp>
+      <p:sp>
+        <p:nvSpPr>
+          <p:cNvPr id="6" name="Slide Number Placeholder 5"/>
+          <p:cNvSpPr>
+            <a:spLocks noGrp="1"/>
+          </p:cNvSpPr>
+          <p:nvPr>
+            <p:ph type="sldNum" sz="quarter" idx="12"/>
+          </p:nvPr>
+        </p:nvSpPr>
+        <p:spPr/>
+        <p:txBody>
+          <a:bodyPr/>
+          <a:lstStyle/>
+          <a:p>
+            <a:fld id="{522A4B67-F228-4320-BA3B-7A6ECE67417F}" type="slidenum">
+              <a:rPr lang="en-US" smtClean="0"/>
+              <a:t>‹#›</a:t>
+            </a:fld>
+            <a:endParaRPr lang="en-US"/>
+          </a:p>
+        </p:txBody>
+      </p:sp>
+    </p:spTree>
+    <p:extLst>
+      <p:ext uri="{BB962C8B-B14F-4D97-AF65-F5344CB8AC3E}">
+        <p14:creationId xmlns:p14="http://schemas.microsoft.com/office/powerpoint/2010/main" val="2170225225"/>
+      </p:ext>
+    </p:extLst>
+  </p:cSld>
+  <p:clrMapOvr>
+    <a:masterClrMapping/>
+  </p:clrMapOvr>
+</p:sldLayout>
+</file>
+
+<file path=ppt/slideLayouts/slideLayout21.xml><?xml version="1.0" encoding="utf-8"?>
+<p:sldLayout xmlns:a="http://schemas.openxmlformats.org/drawingml/2006/main" xmlns:r="http://schemas.openxmlformats.org/officeDocument/2006/relationships" xmlns:p="http://schemas.openxmlformats.org/presentationml/2006/main" showMasterSp="0" type="twoObj" preserve="1">
+  <p:cSld name="Two Content">
+    <p:spTree>
+      <p:nvGrpSpPr>
+        <p:cNvPr id="1" name=""/>
+        <p:cNvGrpSpPr/>
+        <p:nvPr/>
+      </p:nvGrpSpPr>
+      <p:grpSpPr>
+        <a:xfrm>
+          <a:off x="0" y="0"/>
+          <a:ext cx="0" cy="0"/>
+          <a:chOff x="0" y="0"/>
+          <a:chExt cx="0" cy="0"/>
+        </a:xfrm>
+      </p:grpSpPr>
+      <p:sp>
+        <p:nvSpPr>
+          <p:cNvPr id="2" name="Title 1"/>
+          <p:cNvSpPr>
+            <a:spLocks noGrp="1"/>
+          </p:cNvSpPr>
+          <p:nvPr>
+            <p:ph type="title"/>
+          </p:nvPr>
+        </p:nvSpPr>
+        <p:spPr/>
+        <p:txBody>
+          <a:bodyPr/>
+          <a:lstStyle/>
+          <a:p>
+            <a:r>
+              <a:rPr lang="en-US"/>
+              <a:t>Click to edit Master title style</a:t>
+            </a:r>
+            <a:endParaRPr lang="en-US" dirty="0"/>
+          </a:p>
+        </p:txBody>
+      </p:sp>
+      <p:sp>
+        <p:nvSpPr>
+          <p:cNvPr id="3" name="Content Placeholder 2"/>
+          <p:cNvSpPr>
+            <a:spLocks noGrp="1"/>
+          </p:cNvSpPr>
+          <p:nvPr>
+            <p:ph sz="half" idx="1"/>
+          </p:nvPr>
+        </p:nvSpPr>
+        <p:spPr>
+          <a:xfrm>
+            <a:off x="913795" y="1732449"/>
+            <a:ext cx="5060497" cy="4058750"/>
+          </a:xfrm>
+        </p:spPr>
+        <p:txBody>
+          <a:bodyPr anchor="t">
+            <a:normAutofit/>
+          </a:bodyPr>
+          <a:lstStyle/>
+          <a:p>
+            <a:pPr lvl="0"/>
+            <a:r>
+              <a:rPr lang="en-US"/>
+              <a:t>Click to edit Master text styles</a:t>
+            </a:r>
+          </a:p>
+          <a:p>
+            <a:pPr lvl="1"/>
+            <a:r>
+              <a:rPr lang="en-US"/>
+              <a:t>Second level</a:t>
+            </a:r>
+          </a:p>
+          <a:p>
+            <a:pPr lvl="2"/>
+            <a:r>
+              <a:rPr lang="en-US"/>
+              <a:t>Third level</a:t>
+            </a:r>
+          </a:p>
+          <a:p>
+            <a:pPr lvl="3"/>
+            <a:r>
+              <a:rPr lang="en-US"/>
+              <a:t>Fourth level</a:t>
+            </a:r>
+          </a:p>
+          <a:p>
+            <a:pPr lvl="4"/>
+            <a:r>
+              <a:rPr lang="en-US"/>
+              <a:t>Fifth level</a:t>
+            </a:r>
+            <a:endParaRPr lang="en-US" dirty="0"/>
+          </a:p>
+        </p:txBody>
+      </p:sp>
+      <p:sp>
+        <p:nvSpPr>
+          <p:cNvPr id="4" name="Content Placeholder 3"/>
+          <p:cNvSpPr>
+            <a:spLocks noGrp="1"/>
+          </p:cNvSpPr>
+          <p:nvPr>
+            <p:ph sz="half" idx="2"/>
+          </p:nvPr>
+        </p:nvSpPr>
+        <p:spPr>
+          <a:xfrm>
+            <a:off x="6202892" y="1732449"/>
+            <a:ext cx="5064665" cy="4058751"/>
+          </a:xfrm>
+        </p:spPr>
+        <p:txBody>
+          <a:bodyPr anchor="t">
+            <a:normAutofit/>
+          </a:bodyPr>
+          <a:lstStyle/>
+          <a:p>
+            <a:pPr lvl="0"/>
+            <a:r>
+              <a:rPr lang="en-US"/>
+              <a:t>Click to edit Master text styles</a:t>
+            </a:r>
+          </a:p>
+          <a:p>
+            <a:pPr lvl="1"/>
+            <a:r>
+              <a:rPr lang="en-US"/>
+              <a:t>Second level</a:t>
+            </a:r>
+          </a:p>
+          <a:p>
+            <a:pPr lvl="2"/>
+            <a:r>
+              <a:rPr lang="en-US"/>
+              <a:t>Third level</a:t>
+            </a:r>
+          </a:p>
+          <a:p>
+            <a:pPr lvl="3"/>
+            <a:r>
+              <a:rPr lang="en-US"/>
+              <a:t>Fourth level</a:t>
+            </a:r>
+          </a:p>
+          <a:p>
+            <a:pPr lvl="4"/>
+            <a:r>
+              <a:rPr lang="en-US"/>
+              <a:t>Fifth level</a:t>
+            </a:r>
+            <a:endParaRPr lang="en-US" dirty="0"/>
+          </a:p>
+        </p:txBody>
+      </p:sp>
+      <p:sp>
+        <p:nvSpPr>
+          <p:cNvPr id="5" name="Date Placeholder 4"/>
+          <p:cNvSpPr>
+            <a:spLocks noGrp="1"/>
+          </p:cNvSpPr>
+          <p:nvPr>
+            <p:ph type="dt" sz="half" idx="10"/>
+          </p:nvPr>
+        </p:nvSpPr>
+        <p:spPr/>
+        <p:txBody>
+          <a:bodyPr/>
+          <a:lstStyle/>
+          <a:p>
+            <a:fld id="{12435AB4-87E5-4569-B59F-FFDB84E70E67}" type="datetimeFigureOut">
+              <a:rPr lang="en-US" smtClean="0"/>
+              <a:t>4/17/2022</a:t>
+            </a:fld>
+            <a:endParaRPr lang="en-US"/>
+          </a:p>
+        </p:txBody>
+      </p:sp>
+      <p:sp>
+        <p:nvSpPr>
+          <p:cNvPr id="6" name="Footer Placeholder 5"/>
+          <p:cNvSpPr>
+            <a:spLocks noGrp="1"/>
+          </p:cNvSpPr>
+          <p:nvPr>
+            <p:ph type="ftr" sz="quarter" idx="11"/>
+          </p:nvPr>
+        </p:nvSpPr>
+        <p:spPr/>
+        <p:txBody>
+          <a:bodyPr/>
+          <a:lstStyle/>
+          <a:p>
+            <a:endParaRPr lang="en-US"/>
+          </a:p>
+        </p:txBody>
+      </p:sp>
+      <p:sp>
+        <p:nvSpPr>
+          <p:cNvPr id="7" name="Slide Number Placeholder 6"/>
+          <p:cNvSpPr>
+            <a:spLocks noGrp="1"/>
+          </p:cNvSpPr>
+          <p:nvPr>
+            <p:ph type="sldNum" sz="quarter" idx="12"/>
+          </p:nvPr>
+        </p:nvSpPr>
+        <p:spPr/>
+        <p:txBody>
+          <a:bodyPr/>
+          <a:lstStyle/>
+          <a:p>
+            <a:fld id="{522A4B67-F228-4320-BA3B-7A6ECE67417F}" type="slidenum">
+              <a:rPr lang="en-US" smtClean="0"/>
+              <a:t>‹#›</a:t>
+            </a:fld>
+            <a:endParaRPr lang="en-US"/>
+          </a:p>
+        </p:txBody>
+      </p:sp>
+    </p:spTree>
+    <p:extLst>
+      <p:ext uri="{BB962C8B-B14F-4D97-AF65-F5344CB8AC3E}">
+        <p14:creationId xmlns:p14="http://schemas.microsoft.com/office/powerpoint/2010/main" val="2119235184"/>
+      </p:ext>
+    </p:extLst>
+  </p:cSld>
+  <p:clrMapOvr>
+    <a:masterClrMapping/>
+  </p:clrMapOvr>
+</p:sldLayout>
+</file>
+
+<file path=ppt/slideLayouts/slideLayout22.xml><?xml version="1.0" encoding="utf-8"?>
+<p:sldLayout xmlns:a="http://schemas.openxmlformats.org/drawingml/2006/main" xmlns:r="http://schemas.openxmlformats.org/officeDocument/2006/relationships" xmlns:p="http://schemas.openxmlformats.org/presentationml/2006/main" showMasterSp="0" type="twoTxTwoObj" preserve="1">
+  <p:cSld name="Comparison">
+    <p:spTree>
+      <p:nvGrpSpPr>
+        <p:cNvPr id="1" name=""/>
+        <p:cNvGrpSpPr/>
+        <p:nvPr/>
+      </p:nvGrpSpPr>
+      <p:grpSpPr>
+        <a:xfrm>
+          <a:off x="0" y="0"/>
+          <a:ext cx="0" cy="0"/>
+          <a:chOff x="0" y="0"/>
+          <a:chExt cx="0" cy="0"/>
+        </a:xfrm>
+      </p:grpSpPr>
+      <p:pic>
+        <p:nvPicPr>
+          <p:cNvPr id="20" name="Picture 19" descr="Slate-V2-HD-compPhotoInset.png"/>
+          <p:cNvPicPr>
+            <a:picLocks noChangeAspect="1"/>
+          </p:cNvPicPr>
+          <p:nvPr/>
+        </p:nvPicPr>
+        <p:blipFill>
+          <a:blip r:embed="rId2">
+            <a:extLst>
+              <a:ext uri="{28A0092B-C50C-407E-A947-70E740481C1C}">
+                <a14:useLocalDpi xmlns:a14="http://schemas.microsoft.com/office/drawing/2010/main" val="0"/>
+              </a:ext>
+            </a:extLst>
+          </a:blip>
+          <a:stretch>
+            <a:fillRect/>
+          </a:stretch>
+        </p:blipFill>
+        <p:spPr>
+          <a:xfrm>
+            <a:off x="913795" y="1734506"/>
+            <a:ext cx="5089072" cy="4148769"/>
+          </a:xfrm>
+          <a:prstGeom prst="rect">
+            <a:avLst/>
+          </a:prstGeom>
+        </p:spPr>
+      </p:pic>
+      <p:pic>
+        <p:nvPicPr>
+          <p:cNvPr id="21" name="Picture 20" descr="Slate-V2-HD-compPhotoInset.png"/>
+          <p:cNvPicPr>
+            <a:picLocks noChangeAspect="1"/>
+          </p:cNvPicPr>
+          <p:nvPr/>
+        </p:nvPicPr>
+        <p:blipFill>
+          <a:blip r:embed="rId2">
+            <a:extLst>
+              <a:ext uri="{28A0092B-C50C-407E-A947-70E740481C1C}">
+                <a14:useLocalDpi xmlns:a14="http://schemas.microsoft.com/office/drawing/2010/main" val="0"/>
+              </a:ext>
+            </a:extLst>
+          </a:blip>
+          <a:stretch>
+            <a:fillRect/>
+          </a:stretch>
+        </p:blipFill>
+        <p:spPr>
+          <a:xfrm>
+            <a:off x="6178485" y="1734506"/>
+            <a:ext cx="5089072" cy="4148769"/>
+          </a:xfrm>
+          <a:prstGeom prst="rect">
+            <a:avLst/>
+          </a:prstGeom>
+        </p:spPr>
+      </p:pic>
+      <p:sp>
+        <p:nvSpPr>
+          <p:cNvPr id="2" name="Title 1"/>
+          <p:cNvSpPr>
+            <a:spLocks noGrp="1"/>
+          </p:cNvSpPr>
+          <p:nvPr>
+            <p:ph type="title"/>
+          </p:nvPr>
+        </p:nvSpPr>
+        <p:spPr/>
+        <p:txBody>
+          <a:bodyPr/>
+          <a:lstStyle>
+            <a:lvl1pPr>
+              <a:defRPr/>
+            </a:lvl1pPr>
+          </a:lstStyle>
+          <a:p>
+            <a:r>
+              <a:rPr lang="en-US"/>
+              <a:t>Click to edit Master title style</a:t>
+            </a:r>
+            <a:endParaRPr lang="en-US" dirty="0"/>
+          </a:p>
+        </p:txBody>
+      </p:sp>
+      <p:sp>
+        <p:nvSpPr>
+          <p:cNvPr id="3" name="Text Placeholder 2"/>
+          <p:cNvSpPr>
+            <a:spLocks noGrp="1"/>
+          </p:cNvSpPr>
+          <p:nvPr>
+            <p:ph type="body" idx="1"/>
+          </p:nvPr>
+        </p:nvSpPr>
+        <p:spPr>
+          <a:xfrm>
+            <a:off x="1005872" y="1835254"/>
+            <a:ext cx="4876344" cy="544884"/>
+          </a:xfrm>
+        </p:spPr>
+        <p:txBody>
+          <a:bodyPr anchor="b">
+            <a:noAutofit/>
+          </a:bodyPr>
+          <a:lstStyle>
+            <a:lvl1pPr marL="0" indent="0" algn="ctr">
+              <a:buNone/>
+              <a:defRPr sz="2400" b="0"/>
+            </a:lvl1pPr>
+            <a:lvl2pPr marL="457200" indent="0">
+              <a:buNone/>
+              <a:defRPr sz="2000" b="1"/>
+            </a:lvl2pPr>
+            <a:lvl3pPr marL="914400" indent="0">
+              <a:buNone/>
+              <a:defRPr sz="1800" b="1"/>
+            </a:lvl3pPr>
+            <a:lvl4pPr marL="1371600" indent="0">
+              <a:buNone/>
+              <a:defRPr sz="1600" b="1"/>
+            </a:lvl4pPr>
+            <a:lvl5pPr marL="1828800" indent="0">
+              <a:buNone/>
+              <a:defRPr sz="1600" b="1"/>
+            </a:lvl5pPr>
+            <a:lvl6pPr marL="2286000" indent="0">
+              <a:buNone/>
+              <a:defRPr sz="1600" b="1"/>
+            </a:lvl6pPr>
+            <a:lvl7pPr marL="2743200" indent="0">
+              <a:buNone/>
+              <a:defRPr sz="1600" b="1"/>
+            </a:lvl7pPr>
+            <a:lvl8pPr marL="3200400" indent="0">
+              <a:buNone/>
+              <a:defRPr sz="1600" b="1"/>
+            </a:lvl8pPr>
+            <a:lvl9pPr marL="3657600" indent="0">
+              <a:buNone/>
+              <a:defRPr sz="1600" b="1"/>
+            </a:lvl9pPr>
+          </a:lstStyle>
+          <a:p>
+            <a:pPr lvl="0"/>
+            <a:r>
+              <a:rPr lang="en-US"/>
+              <a:t>Click to edit Master text styles</a:t>
+            </a:r>
+          </a:p>
+        </p:txBody>
+      </p:sp>
+      <p:sp>
+        <p:nvSpPr>
+          <p:cNvPr id="4" name="Content Placeholder 3"/>
+          <p:cNvSpPr>
+            <a:spLocks noGrp="1"/>
+          </p:cNvSpPr>
+          <p:nvPr>
+            <p:ph sz="half" idx="2"/>
+          </p:nvPr>
+        </p:nvSpPr>
+        <p:spPr>
+          <a:xfrm>
+            <a:off x="1005872" y="2380137"/>
+            <a:ext cx="4876344" cy="3411063"/>
+          </a:xfrm>
+        </p:spPr>
+        <p:txBody>
+          <a:bodyPr anchor="t">
+            <a:normAutofit/>
+          </a:bodyPr>
+          <a:lstStyle>
+            <a:lvl1pPr>
+              <a:defRPr sz="1800"/>
+            </a:lvl1pPr>
+            <a:lvl2pPr>
+              <a:defRPr sz="1600"/>
+            </a:lvl2pPr>
+            <a:lvl3pPr>
+              <a:defRPr sz="1400"/>
+            </a:lvl3pPr>
+            <a:lvl4pPr>
+              <a:defRPr sz="1200"/>
+            </a:lvl4pPr>
+            <a:lvl5pPr>
+              <a:defRPr sz="1200"/>
+            </a:lvl5pPr>
+          </a:lstStyle>
+          <a:p>
+            <a:pPr lvl="0"/>
+            <a:r>
+              <a:rPr lang="en-US"/>
+              <a:t>Click to edit Master text styles</a:t>
+            </a:r>
+          </a:p>
+          <a:p>
+            <a:pPr lvl="1"/>
+            <a:r>
+              <a:rPr lang="en-US"/>
+              <a:t>Second level</a:t>
+            </a:r>
+          </a:p>
+          <a:p>
+            <a:pPr lvl="2"/>
+            <a:r>
+              <a:rPr lang="en-US"/>
+              <a:t>Third level</a:t>
+            </a:r>
+          </a:p>
+          <a:p>
+            <a:pPr lvl="3"/>
+            <a:r>
+              <a:rPr lang="en-US"/>
+              <a:t>Fourth level</a:t>
+            </a:r>
+          </a:p>
+          <a:p>
+            <a:pPr lvl="4"/>
+            <a:r>
+              <a:rPr lang="en-US"/>
+              <a:t>Fifth level</a:t>
+            </a:r>
+            <a:endParaRPr lang="en-US" dirty="0"/>
+          </a:p>
+        </p:txBody>
+      </p:sp>
+      <p:sp>
+        <p:nvSpPr>
+          <p:cNvPr id="5" name="Text Placeholder 4"/>
+          <p:cNvSpPr>
+            <a:spLocks noGrp="1"/>
+          </p:cNvSpPr>
+          <p:nvPr>
+            <p:ph type="body" sz="quarter" idx="3"/>
+          </p:nvPr>
+        </p:nvSpPr>
+        <p:spPr>
+          <a:xfrm>
+            <a:off x="6294967" y="1835254"/>
+            <a:ext cx="4895330" cy="544883"/>
+          </a:xfrm>
+        </p:spPr>
+        <p:txBody>
+          <a:bodyPr anchor="b">
+            <a:noAutofit/>
+          </a:bodyPr>
+          <a:lstStyle>
+            <a:lvl1pPr marL="0" indent="0" algn="ctr">
+              <a:buNone/>
+              <a:defRPr sz="2400" b="0"/>
+            </a:lvl1pPr>
+            <a:lvl2pPr marL="457200" indent="0">
+              <a:buNone/>
+              <a:defRPr sz="2000" b="1"/>
+            </a:lvl2pPr>
+            <a:lvl3pPr marL="914400" indent="0">
+              <a:buNone/>
+              <a:defRPr sz="1800" b="1"/>
+            </a:lvl3pPr>
+            <a:lvl4pPr marL="1371600" indent="0">
+              <a:buNone/>
+              <a:defRPr sz="1600" b="1"/>
+            </a:lvl4pPr>
+            <a:lvl5pPr marL="1828800" indent="0">
+              <a:buNone/>
+              <a:defRPr sz="1600" b="1"/>
+            </a:lvl5pPr>
+            <a:lvl6pPr marL="2286000" indent="0">
+              <a:buNone/>
+              <a:defRPr sz="1600" b="1"/>
+            </a:lvl6pPr>
+            <a:lvl7pPr marL="2743200" indent="0">
+              <a:buNone/>
+              <a:defRPr sz="1600" b="1"/>
+            </a:lvl7pPr>
+            <a:lvl8pPr marL="3200400" indent="0">
+              <a:buNone/>
+              <a:defRPr sz="1600" b="1"/>
+            </a:lvl8pPr>
+            <a:lvl9pPr marL="3657600" indent="0">
+              <a:buNone/>
+              <a:defRPr sz="1600" b="1"/>
+            </a:lvl9pPr>
+          </a:lstStyle>
+          <a:p>
+            <a:pPr lvl="0"/>
+            <a:r>
+              <a:rPr lang="en-US"/>
+              <a:t>Click to edit Master text styles</a:t>
+            </a:r>
+          </a:p>
+        </p:txBody>
+      </p:sp>
+      <p:sp>
+        <p:nvSpPr>
+          <p:cNvPr id="6" name="Content Placeholder 5"/>
+          <p:cNvSpPr>
+            <a:spLocks noGrp="1"/>
+          </p:cNvSpPr>
+          <p:nvPr>
+            <p:ph sz="quarter" idx="4"/>
+          </p:nvPr>
+        </p:nvSpPr>
+        <p:spPr>
+          <a:xfrm>
+            <a:off x="6294967" y="2380137"/>
+            <a:ext cx="4895330" cy="3411063"/>
+          </a:xfrm>
+        </p:spPr>
+        <p:txBody>
+          <a:bodyPr anchor="t">
+            <a:normAutofit/>
+          </a:bodyPr>
+          <a:lstStyle>
+            <a:lvl1pPr>
+              <a:defRPr sz="1800"/>
+            </a:lvl1pPr>
+            <a:lvl2pPr>
+              <a:defRPr sz="1600"/>
+            </a:lvl2pPr>
+            <a:lvl3pPr>
+              <a:defRPr sz="1400"/>
+            </a:lvl3pPr>
+            <a:lvl4pPr>
+              <a:defRPr sz="1200"/>
+            </a:lvl4pPr>
+            <a:lvl5pPr>
+              <a:defRPr sz="1200"/>
+            </a:lvl5pPr>
+          </a:lstStyle>
+          <a:p>
+            <a:pPr lvl="0"/>
+            <a:r>
+              <a:rPr lang="en-US"/>
+              <a:t>Click to edit Master text styles</a:t>
+            </a:r>
+          </a:p>
+          <a:p>
+            <a:pPr lvl="1"/>
+            <a:r>
+              <a:rPr lang="en-US"/>
+              <a:t>Second level</a:t>
+            </a:r>
+          </a:p>
+          <a:p>
+            <a:pPr lvl="2"/>
+            <a:r>
+              <a:rPr lang="en-US"/>
+              <a:t>Third level</a:t>
+            </a:r>
+          </a:p>
+          <a:p>
+            <a:pPr lvl="3"/>
+            <a:r>
+              <a:rPr lang="en-US"/>
+              <a:t>Fourth level</a:t>
+            </a:r>
+          </a:p>
+          <a:p>
+            <a:pPr lvl="4"/>
+            <a:r>
+              <a:rPr lang="en-US"/>
+              <a:t>Fifth level</a:t>
+            </a:r>
+            <a:endParaRPr lang="en-US" dirty="0"/>
+          </a:p>
+        </p:txBody>
+      </p:sp>
+      <p:sp>
+        <p:nvSpPr>
+          <p:cNvPr id="7" name="Date Placeholder 6"/>
+          <p:cNvSpPr>
+            <a:spLocks noGrp="1"/>
+          </p:cNvSpPr>
+          <p:nvPr>
+            <p:ph type="dt" sz="half" idx="10"/>
+          </p:nvPr>
+        </p:nvSpPr>
+        <p:spPr/>
+        <p:txBody>
+          <a:bodyPr/>
+          <a:lstStyle/>
+          <a:p>
+            <a:fld id="{12435AB4-87E5-4569-B59F-FFDB84E70E67}" type="datetimeFigureOut">
+              <a:rPr lang="en-US" smtClean="0"/>
+              <a:t>4/17/2022</a:t>
+            </a:fld>
+            <a:endParaRPr lang="en-US"/>
+          </a:p>
+        </p:txBody>
+      </p:sp>
+      <p:sp>
+        <p:nvSpPr>
+          <p:cNvPr id="8" name="Footer Placeholder 7"/>
+          <p:cNvSpPr>
+            <a:spLocks noGrp="1"/>
+          </p:cNvSpPr>
+          <p:nvPr>
+            <p:ph type="ftr" sz="quarter" idx="11"/>
+          </p:nvPr>
+        </p:nvSpPr>
+        <p:spPr/>
+        <p:txBody>
+          <a:bodyPr/>
+          <a:lstStyle/>
+          <a:p>
+            <a:endParaRPr lang="en-US"/>
+          </a:p>
+        </p:txBody>
+      </p:sp>
+      <p:sp>
+        <p:nvSpPr>
+          <p:cNvPr id="9" name="Slide Number Placeholder 8"/>
+          <p:cNvSpPr>
+            <a:spLocks noGrp="1"/>
+          </p:cNvSpPr>
+          <p:nvPr>
+            <p:ph type="sldNum" sz="quarter" idx="12"/>
+          </p:nvPr>
+        </p:nvSpPr>
+        <p:spPr/>
+        <p:txBody>
+          <a:bodyPr/>
+          <a:lstStyle/>
+          <a:p>
+            <a:fld id="{522A4B67-F228-4320-BA3B-7A6ECE67417F}" type="slidenum">
+              <a:rPr lang="en-US" smtClean="0"/>
+              <a:t>‹#›</a:t>
+            </a:fld>
+            <a:endParaRPr lang="en-US"/>
+          </a:p>
+        </p:txBody>
+      </p:sp>
+    </p:spTree>
+    <p:extLst>
+      <p:ext uri="{BB962C8B-B14F-4D97-AF65-F5344CB8AC3E}">
+        <p14:creationId xmlns:p14="http://schemas.microsoft.com/office/powerpoint/2010/main" val="1944819694"/>
+      </p:ext>
+    </p:extLst>
+  </p:cSld>
+  <p:clrMapOvr>
+    <a:masterClrMapping/>
+  </p:clrMapOvr>
+</p:sldLayout>
+</file>
+
+<file path=ppt/slideLayouts/slideLayout23.xml><?xml version="1.0" encoding="utf-8"?>
+<p:sldLayout xmlns:a="http://schemas.openxmlformats.org/drawingml/2006/main" xmlns:r="http://schemas.openxmlformats.org/officeDocument/2006/relationships" xmlns:p="http://schemas.openxmlformats.org/presentationml/2006/main" showMasterSp="0" type="titleOnly" preserve="1">
+  <p:cSld name="Title Only">
+    <p:spTree>
+      <p:nvGrpSpPr>
+        <p:cNvPr id="1" name=""/>
+        <p:cNvGrpSpPr/>
+        <p:nvPr/>
+      </p:nvGrpSpPr>
+      <p:grpSpPr>
+        <a:xfrm>
+          <a:off x="0" y="0"/>
+          <a:ext cx="0" cy="0"/>
+          <a:chOff x="0" y="0"/>
+          <a:chExt cx="0" cy="0"/>
+        </a:xfrm>
+      </p:grpSpPr>
+      <p:sp>
+        <p:nvSpPr>
+          <p:cNvPr id="2" name="Title 1"/>
+          <p:cNvSpPr>
+            <a:spLocks noGrp="1"/>
+          </p:cNvSpPr>
+          <p:nvPr>
+            <p:ph type="title"/>
+          </p:nvPr>
+        </p:nvSpPr>
+        <p:spPr/>
+        <p:txBody>
+          <a:bodyPr/>
+          <a:lstStyle/>
+          <a:p>
+            <a:r>
+              <a:rPr lang="en-US"/>
+              <a:t>Click to edit Master title style</a:t>
+            </a:r>
+            <a:endParaRPr lang="en-US" dirty="0"/>
+          </a:p>
+        </p:txBody>
+      </p:sp>
+      <p:sp>
+        <p:nvSpPr>
+          <p:cNvPr id="3" name="Date Placeholder 2"/>
+          <p:cNvSpPr>
+            <a:spLocks noGrp="1"/>
+          </p:cNvSpPr>
+          <p:nvPr>
+            <p:ph type="dt" sz="half" idx="10"/>
+          </p:nvPr>
+        </p:nvSpPr>
+        <p:spPr/>
+        <p:txBody>
+          <a:bodyPr/>
+          <a:lstStyle/>
+          <a:p>
+            <a:fld id="{12435AB4-87E5-4569-B59F-FFDB84E70E67}" type="datetimeFigureOut">
+              <a:rPr lang="en-US" smtClean="0"/>
+              <a:t>4/17/2022</a:t>
+            </a:fld>
+            <a:endParaRPr lang="en-US"/>
+          </a:p>
+        </p:txBody>
+      </p:sp>
+      <p:sp>
+        <p:nvSpPr>
+          <p:cNvPr id="4" name="Footer Placeholder 3"/>
+          <p:cNvSpPr>
+            <a:spLocks noGrp="1"/>
+          </p:cNvSpPr>
+          <p:nvPr>
+            <p:ph type="ftr" sz="quarter" idx="11"/>
+          </p:nvPr>
+        </p:nvSpPr>
+        <p:spPr/>
+        <p:txBody>
+          <a:bodyPr/>
+          <a:lstStyle/>
+          <a:p>
+            <a:endParaRPr lang="en-US"/>
+          </a:p>
+        </p:txBody>
+      </p:sp>
+      <p:sp>
+        <p:nvSpPr>
+          <p:cNvPr id="5" name="Slide Number Placeholder 4"/>
+          <p:cNvSpPr>
+            <a:spLocks noGrp="1"/>
+          </p:cNvSpPr>
+          <p:nvPr>
+            <p:ph type="sldNum" sz="quarter" idx="12"/>
+          </p:nvPr>
+        </p:nvSpPr>
+        <p:spPr/>
+        <p:txBody>
+          <a:bodyPr/>
+          <a:lstStyle/>
+          <a:p>
+            <a:fld id="{522A4B67-F228-4320-BA3B-7A6ECE67417F}" type="slidenum">
+              <a:rPr lang="en-US" smtClean="0"/>
+              <a:t>‹#›</a:t>
+            </a:fld>
+            <a:endParaRPr lang="en-US"/>
+          </a:p>
+        </p:txBody>
+      </p:sp>
+    </p:spTree>
+    <p:extLst>
+      <p:ext uri="{BB962C8B-B14F-4D97-AF65-F5344CB8AC3E}">
+        <p14:creationId xmlns:p14="http://schemas.microsoft.com/office/powerpoint/2010/main" val="2954015809"/>
+      </p:ext>
+    </p:extLst>
+  </p:cSld>
+  <p:clrMapOvr>
+    <a:masterClrMapping/>
+  </p:clrMapOvr>
+</p:sldLayout>
+</file>
+
+<file path=ppt/slideLayouts/slideLayout24.xml><?xml version="1.0" encoding="utf-8"?>
+<p:sldLayout xmlns:a="http://schemas.openxmlformats.org/drawingml/2006/main" xmlns:r="http://schemas.openxmlformats.org/officeDocument/2006/relationships" xmlns:p="http://schemas.openxmlformats.org/presentationml/2006/main" showMasterSp="0" type="blank" preserve="1">
+  <p:cSld name="Blank">
+    <p:spTree>
+      <p:nvGrpSpPr>
+        <p:cNvPr id="1" name=""/>
+        <p:cNvGrpSpPr/>
+        <p:nvPr/>
+      </p:nvGrpSpPr>
+      <p:grpSpPr>
+        <a:xfrm>
+          <a:off x="0" y="0"/>
+          <a:ext cx="0" cy="0"/>
+          <a:chOff x="0" y="0"/>
+          <a:chExt cx="0" cy="0"/>
+        </a:xfrm>
+      </p:grpSpPr>
+      <p:sp>
+        <p:nvSpPr>
+          <p:cNvPr id="2" name="Date Placeholder 1"/>
+          <p:cNvSpPr>
+            <a:spLocks noGrp="1"/>
+          </p:cNvSpPr>
+          <p:nvPr>
+            <p:ph type="dt" sz="half" idx="10"/>
+          </p:nvPr>
+        </p:nvSpPr>
+        <p:spPr/>
+        <p:txBody>
+          <a:bodyPr/>
+          <a:lstStyle/>
+          <a:p>
+            <a:fld id="{12435AB4-87E5-4569-B59F-FFDB84E70E67}" type="datetimeFigureOut">
+              <a:rPr lang="en-US" smtClean="0"/>
+              <a:t>4/17/2022</a:t>
+            </a:fld>
+            <a:endParaRPr lang="en-US"/>
+          </a:p>
+        </p:txBody>
+      </p:sp>
+      <p:sp>
+        <p:nvSpPr>
+          <p:cNvPr id="3" name="Footer Placeholder 2"/>
+          <p:cNvSpPr>
+            <a:spLocks noGrp="1"/>
+          </p:cNvSpPr>
+          <p:nvPr>
+            <p:ph type="ftr" sz="quarter" idx="11"/>
+          </p:nvPr>
+        </p:nvSpPr>
+        <p:spPr/>
+        <p:txBody>
+          <a:bodyPr/>
+          <a:lstStyle/>
+          <a:p>
+            <a:endParaRPr lang="en-US"/>
+          </a:p>
+        </p:txBody>
+      </p:sp>
+      <p:sp>
+        <p:nvSpPr>
+          <p:cNvPr id="4" name="Slide Number Placeholder 3"/>
+          <p:cNvSpPr>
+            <a:spLocks noGrp="1"/>
+          </p:cNvSpPr>
+          <p:nvPr>
+            <p:ph type="sldNum" sz="quarter" idx="12"/>
+          </p:nvPr>
+        </p:nvSpPr>
+        <p:spPr/>
+        <p:txBody>
+          <a:bodyPr/>
+          <a:lstStyle/>
+          <a:p>
+            <a:fld id="{522A4B67-F228-4320-BA3B-7A6ECE67417F}" type="slidenum">
+              <a:rPr lang="en-US" smtClean="0"/>
+              <a:t>‹#›</a:t>
+            </a:fld>
+            <a:endParaRPr lang="en-US"/>
+          </a:p>
+        </p:txBody>
+      </p:sp>
+    </p:spTree>
+    <p:extLst>
+      <p:ext uri="{BB962C8B-B14F-4D97-AF65-F5344CB8AC3E}">
+        <p14:creationId xmlns:p14="http://schemas.microsoft.com/office/powerpoint/2010/main" val="197922490"/>
+      </p:ext>
+    </p:extLst>
+  </p:cSld>
+  <p:clrMapOvr>
+    <a:masterClrMapping/>
+  </p:clrMapOvr>
+</p:sldLayout>
+</file>
+
+<file path=ppt/slideLayouts/slideLayout25.xml><?xml version="1.0" encoding="utf-8"?>
+<p:sldLayout xmlns:a="http://schemas.openxmlformats.org/drawingml/2006/main" xmlns:r="http://schemas.openxmlformats.org/officeDocument/2006/relationships" xmlns:p="http://schemas.openxmlformats.org/presentationml/2006/main" showMasterSp="0" type="objTx" preserve="1">
+  <p:cSld name="Content with Caption">
+    <p:spTree>
+      <p:nvGrpSpPr>
+        <p:cNvPr id="1" name=""/>
+        <p:cNvGrpSpPr/>
+        <p:nvPr/>
+      </p:nvGrpSpPr>
+      <p:grpSpPr>
+        <a:xfrm>
+          <a:off x="0" y="0"/>
+          <a:ext cx="0" cy="0"/>
+          <a:chOff x="0" y="0"/>
+          <a:chExt cx="0" cy="0"/>
+        </a:xfrm>
+      </p:grpSpPr>
+      <p:sp>
+        <p:nvSpPr>
+          <p:cNvPr id="2" name="Title 1"/>
+          <p:cNvSpPr>
+            <a:spLocks noGrp="1"/>
+          </p:cNvSpPr>
+          <p:nvPr>
+            <p:ph type="title"/>
+          </p:nvPr>
+        </p:nvSpPr>
+        <p:spPr>
+          <a:xfrm>
+            <a:off x="913795" y="609600"/>
+            <a:ext cx="3706889" cy="1821918"/>
+          </a:xfrm>
+        </p:spPr>
+        <p:txBody>
+          <a:bodyPr anchor="b">
+            <a:normAutofit/>
+          </a:bodyPr>
+          <a:lstStyle>
+            <a:lvl1pPr algn="ctr">
+              <a:defRPr sz="2400" b="0"/>
+            </a:lvl1pPr>
+          </a:lstStyle>
+          <a:p>
+            <a:r>
+              <a:rPr lang="en-US"/>
+              <a:t>Click to edit Master title style</a:t>
+            </a:r>
+            <a:endParaRPr lang="en-US" dirty="0"/>
+          </a:p>
+        </p:txBody>
+      </p:sp>
+      <p:sp>
+        <p:nvSpPr>
+          <p:cNvPr id="3" name="Content Placeholder 2"/>
+          <p:cNvSpPr>
+            <a:spLocks noGrp="1"/>
+          </p:cNvSpPr>
+          <p:nvPr>
+            <p:ph idx="1"/>
+          </p:nvPr>
+        </p:nvSpPr>
+        <p:spPr>
+          <a:xfrm>
+            <a:off x="4855633" y="609600"/>
+            <a:ext cx="6411924" cy="5181600"/>
+          </a:xfrm>
+        </p:spPr>
+        <p:txBody>
+          <a:bodyPr>
+            <a:normAutofit/>
+          </a:bodyPr>
+          <a:lstStyle/>
+          <a:p>
+            <a:pPr lvl="0"/>
+            <a:r>
+              <a:rPr lang="en-US"/>
+              <a:t>Click to edit Master text styles</a:t>
+            </a:r>
+          </a:p>
+          <a:p>
+            <a:pPr lvl="1"/>
+            <a:r>
+              <a:rPr lang="en-US"/>
+              <a:t>Second level</a:t>
+            </a:r>
+          </a:p>
+          <a:p>
+            <a:pPr lvl="2"/>
+            <a:r>
+              <a:rPr lang="en-US"/>
+              <a:t>Third level</a:t>
+            </a:r>
+          </a:p>
+          <a:p>
+            <a:pPr lvl="3"/>
+            <a:r>
+              <a:rPr lang="en-US"/>
+              <a:t>Fourth level</a:t>
+            </a:r>
+          </a:p>
+          <a:p>
+            <a:pPr lvl="4"/>
+            <a:r>
+              <a:rPr lang="en-US"/>
+              <a:t>Fifth level</a:t>
+            </a:r>
+            <a:endParaRPr lang="en-US" dirty="0"/>
+          </a:p>
+        </p:txBody>
+      </p:sp>
+      <p:sp>
+        <p:nvSpPr>
+          <p:cNvPr id="4" name="Text Placeholder 3"/>
+          <p:cNvSpPr>
+            <a:spLocks noGrp="1"/>
+          </p:cNvSpPr>
+          <p:nvPr>
+            <p:ph type="body" sz="half" idx="2"/>
+          </p:nvPr>
+        </p:nvSpPr>
+        <p:spPr>
+          <a:xfrm>
+            <a:off x="913795" y="2431518"/>
+            <a:ext cx="3706889" cy="3359681"/>
+          </a:xfrm>
+        </p:spPr>
+        <p:txBody>
+          <a:bodyPr anchor="t">
+            <a:normAutofit/>
+          </a:bodyPr>
+          <a:lstStyle>
+            <a:lvl1pPr marL="0" indent="0" algn="ctr">
+              <a:buNone/>
+              <a:defRPr sz="1600"/>
+            </a:lvl1pPr>
+            <a:lvl2pPr marL="457200" indent="0">
+              <a:buNone/>
+              <a:defRPr sz="1200"/>
+            </a:lvl2pPr>
+            <a:lvl3pPr marL="914400" indent="0">
+              <a:buNone/>
+              <a:defRPr sz="1000"/>
+            </a:lvl3pPr>
+            <a:lvl4pPr marL="1371600" indent="0">
+              <a:buNone/>
+              <a:defRPr sz="900"/>
+            </a:lvl4pPr>
+            <a:lvl5pPr marL="1828800" indent="0">
+              <a:buNone/>
+              <a:defRPr sz="900"/>
+            </a:lvl5pPr>
+            <a:lvl6pPr marL="2286000" indent="0">
+              <a:buNone/>
+              <a:defRPr sz="900"/>
+            </a:lvl6pPr>
+            <a:lvl7pPr marL="2743200" indent="0">
+              <a:buNone/>
+              <a:defRPr sz="900"/>
+            </a:lvl7pPr>
+            <a:lvl8pPr marL="3200400" indent="0">
+              <a:buNone/>
+              <a:defRPr sz="900"/>
+            </a:lvl8pPr>
+            <a:lvl9pPr marL="3657600" indent="0">
+              <a:buNone/>
+              <a:defRPr sz="900"/>
+            </a:lvl9pPr>
+          </a:lstStyle>
+          <a:p>
+            <a:pPr lvl="0"/>
+            <a:r>
+              <a:rPr lang="en-US"/>
+              <a:t>Click to edit Master text styles</a:t>
+            </a:r>
+          </a:p>
+        </p:txBody>
+      </p:sp>
+      <p:sp>
+        <p:nvSpPr>
+          <p:cNvPr id="5" name="Date Placeholder 4"/>
+          <p:cNvSpPr>
+            <a:spLocks noGrp="1"/>
+          </p:cNvSpPr>
+          <p:nvPr>
+            <p:ph type="dt" sz="half" idx="10"/>
+          </p:nvPr>
+        </p:nvSpPr>
+        <p:spPr/>
+        <p:txBody>
+          <a:bodyPr/>
+          <a:lstStyle/>
+          <a:p>
+            <a:fld id="{12435AB4-87E5-4569-B59F-FFDB84E70E67}" type="datetimeFigureOut">
+              <a:rPr lang="en-US" smtClean="0"/>
+              <a:t>4/17/2022</a:t>
+            </a:fld>
+            <a:endParaRPr lang="en-US"/>
+          </a:p>
+        </p:txBody>
+      </p:sp>
+      <p:sp>
+        <p:nvSpPr>
+          <p:cNvPr id="6" name="Footer Placeholder 5"/>
+          <p:cNvSpPr>
+            <a:spLocks noGrp="1"/>
+          </p:cNvSpPr>
+          <p:nvPr>
+            <p:ph type="ftr" sz="quarter" idx="11"/>
+          </p:nvPr>
+        </p:nvSpPr>
+        <p:spPr/>
+        <p:txBody>
+          <a:bodyPr/>
+          <a:lstStyle/>
+          <a:p>
+            <a:endParaRPr lang="en-US"/>
+          </a:p>
+        </p:txBody>
+      </p:sp>
+      <p:sp>
+        <p:nvSpPr>
+          <p:cNvPr id="7" name="Slide Number Placeholder 6"/>
+          <p:cNvSpPr>
+            <a:spLocks noGrp="1"/>
+          </p:cNvSpPr>
+          <p:nvPr>
+            <p:ph type="sldNum" sz="quarter" idx="12"/>
+          </p:nvPr>
+        </p:nvSpPr>
+        <p:spPr/>
+        <p:txBody>
+          <a:bodyPr/>
+          <a:lstStyle/>
+          <a:p>
+            <a:fld id="{522A4B67-F228-4320-BA3B-7A6ECE67417F}" type="slidenum">
+              <a:rPr lang="en-US" smtClean="0"/>
+              <a:t>‹#›</a:t>
+            </a:fld>
+            <a:endParaRPr lang="en-US"/>
+          </a:p>
+        </p:txBody>
+      </p:sp>
+    </p:spTree>
+    <p:extLst>
+      <p:ext uri="{BB962C8B-B14F-4D97-AF65-F5344CB8AC3E}">
+        <p14:creationId xmlns:p14="http://schemas.microsoft.com/office/powerpoint/2010/main" val="4063754336"/>
+      </p:ext>
+    </p:extLst>
+  </p:cSld>
+  <p:clrMapOvr>
+    <a:masterClrMapping/>
+  </p:clrMapOvr>
+</p:sldLayout>
+</file>
+
+<file path=ppt/slideLayouts/slideLayout26.xml><?xml version="1.0" encoding="utf-8"?>
+<p:sldLayout xmlns:a="http://schemas.openxmlformats.org/drawingml/2006/main" xmlns:r="http://schemas.openxmlformats.org/officeDocument/2006/relationships" xmlns:p="http://schemas.openxmlformats.org/presentationml/2006/main" showMasterSp="0" type="picTx" preserve="1">
+  <p:cSld name="Picture with Caption">
+    <p:spTree>
+      <p:nvGrpSpPr>
+        <p:cNvPr id="1" name=""/>
+        <p:cNvGrpSpPr/>
+        <p:nvPr/>
+      </p:nvGrpSpPr>
+      <p:grpSpPr>
+        <a:xfrm>
+          <a:off x="0" y="0"/>
+          <a:ext cx="0" cy="0"/>
+          <a:chOff x="0" y="0"/>
+          <a:chExt cx="0" cy="0"/>
+        </a:xfrm>
+      </p:grpSpPr>
+      <p:pic>
+        <p:nvPicPr>
+          <p:cNvPr id="22" name="Picture 21" descr="Slate-V2-HD-vertPhotoInset.png"/>
+          <p:cNvPicPr>
+            <a:picLocks noChangeAspect="1"/>
+          </p:cNvPicPr>
+          <p:nvPr/>
+        </p:nvPicPr>
+        <p:blipFill>
+          <a:blip r:embed="rId2">
+            <a:extLst>
+              <a:ext uri="{28A0092B-C50C-407E-A947-70E740481C1C}">
+                <a14:useLocalDpi xmlns:a14="http://schemas.microsoft.com/office/drawing/2010/main" val="0"/>
+              </a:ext>
+            </a:extLst>
+          </a:blip>
+          <a:stretch>
+            <a:fillRect/>
+          </a:stretch>
+        </p:blipFill>
+        <p:spPr>
+          <a:xfrm>
+            <a:off x="7293665" y="609600"/>
+            <a:ext cx="3584166" cy="5204832"/>
+          </a:xfrm>
+          <a:prstGeom prst="rect">
+            <a:avLst/>
+          </a:prstGeom>
+        </p:spPr>
+      </p:pic>
+      <p:sp>
+        <p:nvSpPr>
+          <p:cNvPr id="2" name="Title 1"/>
+          <p:cNvSpPr>
+            <a:spLocks noGrp="1"/>
+          </p:cNvSpPr>
+          <p:nvPr>
+            <p:ph type="title"/>
+          </p:nvPr>
+        </p:nvSpPr>
+        <p:spPr>
+          <a:xfrm>
+            <a:off x="913795" y="609923"/>
+            <a:ext cx="5934949" cy="1829338"/>
+          </a:xfrm>
+        </p:spPr>
+        <p:txBody>
+          <a:bodyPr anchor="b">
+            <a:noAutofit/>
+          </a:bodyPr>
+          <a:lstStyle>
+            <a:lvl1pPr algn="ctr">
+              <a:defRPr sz="3200" b="0"/>
+            </a:lvl1pPr>
+          </a:lstStyle>
+          <a:p>
+            <a:r>
+              <a:rPr lang="en-US"/>
+              <a:t>Click to edit Master title style</a:t>
+            </a:r>
+            <a:endParaRPr lang="en-US" dirty="0"/>
+          </a:p>
+        </p:txBody>
+      </p:sp>
+      <p:sp>
+        <p:nvSpPr>
+          <p:cNvPr id="3" name="Picture Placeholder 2"/>
+          <p:cNvSpPr>
+            <a:spLocks noGrp="1" noChangeAspect="1"/>
+          </p:cNvSpPr>
+          <p:nvPr>
+            <p:ph type="pic" idx="1"/>
+          </p:nvPr>
+        </p:nvSpPr>
+        <p:spPr>
+          <a:xfrm>
+            <a:off x="7442551" y="763702"/>
+            <a:ext cx="3275751" cy="4912822"/>
+          </a:xfrm>
+          <a:effectLst>
+            <a:outerShdw blurRad="38100" dist="25400" dir="4440000">
+              <a:srgbClr val="000000">
+                <a:alpha val="36000"/>
+              </a:srgbClr>
+            </a:outerShdw>
+          </a:effectLst>
+        </p:spPr>
+        <p:txBody>
+          <a:bodyPr anchor="t">
+            <a:normAutofit/>
+          </a:bodyPr>
+          <a:lstStyle>
+            <a:lvl1pPr marL="0" indent="0" algn="ctr">
+              <a:buNone/>
+              <a:defRPr sz="1600"/>
+            </a:lvl1pPr>
+            <a:lvl2pPr marL="457200" indent="0">
+              <a:buNone/>
+              <a:defRPr sz="1600"/>
+            </a:lvl2pPr>
+            <a:lvl3pPr marL="914400" indent="0">
+              <a:buNone/>
+              <a:defRPr sz="1600"/>
+            </a:lvl3pPr>
+            <a:lvl4pPr marL="1371600" indent="0">
+              <a:buNone/>
+              <a:defRPr sz="1600"/>
+            </a:lvl4pPr>
+            <a:lvl5pPr marL="1828800" indent="0">
+              <a:buNone/>
+              <a:defRPr sz="1600"/>
+            </a:lvl5pPr>
+            <a:lvl6pPr marL="2286000" indent="0">
+              <a:buNone/>
+              <a:defRPr sz="1600"/>
+            </a:lvl6pPr>
+            <a:lvl7pPr marL="2743200" indent="0">
+              <a:buNone/>
+              <a:defRPr sz="1600"/>
+            </a:lvl7pPr>
+            <a:lvl8pPr marL="3200400" indent="0">
+              <a:buNone/>
+              <a:defRPr sz="1600"/>
+            </a:lvl8pPr>
+            <a:lvl9pPr marL="3657600" indent="0">
+              <a:buNone/>
+              <a:defRPr sz="1600"/>
+            </a:lvl9pPr>
+          </a:lstStyle>
+          <a:p>
+            <a:r>
+              <a:rPr lang="en-US"/>
+              <a:t>Click icon to add picture</a:t>
+            </a:r>
+            <a:endParaRPr lang="en-US" dirty="0"/>
+          </a:p>
+        </p:txBody>
+      </p:sp>
+      <p:sp>
+        <p:nvSpPr>
+          <p:cNvPr id="4" name="Text Placeholder 3"/>
+          <p:cNvSpPr>
+            <a:spLocks noGrp="1"/>
+          </p:cNvSpPr>
+          <p:nvPr>
+            <p:ph type="body" sz="half" idx="2"/>
+          </p:nvPr>
+        </p:nvSpPr>
+        <p:spPr>
+          <a:xfrm>
+            <a:off x="913795" y="2439261"/>
+            <a:ext cx="5934949" cy="3376134"/>
+          </a:xfrm>
+        </p:spPr>
+        <p:txBody>
+          <a:bodyPr anchor="t">
+            <a:normAutofit/>
+          </a:bodyPr>
+          <a:lstStyle>
+            <a:lvl1pPr marL="0" indent="0" algn="ctr">
+              <a:buNone/>
+              <a:defRPr sz="1600"/>
+            </a:lvl1pPr>
+            <a:lvl2pPr marL="457200" indent="0">
+              <a:buNone/>
+              <a:defRPr sz="1200"/>
+            </a:lvl2pPr>
+            <a:lvl3pPr marL="914400" indent="0">
+              <a:buNone/>
+              <a:defRPr sz="1000"/>
+            </a:lvl3pPr>
+            <a:lvl4pPr marL="1371600" indent="0">
+              <a:buNone/>
+              <a:defRPr sz="900"/>
+            </a:lvl4pPr>
+            <a:lvl5pPr marL="1828800" indent="0">
+              <a:buNone/>
+              <a:defRPr sz="900"/>
+            </a:lvl5pPr>
+            <a:lvl6pPr marL="2286000" indent="0">
+              <a:buNone/>
+              <a:defRPr sz="900"/>
+            </a:lvl6pPr>
+            <a:lvl7pPr marL="2743200" indent="0">
+              <a:buNone/>
+              <a:defRPr sz="900"/>
+            </a:lvl7pPr>
+            <a:lvl8pPr marL="3200400" indent="0">
+              <a:buNone/>
+              <a:defRPr sz="900"/>
+            </a:lvl8pPr>
+            <a:lvl9pPr marL="3657600" indent="0">
+              <a:buNone/>
+              <a:defRPr sz="900"/>
+            </a:lvl9pPr>
+          </a:lstStyle>
+          <a:p>
+            <a:pPr lvl="0"/>
+            <a:r>
+              <a:rPr lang="en-US"/>
+              <a:t>Click to edit Master text styles</a:t>
+            </a:r>
+          </a:p>
+        </p:txBody>
+      </p:sp>
+      <p:sp>
+        <p:nvSpPr>
+          <p:cNvPr id="5" name="Date Placeholder 4"/>
+          <p:cNvSpPr>
+            <a:spLocks noGrp="1"/>
+          </p:cNvSpPr>
+          <p:nvPr>
+            <p:ph type="dt" sz="half" idx="10"/>
+          </p:nvPr>
+        </p:nvSpPr>
+        <p:spPr/>
+        <p:txBody>
+          <a:bodyPr/>
+          <a:lstStyle/>
+          <a:p>
+            <a:fld id="{12435AB4-87E5-4569-B59F-FFDB84E70E67}" type="datetimeFigureOut">
+              <a:rPr lang="en-US" smtClean="0"/>
+              <a:t>4/17/2022</a:t>
+            </a:fld>
+            <a:endParaRPr lang="en-US"/>
+          </a:p>
+        </p:txBody>
+      </p:sp>
+      <p:sp>
+        <p:nvSpPr>
+          <p:cNvPr id="6" name="Footer Placeholder 5"/>
+          <p:cNvSpPr>
+            <a:spLocks noGrp="1"/>
+          </p:cNvSpPr>
+          <p:nvPr>
+            <p:ph type="ftr" sz="quarter" idx="11"/>
+          </p:nvPr>
+        </p:nvSpPr>
+        <p:spPr/>
+        <p:txBody>
+          <a:bodyPr/>
+          <a:lstStyle/>
+          <a:p>
+            <a:endParaRPr lang="en-US"/>
+          </a:p>
+        </p:txBody>
+      </p:sp>
+      <p:sp>
+        <p:nvSpPr>
+          <p:cNvPr id="7" name="Slide Number Placeholder 6"/>
+          <p:cNvSpPr>
+            <a:spLocks noGrp="1"/>
+          </p:cNvSpPr>
+          <p:nvPr>
+            <p:ph type="sldNum" sz="quarter" idx="12"/>
+          </p:nvPr>
+        </p:nvSpPr>
+        <p:spPr/>
+        <p:txBody>
+          <a:bodyPr/>
+          <a:lstStyle/>
+          <a:p>
+            <a:fld id="{522A4B67-F228-4320-BA3B-7A6ECE67417F}" type="slidenum">
+              <a:rPr lang="en-US" smtClean="0"/>
+              <a:t>‹#›</a:t>
+            </a:fld>
+            <a:endParaRPr lang="en-US"/>
+          </a:p>
+        </p:txBody>
+      </p:sp>
+    </p:spTree>
+    <p:extLst>
+      <p:ext uri="{BB962C8B-B14F-4D97-AF65-F5344CB8AC3E}">
+        <p14:creationId xmlns:p14="http://schemas.microsoft.com/office/powerpoint/2010/main" val="4156764035"/>
+      </p:ext>
+    </p:extLst>
+  </p:cSld>
+  <p:clrMapOvr>
+    <a:masterClrMapping/>
+  </p:clrMapOvr>
+</p:sldLayout>
+</file>
+
+<file path=ppt/slideLayouts/slideLayout27.xml><?xml version="1.0" encoding="utf-8"?>
+<p:sldLayout xmlns:a="http://schemas.openxmlformats.org/drawingml/2006/main" xmlns:r="http://schemas.openxmlformats.org/officeDocument/2006/relationships" xmlns:p="http://schemas.openxmlformats.org/presentationml/2006/main" showMasterSp="0" preserve="1">
+  <p:cSld name="Panoramic Picture with Caption">
+    <p:spTree>
+      <p:nvGrpSpPr>
+        <p:cNvPr id="1" name=""/>
+        <p:cNvGrpSpPr/>
+        <p:nvPr/>
+      </p:nvGrpSpPr>
+      <p:grpSpPr>
+        <a:xfrm>
+          <a:off x="0" y="0"/>
+          <a:ext cx="0" cy="0"/>
+          <a:chOff x="0" y="0"/>
+          <a:chExt cx="0" cy="0"/>
+        </a:xfrm>
+      </p:grpSpPr>
+      <p:pic>
+        <p:nvPicPr>
+          <p:cNvPr id="16" name="Picture 15" descr="Slate-V2-HD-panoPhotoInset.png"/>
+          <p:cNvPicPr>
+            <a:picLocks noChangeAspect="1"/>
+          </p:cNvPicPr>
+          <p:nvPr/>
+        </p:nvPicPr>
+        <p:blipFill>
+          <a:blip r:embed="rId2">
+            <a:extLst>
+              <a:ext uri="{28A0092B-C50C-407E-A947-70E740481C1C}">
+                <a14:useLocalDpi xmlns:a14="http://schemas.microsoft.com/office/drawing/2010/main" val="0"/>
+              </a:ext>
+            </a:extLst>
+          </a:blip>
+          <a:stretch>
+            <a:fillRect/>
+          </a:stretch>
+        </p:blipFill>
+        <p:spPr>
+          <a:xfrm>
+            <a:off x="1013883" y="547807"/>
+            <a:ext cx="10141799" cy="3816806"/>
+          </a:xfrm>
+          <a:prstGeom prst="rect">
+            <a:avLst/>
+          </a:prstGeom>
+        </p:spPr>
+      </p:pic>
+      <p:sp>
+        <p:nvSpPr>
+          <p:cNvPr id="2" name="Title 1"/>
+          <p:cNvSpPr>
+            <a:spLocks noGrp="1"/>
+          </p:cNvSpPr>
+          <p:nvPr>
+            <p:ph type="title"/>
+          </p:nvPr>
+        </p:nvSpPr>
+        <p:spPr>
+          <a:xfrm>
+            <a:off x="913806" y="4565255"/>
+            <a:ext cx="10355326" cy="543472"/>
+          </a:xfrm>
+        </p:spPr>
+        <p:txBody>
+          <a:bodyPr anchor="b">
+            <a:normAutofit/>
+          </a:bodyPr>
+          <a:lstStyle>
+            <a:lvl1pPr algn="ctr">
+              <a:defRPr sz="2800"/>
+            </a:lvl1pPr>
+          </a:lstStyle>
+          <a:p>
+            <a:r>
+              <a:rPr lang="en-US"/>
+              <a:t>Click to edit Master title style</a:t>
+            </a:r>
+            <a:endParaRPr lang="en-US" dirty="0"/>
+          </a:p>
+        </p:txBody>
+      </p:sp>
+      <p:sp>
+        <p:nvSpPr>
+          <p:cNvPr id="3" name="Picture Placeholder 2"/>
+          <p:cNvSpPr>
+            <a:spLocks noGrp="1" noChangeAspect="1"/>
+          </p:cNvSpPr>
+          <p:nvPr>
+            <p:ph type="pic" idx="1"/>
+          </p:nvPr>
+        </p:nvSpPr>
+        <p:spPr>
+          <a:xfrm>
+            <a:off x="1169349" y="695009"/>
+            <a:ext cx="9845346" cy="3525671"/>
+          </a:xfrm>
+          <a:effectLst>
+            <a:outerShdw blurRad="38100" dist="25400" dir="4440000">
+              <a:srgbClr val="000000">
+                <a:alpha val="36000"/>
+              </a:srgbClr>
+            </a:outerShdw>
+          </a:effectLst>
+        </p:spPr>
+        <p:txBody>
+          <a:bodyPr anchor="t">
+            <a:normAutofit/>
+          </a:bodyPr>
+          <a:lstStyle>
+            <a:lvl1pPr marL="0" indent="0" algn="ctr">
+              <a:buNone/>
+              <a:defRPr sz="2000"/>
+            </a:lvl1pPr>
+            <a:lvl2pPr marL="457200" indent="0">
+              <a:buNone/>
+              <a:defRPr sz="2000"/>
+            </a:lvl2pPr>
+            <a:lvl3pPr marL="914400" indent="0">
+              <a:buNone/>
+              <a:defRPr sz="2000"/>
+            </a:lvl3pPr>
+            <a:lvl4pPr marL="1371600" indent="0">
+              <a:buNone/>
+              <a:defRPr sz="2000"/>
+            </a:lvl4pPr>
+            <a:lvl5pPr marL="1828800" indent="0">
+              <a:buNone/>
+              <a:defRPr sz="2000"/>
+            </a:lvl5pPr>
+            <a:lvl6pPr marL="2286000" indent="0">
+              <a:buNone/>
+              <a:defRPr sz="2000"/>
+            </a:lvl6pPr>
+            <a:lvl7pPr marL="2743200" indent="0">
+              <a:buNone/>
+              <a:defRPr sz="2000"/>
+            </a:lvl7pPr>
+            <a:lvl8pPr marL="3200400" indent="0">
+              <a:buNone/>
+              <a:defRPr sz="2000"/>
+            </a:lvl8pPr>
+            <a:lvl9pPr marL="3657600" indent="0">
+              <a:buNone/>
+              <a:defRPr sz="2000"/>
+            </a:lvl9pPr>
+          </a:lstStyle>
+          <a:p>
+            <a:r>
+              <a:rPr lang="en-US"/>
+              <a:t>Click icon to add picture</a:t>
+            </a:r>
+            <a:endParaRPr lang="en-US" dirty="0"/>
+          </a:p>
+        </p:txBody>
+      </p:sp>
+      <p:sp>
+        <p:nvSpPr>
+          <p:cNvPr id="4" name="Text Placeholder 3"/>
+          <p:cNvSpPr>
+            <a:spLocks noGrp="1"/>
+          </p:cNvSpPr>
+          <p:nvPr>
+            <p:ph type="body" sz="half" idx="2"/>
+          </p:nvPr>
+        </p:nvSpPr>
+        <p:spPr>
+          <a:xfrm>
+            <a:off x="913795" y="5108728"/>
+            <a:ext cx="10353762" cy="682472"/>
+          </a:xfrm>
+        </p:spPr>
+        <p:txBody>
+          <a:bodyPr anchor="t"/>
+          <a:lstStyle>
+            <a:lvl1pPr marL="0" indent="0" algn="ctr">
+              <a:buNone/>
+              <a:defRPr sz="1600"/>
+            </a:lvl1pPr>
+            <a:lvl2pPr marL="457200" indent="0">
+              <a:buNone/>
+              <a:defRPr sz="1400"/>
+            </a:lvl2pPr>
+            <a:lvl3pPr marL="914400" indent="0">
+              <a:buNone/>
+              <a:defRPr sz="1200"/>
+            </a:lvl3pPr>
+            <a:lvl4pPr marL="1371600" indent="0">
+              <a:buNone/>
+              <a:defRPr sz="1000"/>
+            </a:lvl4pPr>
+            <a:lvl5pPr marL="1828800" indent="0">
+              <a:buNone/>
+              <a:defRPr sz="1000"/>
+            </a:lvl5pPr>
+            <a:lvl6pPr marL="2286000" indent="0">
+              <a:buNone/>
+              <a:defRPr sz="1000"/>
+            </a:lvl6pPr>
+            <a:lvl7pPr marL="2743200" indent="0">
+              <a:buNone/>
+              <a:defRPr sz="1000"/>
+            </a:lvl7pPr>
+            <a:lvl8pPr marL="3200400" indent="0">
+              <a:buNone/>
+              <a:defRPr sz="1000"/>
+            </a:lvl8pPr>
+            <a:lvl9pPr marL="3657600" indent="0">
+              <a:buNone/>
+              <a:defRPr sz="1000"/>
+            </a:lvl9pPr>
+          </a:lstStyle>
+          <a:p>
+            <a:pPr lvl="0"/>
+            <a:r>
+              <a:rPr lang="en-US"/>
+              <a:t>Click to edit Master text styles</a:t>
+            </a:r>
+          </a:p>
+        </p:txBody>
+      </p:sp>
+      <p:sp>
+        <p:nvSpPr>
+          <p:cNvPr id="5" name="Date Placeholder 4"/>
+          <p:cNvSpPr>
+            <a:spLocks noGrp="1"/>
+          </p:cNvSpPr>
+          <p:nvPr>
+            <p:ph type="dt" sz="half" idx="10"/>
+          </p:nvPr>
+        </p:nvSpPr>
+        <p:spPr/>
+        <p:txBody>
+          <a:bodyPr/>
+          <a:lstStyle/>
+          <a:p>
+            <a:fld id="{12435AB4-87E5-4569-B59F-FFDB84E70E67}" type="datetimeFigureOut">
+              <a:rPr lang="en-US" smtClean="0"/>
+              <a:t>4/17/2022</a:t>
+            </a:fld>
+            <a:endParaRPr lang="en-US"/>
+          </a:p>
+        </p:txBody>
+      </p:sp>
+      <p:sp>
+        <p:nvSpPr>
+          <p:cNvPr id="6" name="Footer Placeholder 5"/>
+          <p:cNvSpPr>
+            <a:spLocks noGrp="1"/>
+          </p:cNvSpPr>
+          <p:nvPr>
+            <p:ph type="ftr" sz="quarter" idx="11"/>
+          </p:nvPr>
+        </p:nvSpPr>
+        <p:spPr/>
+        <p:txBody>
+          <a:bodyPr/>
+          <a:lstStyle/>
+          <a:p>
+            <a:endParaRPr lang="en-US"/>
+          </a:p>
+        </p:txBody>
+      </p:sp>
+      <p:sp>
+        <p:nvSpPr>
+          <p:cNvPr id="7" name="Slide Number Placeholder 6"/>
+          <p:cNvSpPr>
+            <a:spLocks noGrp="1"/>
+          </p:cNvSpPr>
+          <p:nvPr>
+            <p:ph type="sldNum" sz="quarter" idx="12"/>
+          </p:nvPr>
+        </p:nvSpPr>
+        <p:spPr/>
+        <p:txBody>
+          <a:bodyPr/>
+          <a:lstStyle/>
+          <a:p>
+            <a:fld id="{522A4B67-F228-4320-BA3B-7A6ECE67417F}" type="slidenum">
+              <a:rPr lang="en-US" smtClean="0"/>
+              <a:t>‹#›</a:t>
+            </a:fld>
+            <a:endParaRPr lang="en-US"/>
+          </a:p>
+        </p:txBody>
+      </p:sp>
+    </p:spTree>
+    <p:extLst>
+      <p:ext uri="{BB962C8B-B14F-4D97-AF65-F5344CB8AC3E}">
+        <p14:creationId xmlns:p14="http://schemas.microsoft.com/office/powerpoint/2010/main" val="2289768157"/>
+      </p:ext>
+    </p:extLst>
+  </p:cSld>
+  <p:clrMapOvr>
+    <a:masterClrMapping/>
+  </p:clrMapOvr>
+</p:sldLayout>
+</file>
+
+<file path=ppt/slideLayouts/slideLayout28.xml><?xml version="1.0" encoding="utf-8"?>
+<p:sldLayout xmlns:a="http://schemas.openxmlformats.org/drawingml/2006/main" xmlns:r="http://schemas.openxmlformats.org/officeDocument/2006/relationships" xmlns:p="http://schemas.openxmlformats.org/presentationml/2006/main" showMasterSp="0" preserve="1">
+  <p:cSld name="Title and Caption">
+    <p:spTree>
+      <p:nvGrpSpPr>
+        <p:cNvPr id="1" name=""/>
+        <p:cNvGrpSpPr/>
+        <p:nvPr/>
+      </p:nvGrpSpPr>
+      <p:grpSpPr>
+        <a:xfrm>
+          <a:off x="0" y="0"/>
+          <a:ext cx="0" cy="0"/>
+          <a:chOff x="0" y="0"/>
+          <a:chExt cx="0" cy="0"/>
+        </a:xfrm>
+      </p:grpSpPr>
+      <p:sp>
+        <p:nvSpPr>
+          <p:cNvPr id="2" name="Title 1"/>
+          <p:cNvSpPr>
+            <a:spLocks noGrp="1"/>
+          </p:cNvSpPr>
+          <p:nvPr>
+            <p:ph type="title"/>
+          </p:nvPr>
+        </p:nvSpPr>
+        <p:spPr>
+          <a:xfrm>
+            <a:off x="913795" y="608437"/>
+            <a:ext cx="10353762" cy="3534344"/>
+          </a:xfrm>
+        </p:spPr>
+        <p:txBody>
+          <a:bodyPr anchor="ctr"/>
+          <a:lstStyle>
+            <a:lvl1pPr>
+              <a:defRPr sz="3200"/>
+            </a:lvl1pPr>
+          </a:lstStyle>
+          <a:p>
+            <a:r>
+              <a:rPr lang="en-US"/>
+              <a:t>Click to edit Master title style</a:t>
+            </a:r>
+            <a:endParaRPr lang="en-US" dirty="0"/>
+          </a:p>
+        </p:txBody>
+      </p:sp>
+      <p:sp>
+        <p:nvSpPr>
+          <p:cNvPr id="4" name="Text Placeholder 3"/>
+          <p:cNvSpPr>
+            <a:spLocks noGrp="1"/>
+          </p:cNvSpPr>
+          <p:nvPr>
+            <p:ph type="body" sz="half" idx="2"/>
+          </p:nvPr>
+        </p:nvSpPr>
+        <p:spPr>
+          <a:xfrm>
+            <a:off x="913794" y="4295180"/>
+            <a:ext cx="10353763" cy="1501826"/>
+          </a:xfrm>
+        </p:spPr>
+        <p:txBody>
+          <a:bodyPr anchor="ctr"/>
+          <a:lstStyle>
+            <a:lvl1pPr marL="0" indent="0" algn="ctr">
+              <a:buNone/>
+              <a:defRPr sz="1600"/>
+            </a:lvl1pPr>
+            <a:lvl2pPr marL="457200" indent="0">
+              <a:buNone/>
+              <a:defRPr sz="1400"/>
+            </a:lvl2pPr>
+            <a:lvl3pPr marL="914400" indent="0">
+              <a:buNone/>
+              <a:defRPr sz="1200"/>
+            </a:lvl3pPr>
+            <a:lvl4pPr marL="1371600" indent="0">
+              <a:buNone/>
+              <a:defRPr sz="1000"/>
+            </a:lvl4pPr>
+            <a:lvl5pPr marL="1828800" indent="0">
+              <a:buNone/>
+              <a:defRPr sz="1000"/>
+            </a:lvl5pPr>
+            <a:lvl6pPr marL="2286000" indent="0">
+              <a:buNone/>
+              <a:defRPr sz="1000"/>
+            </a:lvl6pPr>
+            <a:lvl7pPr marL="2743200" indent="0">
+              <a:buNone/>
+              <a:defRPr sz="1000"/>
+            </a:lvl7pPr>
+            <a:lvl8pPr marL="3200400" indent="0">
+              <a:buNone/>
+              <a:defRPr sz="1000"/>
+            </a:lvl8pPr>
+            <a:lvl9pPr marL="3657600" indent="0">
+              <a:buNone/>
+              <a:defRPr sz="1000"/>
+            </a:lvl9pPr>
+          </a:lstStyle>
+          <a:p>
+            <a:pPr lvl="0"/>
+            <a:r>
+              <a:rPr lang="en-US"/>
+              <a:t>Click to edit Master text styles</a:t>
+            </a:r>
+          </a:p>
+        </p:txBody>
+      </p:sp>
+      <p:sp>
+        <p:nvSpPr>
+          <p:cNvPr id="5" name="Date Placeholder 4"/>
+          <p:cNvSpPr>
+            <a:spLocks noGrp="1"/>
+          </p:cNvSpPr>
+          <p:nvPr>
+            <p:ph type="dt" sz="half" idx="10"/>
+          </p:nvPr>
+        </p:nvSpPr>
+        <p:spPr/>
+        <p:txBody>
+          <a:bodyPr/>
+          <a:lstStyle/>
+          <a:p>
+            <a:fld id="{12435AB4-87E5-4569-B59F-FFDB84E70E67}" type="datetimeFigureOut">
+              <a:rPr lang="en-US" smtClean="0"/>
+              <a:t>4/17/2022</a:t>
+            </a:fld>
+            <a:endParaRPr lang="en-US"/>
+          </a:p>
+        </p:txBody>
+      </p:sp>
+      <p:sp>
+        <p:nvSpPr>
+          <p:cNvPr id="6" name="Footer Placeholder 5"/>
+          <p:cNvSpPr>
+            <a:spLocks noGrp="1"/>
+          </p:cNvSpPr>
+          <p:nvPr>
+            <p:ph type="ftr" sz="quarter" idx="11"/>
+          </p:nvPr>
+        </p:nvSpPr>
+        <p:spPr/>
+        <p:txBody>
+          <a:bodyPr/>
+          <a:lstStyle/>
+          <a:p>
+            <a:endParaRPr lang="en-US"/>
+          </a:p>
+        </p:txBody>
+      </p:sp>
+      <p:sp>
+        <p:nvSpPr>
+          <p:cNvPr id="7" name="Slide Number Placeholder 6"/>
+          <p:cNvSpPr>
+            <a:spLocks noGrp="1"/>
+          </p:cNvSpPr>
+          <p:nvPr>
+            <p:ph type="sldNum" sz="quarter" idx="12"/>
+          </p:nvPr>
+        </p:nvSpPr>
+        <p:spPr/>
+        <p:txBody>
+          <a:bodyPr/>
+          <a:lstStyle/>
+          <a:p>
+            <a:fld id="{522A4B67-F228-4320-BA3B-7A6ECE67417F}" type="slidenum">
+              <a:rPr lang="en-US" smtClean="0"/>
+              <a:t>‹#›</a:t>
+            </a:fld>
+            <a:endParaRPr lang="en-US"/>
+          </a:p>
+        </p:txBody>
+      </p:sp>
+    </p:spTree>
+    <p:extLst>
+      <p:ext uri="{BB962C8B-B14F-4D97-AF65-F5344CB8AC3E}">
+        <p14:creationId xmlns:p14="http://schemas.microsoft.com/office/powerpoint/2010/main" val="3204621986"/>
+      </p:ext>
+    </p:extLst>
+  </p:cSld>
+  <p:clrMapOvr>
+    <a:masterClrMapping/>
+  </p:clrMapOvr>
+</p:sldLayout>
+</file>
+
+<file path=ppt/slideLayouts/slideLayout29.xml><?xml version="1.0" encoding="utf-8"?>
+<p:sldLayout xmlns:a="http://schemas.openxmlformats.org/drawingml/2006/main" xmlns:r="http://schemas.openxmlformats.org/officeDocument/2006/relationships" xmlns:p="http://schemas.openxmlformats.org/presentationml/2006/main" showMasterSp="0" preserve="1">
+  <p:cSld name="Quote with Caption">
+    <p:spTree>
+      <p:nvGrpSpPr>
+        <p:cNvPr id="1" name=""/>
+        <p:cNvGrpSpPr/>
+        <p:nvPr/>
+      </p:nvGrpSpPr>
+      <p:grpSpPr>
+        <a:xfrm>
+          <a:off x="0" y="0"/>
+          <a:ext cx="0" cy="0"/>
+          <a:chOff x="0" y="0"/>
+          <a:chExt cx="0" cy="0"/>
+        </a:xfrm>
+      </p:grpSpPr>
+      <p:sp>
+        <p:nvSpPr>
+          <p:cNvPr id="2" name="Title 1"/>
+          <p:cNvSpPr>
+            <a:spLocks noGrp="1"/>
+          </p:cNvSpPr>
+          <p:nvPr>
+            <p:ph type="title"/>
+          </p:nvPr>
+        </p:nvSpPr>
+        <p:spPr>
+          <a:xfrm>
+            <a:off x="1446212" y="609600"/>
+            <a:ext cx="9302752" cy="2992904"/>
+          </a:xfrm>
+        </p:spPr>
+        <p:txBody>
+          <a:bodyPr anchor="ctr"/>
+          <a:lstStyle>
+            <a:lvl1pPr>
+              <a:defRPr sz="3200"/>
+            </a:lvl1pPr>
+          </a:lstStyle>
+          <a:p>
+            <a:r>
+              <a:rPr lang="en-US"/>
+              <a:t>Click to edit Master title style</a:t>
+            </a:r>
+            <a:endParaRPr lang="en-US" dirty="0"/>
+          </a:p>
+        </p:txBody>
+      </p:sp>
+      <p:sp>
+        <p:nvSpPr>
+          <p:cNvPr id="12" name="Text Placeholder 3"/>
+          <p:cNvSpPr>
+            <a:spLocks noGrp="1"/>
+          </p:cNvSpPr>
+          <p:nvPr>
+            <p:ph type="body" sz="half" idx="13"/>
+          </p:nvPr>
+        </p:nvSpPr>
+        <p:spPr>
+          <a:xfrm>
+            <a:off x="1720644" y="3610032"/>
+            <a:ext cx="8752299" cy="532749"/>
+          </a:xfrm>
+        </p:spPr>
+        <p:txBody>
+          <a:bodyPr anchor="t">
+            <a:normAutofit/>
+          </a:bodyPr>
+          <a:lstStyle>
+            <a:lvl1pPr marL="0" indent="0" algn="r">
+              <a:buNone/>
+              <a:defRPr sz="1400"/>
+            </a:lvl1pPr>
+            <a:lvl2pPr marL="457200" indent="0">
+              <a:buNone/>
+              <a:defRPr sz="1400"/>
+            </a:lvl2pPr>
+            <a:lvl3pPr marL="914400" indent="0">
+              <a:buNone/>
+              <a:defRPr sz="1200"/>
+            </a:lvl3pPr>
+            <a:lvl4pPr marL="1371600" indent="0">
+              <a:buNone/>
+              <a:defRPr sz="1000"/>
+            </a:lvl4pPr>
+            <a:lvl5pPr marL="1828800" indent="0">
+              <a:buNone/>
+              <a:defRPr sz="1000"/>
+            </a:lvl5pPr>
+            <a:lvl6pPr marL="2286000" indent="0">
+              <a:buNone/>
+              <a:defRPr sz="1000"/>
+            </a:lvl6pPr>
+            <a:lvl7pPr marL="2743200" indent="0">
+              <a:buNone/>
+              <a:defRPr sz="1000"/>
+            </a:lvl7pPr>
+            <a:lvl8pPr marL="3200400" indent="0">
+              <a:buNone/>
+              <a:defRPr sz="1000"/>
+            </a:lvl8pPr>
+            <a:lvl9pPr marL="3657600" indent="0">
+              <a:buNone/>
+              <a:defRPr sz="1000"/>
+            </a:lvl9pPr>
+          </a:lstStyle>
+          <a:p>
+            <a:pPr lvl="0"/>
+            <a:r>
+              <a:rPr lang="en-US"/>
+              <a:t>Click to edit Master text styles</a:t>
+            </a:r>
+          </a:p>
+        </p:txBody>
+      </p:sp>
+      <p:sp>
+        <p:nvSpPr>
+          <p:cNvPr id="4" name="Text Placeholder 3"/>
+          <p:cNvSpPr>
+            <a:spLocks noGrp="1"/>
+          </p:cNvSpPr>
+          <p:nvPr>
+            <p:ph type="body" sz="half" idx="2"/>
+          </p:nvPr>
+        </p:nvSpPr>
+        <p:spPr>
+          <a:xfrm>
+            <a:off x="913794" y="4304353"/>
+            <a:ext cx="10353763" cy="1489496"/>
+          </a:xfrm>
+        </p:spPr>
+        <p:txBody>
+          <a:bodyPr anchor="ctr">
+            <a:normAutofit/>
+          </a:bodyPr>
+          <a:lstStyle>
+            <a:lvl1pPr marL="0" indent="0" algn="ctr">
+              <a:buNone/>
+              <a:defRPr sz="1600"/>
+            </a:lvl1pPr>
+            <a:lvl2pPr marL="457200" indent="0">
+              <a:buNone/>
+              <a:defRPr sz="1400"/>
+            </a:lvl2pPr>
+            <a:lvl3pPr marL="914400" indent="0">
+              <a:buNone/>
+              <a:defRPr sz="1200"/>
+            </a:lvl3pPr>
+            <a:lvl4pPr marL="1371600" indent="0">
+              <a:buNone/>
+              <a:defRPr sz="1000"/>
+            </a:lvl4pPr>
+            <a:lvl5pPr marL="1828800" indent="0">
+              <a:buNone/>
+              <a:defRPr sz="1000"/>
+            </a:lvl5pPr>
+            <a:lvl6pPr marL="2286000" indent="0">
+              <a:buNone/>
+              <a:defRPr sz="1000"/>
+            </a:lvl6pPr>
+            <a:lvl7pPr marL="2743200" indent="0">
+              <a:buNone/>
+              <a:defRPr sz="1000"/>
+            </a:lvl7pPr>
+            <a:lvl8pPr marL="3200400" indent="0">
+              <a:buNone/>
+              <a:defRPr sz="1000"/>
+            </a:lvl8pPr>
+            <a:lvl9pPr marL="3657600" indent="0">
+              <a:buNone/>
+              <a:defRPr sz="1000"/>
+            </a:lvl9pPr>
+          </a:lstStyle>
+          <a:p>
+            <a:pPr lvl="0"/>
+            <a:r>
+              <a:rPr lang="en-US"/>
+              <a:t>Click to edit Master text styles</a:t>
+            </a:r>
+          </a:p>
+        </p:txBody>
+      </p:sp>
+      <p:sp>
+        <p:nvSpPr>
+          <p:cNvPr id="5" name="Date Placeholder 4"/>
+          <p:cNvSpPr>
+            <a:spLocks noGrp="1"/>
+          </p:cNvSpPr>
+          <p:nvPr>
+            <p:ph type="dt" sz="half" idx="10"/>
+          </p:nvPr>
+        </p:nvSpPr>
+        <p:spPr/>
+        <p:txBody>
+          <a:bodyPr/>
+          <a:lstStyle/>
+          <a:p>
+            <a:fld id="{12435AB4-87E5-4569-B59F-FFDB84E70E67}" type="datetimeFigureOut">
+              <a:rPr lang="en-US" smtClean="0"/>
+              <a:t>4/17/2022</a:t>
+            </a:fld>
+            <a:endParaRPr lang="en-US"/>
+          </a:p>
+        </p:txBody>
+      </p:sp>
+      <p:sp>
+        <p:nvSpPr>
+          <p:cNvPr id="6" name="Footer Placeholder 5"/>
+          <p:cNvSpPr>
+            <a:spLocks noGrp="1"/>
+          </p:cNvSpPr>
+          <p:nvPr>
+            <p:ph type="ftr" sz="quarter" idx="11"/>
+          </p:nvPr>
+        </p:nvSpPr>
+        <p:spPr/>
+        <p:txBody>
+          <a:bodyPr/>
+          <a:lstStyle/>
+          <a:p>
+            <a:endParaRPr lang="en-US"/>
+          </a:p>
+        </p:txBody>
+      </p:sp>
+      <p:sp>
+        <p:nvSpPr>
+          <p:cNvPr id="7" name="Slide Number Placeholder 6"/>
+          <p:cNvSpPr>
+            <a:spLocks noGrp="1"/>
+          </p:cNvSpPr>
+          <p:nvPr>
+            <p:ph type="sldNum" sz="quarter" idx="12"/>
+          </p:nvPr>
+        </p:nvSpPr>
+        <p:spPr/>
+        <p:txBody>
+          <a:bodyPr/>
+          <a:lstStyle/>
+          <a:p>
+            <a:fld id="{522A4B67-F228-4320-BA3B-7A6ECE67417F}" type="slidenum">
+              <a:rPr lang="en-US" smtClean="0"/>
+              <a:t>‹#›</a:t>
+            </a:fld>
+            <a:endParaRPr lang="en-US"/>
+          </a:p>
+        </p:txBody>
+      </p:sp>
+      <p:sp>
+        <p:nvSpPr>
+          <p:cNvPr id="11" name="TextBox 10"/>
+          <p:cNvSpPr txBox="1"/>
+          <p:nvPr/>
+        </p:nvSpPr>
+        <p:spPr>
+          <a:xfrm>
+            <a:off x="990600" y="884796"/>
+            <a:ext cx="609600" cy="584776"/>
+          </a:xfrm>
+          <a:prstGeom prst="rect">
+            <a:avLst/>
+          </a:prstGeom>
+        </p:spPr>
+        <p:txBody>
+          <a:bodyPr vert="horz" lIns="91440" tIns="45720" rIns="91440" bIns="45720" rtlCol="0" anchor="ctr">
+            <a:noAutofit/>
+          </a:bodyPr>
+          <a:lstStyle>
+            <a:lvl1pPr>
+              <a:spcBef>
+                <a:spcPct val="0"/>
+              </a:spcBef>
+              <a:buNone/>
+              <a:defRPr sz="3200" b="0" cap="all">
+                <a:ln w="3175" cmpd="sng">
+                  <a:noFill/>
+                </a:ln>
+                <a:effectLst>
+                  <a:glow rad="38100">
+                    <a:schemeClr val="bg1">
+                      <a:lumMod val="65000"/>
+                      <a:lumOff val="35000"/>
+                      <a:alpha val="40000"/>
+                    </a:schemeClr>
+                  </a:glow>
+                  <a:outerShdw blurRad="28575" dist="38100" dir="14040000" algn="tl" rotWithShape="0">
+                    <a:srgbClr val="000000">
+                      <a:alpha val="25000"/>
+                    </a:srgbClr>
+                  </a:outerShdw>
+                </a:effectLst>
+              </a:defRPr>
+            </a:lvl1pPr>
+            <a:lvl2pPr>
+              <a:defRPr>
+                <a:solidFill>
+                  <a:schemeClr val="tx2"/>
+                </a:solidFill>
+              </a:defRPr>
+            </a:lvl2pPr>
+            <a:lvl3pPr>
+              <a:defRPr>
+                <a:solidFill>
+                  <a:schemeClr val="tx2"/>
+                </a:solidFill>
+              </a:defRPr>
+            </a:lvl3pPr>
+            <a:lvl4pPr>
+              <a:defRPr>
+                <a:solidFill>
+                  <a:schemeClr val="tx2"/>
+                </a:solidFill>
+              </a:defRPr>
+            </a:lvl4pPr>
+            <a:lvl5pPr>
+              <a:defRPr>
+                <a:solidFill>
+                  <a:schemeClr val="tx2"/>
+                </a:solidFill>
+              </a:defRPr>
+            </a:lvl5pPr>
+            <a:lvl6pPr>
+              <a:defRPr>
+                <a:solidFill>
+                  <a:schemeClr val="tx2"/>
+                </a:solidFill>
+              </a:defRPr>
+            </a:lvl6pPr>
+            <a:lvl7pPr>
+              <a:defRPr>
+                <a:solidFill>
+                  <a:schemeClr val="tx2"/>
+                </a:solidFill>
+              </a:defRPr>
+            </a:lvl7pPr>
+            <a:lvl8pPr>
+              <a:defRPr>
+                <a:solidFill>
+                  <a:schemeClr val="tx2"/>
+                </a:solidFill>
+              </a:defRPr>
+            </a:lvl8pPr>
+            <a:lvl9pPr>
+              <a:defRPr>
+                <a:solidFill>
+                  <a:schemeClr val="tx2"/>
+                </a:solidFill>
+              </a:defRPr>
+            </a:lvl9pPr>
+          </a:lstStyle>
+          <a:p>
+            <a:pPr lvl="0"/>
+            <a:r>
+              <a:rPr lang="en-US" sz="8000" dirty="0">
+                <a:solidFill>
+                  <a:schemeClr val="tx1"/>
+                </a:solidFill>
+                <a:effectLst/>
+              </a:rPr>
+              <a:t>“</a:t>
+            </a:r>
+          </a:p>
+        </p:txBody>
+      </p:sp>
+      <p:sp>
+        <p:nvSpPr>
+          <p:cNvPr id="13" name="TextBox 12"/>
+          <p:cNvSpPr txBox="1"/>
+          <p:nvPr/>
+        </p:nvSpPr>
+        <p:spPr>
+          <a:xfrm>
+            <a:off x="10504716" y="2928258"/>
+            <a:ext cx="609600" cy="584776"/>
+          </a:xfrm>
+          <a:prstGeom prst="rect">
+            <a:avLst/>
+          </a:prstGeom>
+        </p:spPr>
+        <p:txBody>
+          <a:bodyPr vert="horz" lIns="91440" tIns="45720" rIns="91440" bIns="45720" rtlCol="0" anchor="ctr">
+            <a:noAutofit/>
+          </a:bodyPr>
+          <a:lstStyle>
+            <a:lvl1pPr>
+              <a:spcBef>
+                <a:spcPct val="0"/>
+              </a:spcBef>
+              <a:buNone/>
+              <a:defRPr sz="3200" b="0" cap="all">
+                <a:ln w="3175" cmpd="sng">
+                  <a:noFill/>
+                </a:ln>
+                <a:effectLst>
+                  <a:glow rad="38100">
+                    <a:schemeClr val="bg1">
+                      <a:lumMod val="65000"/>
+                      <a:lumOff val="35000"/>
+                      <a:alpha val="40000"/>
+                    </a:schemeClr>
+                  </a:glow>
+                  <a:outerShdw blurRad="28575" dist="38100" dir="14040000" algn="tl" rotWithShape="0">
+                    <a:srgbClr val="000000">
+                      <a:alpha val="25000"/>
+                    </a:srgbClr>
+                  </a:outerShdw>
+                </a:effectLst>
+              </a:defRPr>
+            </a:lvl1pPr>
+            <a:lvl2pPr>
+              <a:defRPr>
+                <a:solidFill>
+                  <a:schemeClr val="tx2"/>
+                </a:solidFill>
+              </a:defRPr>
+            </a:lvl2pPr>
+            <a:lvl3pPr>
+              <a:defRPr>
+                <a:solidFill>
+                  <a:schemeClr val="tx2"/>
+                </a:solidFill>
+              </a:defRPr>
+            </a:lvl3pPr>
+            <a:lvl4pPr>
+              <a:defRPr>
+                <a:solidFill>
+                  <a:schemeClr val="tx2"/>
+                </a:solidFill>
+              </a:defRPr>
+            </a:lvl4pPr>
+            <a:lvl5pPr>
+              <a:defRPr>
+                <a:solidFill>
+                  <a:schemeClr val="tx2"/>
+                </a:solidFill>
+              </a:defRPr>
+            </a:lvl5pPr>
+            <a:lvl6pPr>
+              <a:defRPr>
+                <a:solidFill>
+                  <a:schemeClr val="tx2"/>
+                </a:solidFill>
+              </a:defRPr>
+            </a:lvl6pPr>
+            <a:lvl7pPr>
+              <a:defRPr>
+                <a:solidFill>
+                  <a:schemeClr val="tx2"/>
+                </a:solidFill>
+              </a:defRPr>
+            </a:lvl7pPr>
+            <a:lvl8pPr>
+              <a:defRPr>
+                <a:solidFill>
+                  <a:schemeClr val="tx2"/>
+                </a:solidFill>
+              </a:defRPr>
+            </a:lvl8pPr>
+            <a:lvl9pPr>
+              <a:defRPr>
+                <a:solidFill>
+                  <a:schemeClr val="tx2"/>
+                </a:solidFill>
+              </a:defRPr>
+            </a:lvl9pPr>
+          </a:lstStyle>
+          <a:p>
+            <a:pPr lvl="0" algn="r"/>
+            <a:r>
+              <a:rPr lang="en-US" sz="8000" dirty="0">
+                <a:solidFill>
+                  <a:schemeClr val="tx1"/>
+                </a:solidFill>
+                <a:effectLst/>
+              </a:rPr>
+              <a:t>”</a:t>
+            </a:r>
+          </a:p>
+        </p:txBody>
+      </p:sp>
+    </p:spTree>
+    <p:extLst>
+      <p:ext uri="{BB962C8B-B14F-4D97-AF65-F5344CB8AC3E}">
+        <p14:creationId xmlns:p14="http://schemas.microsoft.com/office/powerpoint/2010/main" val="3435953964"/>
       </p:ext>
     </p:extLst>
   </p:cSld>
@@ -3719,6 +6834,1953 @@
     <p:extLst>
       <p:ext uri="{BB962C8B-B14F-4D97-AF65-F5344CB8AC3E}">
         <p14:creationId xmlns:p14="http://schemas.microsoft.com/office/powerpoint/2010/main" val="1818763061"/>
+      </p:ext>
+    </p:extLst>
+  </p:cSld>
+  <p:clrMapOvr>
+    <a:masterClrMapping/>
+  </p:clrMapOvr>
+</p:sldLayout>
+</file>
+
+<file path=ppt/slideLayouts/slideLayout30.xml><?xml version="1.0" encoding="utf-8"?>
+<p:sldLayout xmlns:a="http://schemas.openxmlformats.org/drawingml/2006/main" xmlns:r="http://schemas.openxmlformats.org/officeDocument/2006/relationships" xmlns:p="http://schemas.openxmlformats.org/presentationml/2006/main" showMasterSp="0" preserve="1">
+  <p:cSld name="Name Card">
+    <p:spTree>
+      <p:nvGrpSpPr>
+        <p:cNvPr id="1" name=""/>
+        <p:cNvGrpSpPr/>
+        <p:nvPr/>
+      </p:nvGrpSpPr>
+      <p:grpSpPr>
+        <a:xfrm>
+          <a:off x="0" y="0"/>
+          <a:ext cx="0" cy="0"/>
+          <a:chOff x="0" y="0"/>
+          <a:chExt cx="0" cy="0"/>
+        </a:xfrm>
+      </p:grpSpPr>
+      <p:sp>
+        <p:nvSpPr>
+          <p:cNvPr id="2" name="Title 1"/>
+          <p:cNvSpPr>
+            <a:spLocks noGrp="1"/>
+          </p:cNvSpPr>
+          <p:nvPr>
+            <p:ph type="title"/>
+          </p:nvPr>
+        </p:nvSpPr>
+        <p:spPr>
+          <a:xfrm>
+            <a:off x="913794" y="2126942"/>
+            <a:ext cx="10353763" cy="2511835"/>
+          </a:xfrm>
+        </p:spPr>
+        <p:txBody>
+          <a:bodyPr anchor="b"/>
+          <a:lstStyle>
+            <a:lvl1pPr>
+              <a:defRPr sz="3200"/>
+            </a:lvl1pPr>
+          </a:lstStyle>
+          <a:p>
+            <a:r>
+              <a:rPr lang="en-US"/>
+              <a:t>Click to edit Master title style</a:t>
+            </a:r>
+            <a:endParaRPr lang="en-US" dirty="0"/>
+          </a:p>
+        </p:txBody>
+      </p:sp>
+      <p:sp>
+        <p:nvSpPr>
+          <p:cNvPr id="4" name="Text Placeholder 3"/>
+          <p:cNvSpPr>
+            <a:spLocks noGrp="1"/>
+          </p:cNvSpPr>
+          <p:nvPr>
+            <p:ph type="body" sz="half" idx="2"/>
+          </p:nvPr>
+        </p:nvSpPr>
+        <p:spPr>
+          <a:xfrm>
+            <a:off x="913784" y="4650556"/>
+            <a:ext cx="10352199" cy="1140644"/>
+          </a:xfrm>
+        </p:spPr>
+        <p:txBody>
+          <a:bodyPr anchor="t"/>
+          <a:lstStyle>
+            <a:lvl1pPr marL="0" indent="0" algn="ctr">
+              <a:buNone/>
+              <a:defRPr sz="1600"/>
+            </a:lvl1pPr>
+            <a:lvl2pPr marL="457200" indent="0">
+              <a:buNone/>
+              <a:defRPr sz="1400"/>
+            </a:lvl2pPr>
+            <a:lvl3pPr marL="914400" indent="0">
+              <a:buNone/>
+              <a:defRPr sz="1200"/>
+            </a:lvl3pPr>
+            <a:lvl4pPr marL="1371600" indent="0">
+              <a:buNone/>
+              <a:defRPr sz="1000"/>
+            </a:lvl4pPr>
+            <a:lvl5pPr marL="1828800" indent="0">
+              <a:buNone/>
+              <a:defRPr sz="1000"/>
+            </a:lvl5pPr>
+            <a:lvl6pPr marL="2286000" indent="0">
+              <a:buNone/>
+              <a:defRPr sz="1000"/>
+            </a:lvl6pPr>
+            <a:lvl7pPr marL="2743200" indent="0">
+              <a:buNone/>
+              <a:defRPr sz="1000"/>
+            </a:lvl7pPr>
+            <a:lvl8pPr marL="3200400" indent="0">
+              <a:buNone/>
+              <a:defRPr sz="1000"/>
+            </a:lvl8pPr>
+            <a:lvl9pPr marL="3657600" indent="0">
+              <a:buNone/>
+              <a:defRPr sz="1000"/>
+            </a:lvl9pPr>
+          </a:lstStyle>
+          <a:p>
+            <a:pPr lvl="0"/>
+            <a:r>
+              <a:rPr lang="en-US"/>
+              <a:t>Click to edit Master text styles</a:t>
+            </a:r>
+          </a:p>
+        </p:txBody>
+      </p:sp>
+      <p:sp>
+        <p:nvSpPr>
+          <p:cNvPr id="5" name="Date Placeholder 4"/>
+          <p:cNvSpPr>
+            <a:spLocks noGrp="1"/>
+          </p:cNvSpPr>
+          <p:nvPr>
+            <p:ph type="dt" sz="half" idx="10"/>
+          </p:nvPr>
+        </p:nvSpPr>
+        <p:spPr/>
+        <p:txBody>
+          <a:bodyPr/>
+          <a:lstStyle/>
+          <a:p>
+            <a:fld id="{12435AB4-87E5-4569-B59F-FFDB84E70E67}" type="datetimeFigureOut">
+              <a:rPr lang="en-US" smtClean="0"/>
+              <a:t>4/17/2022</a:t>
+            </a:fld>
+            <a:endParaRPr lang="en-US"/>
+          </a:p>
+        </p:txBody>
+      </p:sp>
+      <p:sp>
+        <p:nvSpPr>
+          <p:cNvPr id="6" name="Footer Placeholder 5"/>
+          <p:cNvSpPr>
+            <a:spLocks noGrp="1"/>
+          </p:cNvSpPr>
+          <p:nvPr>
+            <p:ph type="ftr" sz="quarter" idx="11"/>
+          </p:nvPr>
+        </p:nvSpPr>
+        <p:spPr/>
+        <p:txBody>
+          <a:bodyPr/>
+          <a:lstStyle/>
+          <a:p>
+            <a:endParaRPr lang="en-US"/>
+          </a:p>
+        </p:txBody>
+      </p:sp>
+      <p:sp>
+        <p:nvSpPr>
+          <p:cNvPr id="7" name="Slide Number Placeholder 6"/>
+          <p:cNvSpPr>
+            <a:spLocks noGrp="1"/>
+          </p:cNvSpPr>
+          <p:nvPr>
+            <p:ph type="sldNum" sz="quarter" idx="12"/>
+          </p:nvPr>
+        </p:nvSpPr>
+        <p:spPr/>
+        <p:txBody>
+          <a:bodyPr/>
+          <a:lstStyle/>
+          <a:p>
+            <a:fld id="{522A4B67-F228-4320-BA3B-7A6ECE67417F}" type="slidenum">
+              <a:rPr lang="en-US" smtClean="0"/>
+              <a:t>‹#›</a:t>
+            </a:fld>
+            <a:endParaRPr lang="en-US"/>
+          </a:p>
+        </p:txBody>
+      </p:sp>
+    </p:spTree>
+    <p:extLst>
+      <p:ext uri="{BB962C8B-B14F-4D97-AF65-F5344CB8AC3E}">
+        <p14:creationId xmlns:p14="http://schemas.microsoft.com/office/powerpoint/2010/main" val="1396611163"/>
+      </p:ext>
+    </p:extLst>
+  </p:cSld>
+  <p:clrMapOvr>
+    <a:masterClrMapping/>
+  </p:clrMapOvr>
+</p:sldLayout>
+</file>
+
+<file path=ppt/slideLayouts/slideLayout31.xml><?xml version="1.0" encoding="utf-8"?>
+<p:sldLayout xmlns:a="http://schemas.openxmlformats.org/drawingml/2006/main" xmlns:r="http://schemas.openxmlformats.org/officeDocument/2006/relationships" xmlns:p="http://schemas.openxmlformats.org/presentationml/2006/main" showMasterSp="0" preserve="1">
+  <p:cSld name="3 Column">
+    <p:spTree>
+      <p:nvGrpSpPr>
+        <p:cNvPr id="1" name=""/>
+        <p:cNvGrpSpPr/>
+        <p:nvPr/>
+      </p:nvGrpSpPr>
+      <p:grpSpPr>
+        <a:xfrm>
+          <a:off x="0" y="0"/>
+          <a:ext cx="0" cy="0"/>
+          <a:chOff x="0" y="0"/>
+          <a:chExt cx="0" cy="0"/>
+        </a:xfrm>
+      </p:grpSpPr>
+      <p:sp>
+        <p:nvSpPr>
+          <p:cNvPr id="15" name="Title 1"/>
+          <p:cNvSpPr>
+            <a:spLocks noGrp="1"/>
+          </p:cNvSpPr>
+          <p:nvPr>
+            <p:ph type="title"/>
+          </p:nvPr>
+        </p:nvSpPr>
+        <p:spPr>
+          <a:xfrm>
+            <a:off x="913795" y="609600"/>
+            <a:ext cx="10353762" cy="970450"/>
+          </a:xfrm>
+        </p:spPr>
+        <p:txBody>
+          <a:bodyPr/>
+          <a:lstStyle/>
+          <a:p>
+            <a:r>
+              <a:rPr lang="en-US"/>
+              <a:t>Click to edit Master title style</a:t>
+            </a:r>
+            <a:endParaRPr lang="en-US" dirty="0"/>
+          </a:p>
+        </p:txBody>
+      </p:sp>
+      <p:sp>
+        <p:nvSpPr>
+          <p:cNvPr id="7" name="Text Placeholder 2"/>
+          <p:cNvSpPr>
+            <a:spLocks noGrp="1"/>
+          </p:cNvSpPr>
+          <p:nvPr>
+            <p:ph type="body" idx="1"/>
+          </p:nvPr>
+        </p:nvSpPr>
+        <p:spPr>
+          <a:xfrm>
+            <a:off x="913795" y="1885950"/>
+            <a:ext cx="3300984" cy="576262"/>
+          </a:xfrm>
+        </p:spPr>
+        <p:txBody>
+          <a:bodyPr anchor="b">
+            <a:noAutofit/>
+          </a:bodyPr>
+          <a:lstStyle>
+            <a:lvl1pPr marL="0" indent="0" algn="ctr">
+              <a:buNone/>
+              <a:defRPr sz="2400" b="0">
+                <a:solidFill>
+                  <a:schemeClr val="tx1"/>
+                </a:solidFill>
+              </a:defRPr>
+            </a:lvl1pPr>
+            <a:lvl2pPr marL="457200" indent="0">
+              <a:buNone/>
+              <a:defRPr sz="2000" b="1"/>
+            </a:lvl2pPr>
+            <a:lvl3pPr marL="914400" indent="0">
+              <a:buNone/>
+              <a:defRPr sz="1800" b="1"/>
+            </a:lvl3pPr>
+            <a:lvl4pPr marL="1371600" indent="0">
+              <a:buNone/>
+              <a:defRPr sz="1600" b="1"/>
+            </a:lvl4pPr>
+            <a:lvl5pPr marL="1828800" indent="0">
+              <a:buNone/>
+              <a:defRPr sz="1600" b="1"/>
+            </a:lvl5pPr>
+            <a:lvl6pPr marL="2286000" indent="0">
+              <a:buNone/>
+              <a:defRPr sz="1600" b="1"/>
+            </a:lvl6pPr>
+            <a:lvl7pPr marL="2743200" indent="0">
+              <a:buNone/>
+              <a:defRPr sz="1600" b="1"/>
+            </a:lvl7pPr>
+            <a:lvl8pPr marL="3200400" indent="0">
+              <a:buNone/>
+              <a:defRPr sz="1600" b="1"/>
+            </a:lvl8pPr>
+            <a:lvl9pPr marL="3657600" indent="0">
+              <a:buNone/>
+              <a:defRPr sz="1600" b="1"/>
+            </a:lvl9pPr>
+          </a:lstStyle>
+          <a:p>
+            <a:pPr lvl="0"/>
+            <a:r>
+              <a:rPr lang="en-US"/>
+              <a:t>Click to edit Master text styles</a:t>
+            </a:r>
+          </a:p>
+        </p:txBody>
+      </p:sp>
+      <p:sp>
+        <p:nvSpPr>
+          <p:cNvPr id="8" name="Text Placeholder 3"/>
+          <p:cNvSpPr>
+            <a:spLocks noGrp="1"/>
+          </p:cNvSpPr>
+          <p:nvPr>
+            <p:ph type="body" sz="half" idx="15"/>
+          </p:nvPr>
+        </p:nvSpPr>
+        <p:spPr>
+          <a:xfrm>
+            <a:off x="913795" y="2571750"/>
+            <a:ext cx="3300984" cy="3219450"/>
+          </a:xfrm>
+        </p:spPr>
+        <p:txBody>
+          <a:bodyPr anchor="t">
+            <a:normAutofit/>
+          </a:bodyPr>
+          <a:lstStyle>
+            <a:lvl1pPr marL="0" indent="0" algn="ctr">
+              <a:buNone/>
+              <a:defRPr sz="1400"/>
+            </a:lvl1pPr>
+            <a:lvl2pPr marL="457200" indent="0">
+              <a:buNone/>
+              <a:defRPr sz="1200"/>
+            </a:lvl2pPr>
+            <a:lvl3pPr marL="914400" indent="0">
+              <a:buNone/>
+              <a:defRPr sz="1000"/>
+            </a:lvl3pPr>
+            <a:lvl4pPr marL="1371600" indent="0">
+              <a:buNone/>
+              <a:defRPr sz="900"/>
+            </a:lvl4pPr>
+            <a:lvl5pPr marL="1828800" indent="0">
+              <a:buNone/>
+              <a:defRPr sz="900"/>
+            </a:lvl5pPr>
+            <a:lvl6pPr marL="2286000" indent="0">
+              <a:buNone/>
+              <a:defRPr sz="900"/>
+            </a:lvl6pPr>
+            <a:lvl7pPr marL="2743200" indent="0">
+              <a:buNone/>
+              <a:defRPr sz="900"/>
+            </a:lvl7pPr>
+            <a:lvl8pPr marL="3200400" indent="0">
+              <a:buNone/>
+              <a:defRPr sz="900"/>
+            </a:lvl8pPr>
+            <a:lvl9pPr marL="3657600" indent="0">
+              <a:buNone/>
+              <a:defRPr sz="900"/>
+            </a:lvl9pPr>
+          </a:lstStyle>
+          <a:p>
+            <a:pPr lvl="0"/>
+            <a:r>
+              <a:rPr lang="en-US"/>
+              <a:t>Click to edit Master text styles</a:t>
+            </a:r>
+          </a:p>
+        </p:txBody>
+      </p:sp>
+      <p:sp>
+        <p:nvSpPr>
+          <p:cNvPr id="9" name="Text Placeholder 4"/>
+          <p:cNvSpPr>
+            <a:spLocks noGrp="1"/>
+          </p:cNvSpPr>
+          <p:nvPr>
+            <p:ph type="body" sz="quarter" idx="3"/>
+          </p:nvPr>
+        </p:nvSpPr>
+        <p:spPr>
+          <a:xfrm>
+            <a:off x="4446711" y="1885950"/>
+            <a:ext cx="3300984" cy="576262"/>
+          </a:xfrm>
+        </p:spPr>
+        <p:txBody>
+          <a:bodyPr anchor="b">
+            <a:noAutofit/>
+          </a:bodyPr>
+          <a:lstStyle>
+            <a:lvl1pPr marL="0" indent="0" algn="ctr">
+              <a:buNone/>
+              <a:defRPr sz="2400" b="0">
+                <a:solidFill>
+                  <a:schemeClr val="tx1"/>
+                </a:solidFill>
+              </a:defRPr>
+            </a:lvl1pPr>
+            <a:lvl2pPr marL="457200" indent="0">
+              <a:buNone/>
+              <a:defRPr sz="2000" b="1"/>
+            </a:lvl2pPr>
+            <a:lvl3pPr marL="914400" indent="0">
+              <a:buNone/>
+              <a:defRPr sz="1800" b="1"/>
+            </a:lvl3pPr>
+            <a:lvl4pPr marL="1371600" indent="0">
+              <a:buNone/>
+              <a:defRPr sz="1600" b="1"/>
+            </a:lvl4pPr>
+            <a:lvl5pPr marL="1828800" indent="0">
+              <a:buNone/>
+              <a:defRPr sz="1600" b="1"/>
+            </a:lvl5pPr>
+            <a:lvl6pPr marL="2286000" indent="0">
+              <a:buNone/>
+              <a:defRPr sz="1600" b="1"/>
+            </a:lvl6pPr>
+            <a:lvl7pPr marL="2743200" indent="0">
+              <a:buNone/>
+              <a:defRPr sz="1600" b="1"/>
+            </a:lvl7pPr>
+            <a:lvl8pPr marL="3200400" indent="0">
+              <a:buNone/>
+              <a:defRPr sz="1600" b="1"/>
+            </a:lvl8pPr>
+            <a:lvl9pPr marL="3657600" indent="0">
+              <a:buNone/>
+              <a:defRPr sz="1600" b="1"/>
+            </a:lvl9pPr>
+          </a:lstStyle>
+          <a:p>
+            <a:pPr lvl="0"/>
+            <a:r>
+              <a:rPr lang="en-US"/>
+              <a:t>Click to edit Master text styles</a:t>
+            </a:r>
+          </a:p>
+        </p:txBody>
+      </p:sp>
+      <p:sp>
+        <p:nvSpPr>
+          <p:cNvPr id="10" name="Text Placeholder 3"/>
+          <p:cNvSpPr>
+            <a:spLocks noGrp="1"/>
+          </p:cNvSpPr>
+          <p:nvPr>
+            <p:ph type="body" sz="half" idx="16"/>
+          </p:nvPr>
+        </p:nvSpPr>
+        <p:spPr>
+          <a:xfrm>
+            <a:off x="4441435" y="2571750"/>
+            <a:ext cx="3300984" cy="3219450"/>
+          </a:xfrm>
+        </p:spPr>
+        <p:txBody>
+          <a:bodyPr anchor="t">
+            <a:normAutofit/>
+          </a:bodyPr>
+          <a:lstStyle>
+            <a:lvl1pPr marL="0" indent="0" algn="ctr">
+              <a:buNone/>
+              <a:defRPr sz="1400"/>
+            </a:lvl1pPr>
+            <a:lvl2pPr marL="457200" indent="0">
+              <a:buNone/>
+              <a:defRPr sz="1200"/>
+            </a:lvl2pPr>
+            <a:lvl3pPr marL="914400" indent="0">
+              <a:buNone/>
+              <a:defRPr sz="1000"/>
+            </a:lvl3pPr>
+            <a:lvl4pPr marL="1371600" indent="0">
+              <a:buNone/>
+              <a:defRPr sz="900"/>
+            </a:lvl4pPr>
+            <a:lvl5pPr marL="1828800" indent="0">
+              <a:buNone/>
+              <a:defRPr sz="900"/>
+            </a:lvl5pPr>
+            <a:lvl6pPr marL="2286000" indent="0">
+              <a:buNone/>
+              <a:defRPr sz="900"/>
+            </a:lvl6pPr>
+            <a:lvl7pPr marL="2743200" indent="0">
+              <a:buNone/>
+              <a:defRPr sz="900"/>
+            </a:lvl7pPr>
+            <a:lvl8pPr marL="3200400" indent="0">
+              <a:buNone/>
+              <a:defRPr sz="900"/>
+            </a:lvl8pPr>
+            <a:lvl9pPr marL="3657600" indent="0">
+              <a:buNone/>
+              <a:defRPr sz="900"/>
+            </a:lvl9pPr>
+          </a:lstStyle>
+          <a:p>
+            <a:pPr lvl="0"/>
+            <a:r>
+              <a:rPr lang="en-US"/>
+              <a:t>Click to edit Master text styles</a:t>
+            </a:r>
+          </a:p>
+        </p:txBody>
+      </p:sp>
+      <p:sp>
+        <p:nvSpPr>
+          <p:cNvPr id="11" name="Text Placeholder 4"/>
+          <p:cNvSpPr>
+            <a:spLocks noGrp="1"/>
+          </p:cNvSpPr>
+          <p:nvPr>
+            <p:ph type="body" sz="quarter" idx="13"/>
+          </p:nvPr>
+        </p:nvSpPr>
+        <p:spPr>
+          <a:xfrm>
+            <a:off x="7966572" y="1885950"/>
+            <a:ext cx="3300984" cy="576262"/>
+          </a:xfrm>
+        </p:spPr>
+        <p:txBody>
+          <a:bodyPr anchor="b">
+            <a:noAutofit/>
+          </a:bodyPr>
+          <a:lstStyle>
+            <a:lvl1pPr marL="0" indent="0" algn="ctr">
+              <a:buNone/>
+              <a:defRPr sz="2400" b="0">
+                <a:solidFill>
+                  <a:schemeClr val="tx1"/>
+                </a:solidFill>
+              </a:defRPr>
+            </a:lvl1pPr>
+            <a:lvl2pPr marL="457200" indent="0">
+              <a:buNone/>
+              <a:defRPr sz="2000" b="1"/>
+            </a:lvl2pPr>
+            <a:lvl3pPr marL="914400" indent="0">
+              <a:buNone/>
+              <a:defRPr sz="1800" b="1"/>
+            </a:lvl3pPr>
+            <a:lvl4pPr marL="1371600" indent="0">
+              <a:buNone/>
+              <a:defRPr sz="1600" b="1"/>
+            </a:lvl4pPr>
+            <a:lvl5pPr marL="1828800" indent="0">
+              <a:buNone/>
+              <a:defRPr sz="1600" b="1"/>
+            </a:lvl5pPr>
+            <a:lvl6pPr marL="2286000" indent="0">
+              <a:buNone/>
+              <a:defRPr sz="1600" b="1"/>
+            </a:lvl6pPr>
+            <a:lvl7pPr marL="2743200" indent="0">
+              <a:buNone/>
+              <a:defRPr sz="1600" b="1"/>
+            </a:lvl7pPr>
+            <a:lvl8pPr marL="3200400" indent="0">
+              <a:buNone/>
+              <a:defRPr sz="1600" b="1"/>
+            </a:lvl8pPr>
+            <a:lvl9pPr marL="3657600" indent="0">
+              <a:buNone/>
+              <a:defRPr sz="1600" b="1"/>
+            </a:lvl9pPr>
+          </a:lstStyle>
+          <a:p>
+            <a:pPr lvl="0"/>
+            <a:r>
+              <a:rPr lang="en-US"/>
+              <a:t>Click to edit Master text styles</a:t>
+            </a:r>
+          </a:p>
+        </p:txBody>
+      </p:sp>
+      <p:sp>
+        <p:nvSpPr>
+          <p:cNvPr id="12" name="Text Placeholder 3"/>
+          <p:cNvSpPr>
+            <a:spLocks noGrp="1"/>
+          </p:cNvSpPr>
+          <p:nvPr>
+            <p:ph type="body" sz="half" idx="17"/>
+          </p:nvPr>
+        </p:nvSpPr>
+        <p:spPr>
+          <a:xfrm>
+            <a:off x="7966572" y="2571750"/>
+            <a:ext cx="3300984" cy="3219450"/>
+          </a:xfrm>
+        </p:spPr>
+        <p:txBody>
+          <a:bodyPr anchor="t">
+            <a:normAutofit/>
+          </a:bodyPr>
+          <a:lstStyle>
+            <a:lvl1pPr marL="0" indent="0" algn="ctr">
+              <a:buNone/>
+              <a:defRPr sz="1400"/>
+            </a:lvl1pPr>
+            <a:lvl2pPr marL="457200" indent="0">
+              <a:buNone/>
+              <a:defRPr sz="1200"/>
+            </a:lvl2pPr>
+            <a:lvl3pPr marL="914400" indent="0">
+              <a:buNone/>
+              <a:defRPr sz="1000"/>
+            </a:lvl3pPr>
+            <a:lvl4pPr marL="1371600" indent="0">
+              <a:buNone/>
+              <a:defRPr sz="900"/>
+            </a:lvl4pPr>
+            <a:lvl5pPr marL="1828800" indent="0">
+              <a:buNone/>
+              <a:defRPr sz="900"/>
+            </a:lvl5pPr>
+            <a:lvl6pPr marL="2286000" indent="0">
+              <a:buNone/>
+              <a:defRPr sz="900"/>
+            </a:lvl6pPr>
+            <a:lvl7pPr marL="2743200" indent="0">
+              <a:buNone/>
+              <a:defRPr sz="900"/>
+            </a:lvl7pPr>
+            <a:lvl8pPr marL="3200400" indent="0">
+              <a:buNone/>
+              <a:defRPr sz="900"/>
+            </a:lvl8pPr>
+            <a:lvl9pPr marL="3657600" indent="0">
+              <a:buNone/>
+              <a:defRPr sz="900"/>
+            </a:lvl9pPr>
+          </a:lstStyle>
+          <a:p>
+            <a:pPr lvl="0"/>
+            <a:r>
+              <a:rPr lang="en-US"/>
+              <a:t>Click to edit Master text styles</a:t>
+            </a:r>
+          </a:p>
+        </p:txBody>
+      </p:sp>
+      <p:sp>
+        <p:nvSpPr>
+          <p:cNvPr id="3" name="Date Placeholder 2"/>
+          <p:cNvSpPr>
+            <a:spLocks noGrp="1"/>
+          </p:cNvSpPr>
+          <p:nvPr>
+            <p:ph type="dt" sz="half" idx="10"/>
+          </p:nvPr>
+        </p:nvSpPr>
+        <p:spPr/>
+        <p:txBody>
+          <a:bodyPr/>
+          <a:lstStyle/>
+          <a:p>
+            <a:fld id="{12435AB4-87E5-4569-B59F-FFDB84E70E67}" type="datetimeFigureOut">
+              <a:rPr lang="en-US" smtClean="0"/>
+              <a:t>4/17/2022</a:t>
+            </a:fld>
+            <a:endParaRPr lang="en-US"/>
+          </a:p>
+        </p:txBody>
+      </p:sp>
+      <p:sp>
+        <p:nvSpPr>
+          <p:cNvPr id="4" name="Footer Placeholder 3"/>
+          <p:cNvSpPr>
+            <a:spLocks noGrp="1"/>
+          </p:cNvSpPr>
+          <p:nvPr>
+            <p:ph type="ftr" sz="quarter" idx="11"/>
+          </p:nvPr>
+        </p:nvSpPr>
+        <p:spPr/>
+        <p:txBody>
+          <a:bodyPr/>
+          <a:lstStyle/>
+          <a:p>
+            <a:endParaRPr lang="en-US"/>
+          </a:p>
+        </p:txBody>
+      </p:sp>
+      <p:sp>
+        <p:nvSpPr>
+          <p:cNvPr id="5" name="Slide Number Placeholder 4"/>
+          <p:cNvSpPr>
+            <a:spLocks noGrp="1"/>
+          </p:cNvSpPr>
+          <p:nvPr>
+            <p:ph type="sldNum" sz="quarter" idx="12"/>
+          </p:nvPr>
+        </p:nvSpPr>
+        <p:spPr/>
+        <p:txBody>
+          <a:bodyPr/>
+          <a:lstStyle/>
+          <a:p>
+            <a:fld id="{522A4B67-F228-4320-BA3B-7A6ECE67417F}" type="slidenum">
+              <a:rPr lang="en-US" smtClean="0"/>
+              <a:t>‹#›</a:t>
+            </a:fld>
+            <a:endParaRPr lang="en-US"/>
+          </a:p>
+        </p:txBody>
+      </p:sp>
+    </p:spTree>
+    <p:extLst>
+      <p:ext uri="{BB962C8B-B14F-4D97-AF65-F5344CB8AC3E}">
+        <p14:creationId xmlns:p14="http://schemas.microsoft.com/office/powerpoint/2010/main" val="1944276963"/>
+      </p:ext>
+    </p:extLst>
+  </p:cSld>
+  <p:clrMapOvr>
+    <a:masterClrMapping/>
+  </p:clrMapOvr>
+</p:sldLayout>
+</file>
+
+<file path=ppt/slideLayouts/slideLayout32.xml><?xml version="1.0" encoding="utf-8"?>
+<p:sldLayout xmlns:a="http://schemas.openxmlformats.org/drawingml/2006/main" xmlns:r="http://schemas.openxmlformats.org/officeDocument/2006/relationships" xmlns:p="http://schemas.openxmlformats.org/presentationml/2006/main" showMasterSp="0" preserve="1">
+  <p:cSld name="3 Picture Column">
+    <p:spTree>
+      <p:nvGrpSpPr>
+        <p:cNvPr id="1" name=""/>
+        <p:cNvGrpSpPr/>
+        <p:nvPr/>
+      </p:nvGrpSpPr>
+      <p:grpSpPr>
+        <a:xfrm>
+          <a:off x="0" y="0"/>
+          <a:ext cx="0" cy="0"/>
+          <a:chOff x="0" y="0"/>
+          <a:chExt cx="0" cy="0"/>
+        </a:xfrm>
+      </p:grpSpPr>
+      <p:pic>
+        <p:nvPicPr>
+          <p:cNvPr id="2" name="Picture 1" descr="Slate-V2-HD-3colPhotoInset.png"/>
+          <p:cNvPicPr>
+            <a:picLocks noChangeAspect="1"/>
+          </p:cNvPicPr>
+          <p:nvPr/>
+        </p:nvPicPr>
+        <p:blipFill>
+          <a:blip r:embed="rId2">
+            <a:extLst>
+              <a:ext uri="{28A0092B-C50C-407E-A947-70E740481C1C}">
+                <a14:useLocalDpi xmlns:a14="http://schemas.microsoft.com/office/drawing/2010/main" val="0"/>
+              </a:ext>
+            </a:extLst>
+          </a:blip>
+          <a:stretch>
+            <a:fillRect/>
+          </a:stretch>
+        </p:blipFill>
+        <p:spPr>
+          <a:xfrm>
+            <a:off x="897962" y="1818214"/>
+            <a:ext cx="3339972" cy="1847851"/>
+          </a:xfrm>
+          <a:prstGeom prst="rect">
+            <a:avLst/>
+          </a:prstGeom>
+        </p:spPr>
+      </p:pic>
+      <p:pic>
+        <p:nvPicPr>
+          <p:cNvPr id="36" name="Picture 35" descr="Slate-V2-HD-3colPhotoInset.png"/>
+          <p:cNvPicPr>
+            <a:picLocks noChangeAspect="1"/>
+          </p:cNvPicPr>
+          <p:nvPr/>
+        </p:nvPicPr>
+        <p:blipFill>
+          <a:blip r:embed="rId2">
+            <a:extLst>
+              <a:ext uri="{28A0092B-C50C-407E-A947-70E740481C1C}">
+                <a14:useLocalDpi xmlns:a14="http://schemas.microsoft.com/office/drawing/2010/main" val="0"/>
+              </a:ext>
+            </a:extLst>
+          </a:blip>
+          <a:stretch>
+            <a:fillRect/>
+          </a:stretch>
+        </p:blipFill>
+        <p:spPr>
+          <a:xfrm>
+            <a:off x="4403800" y="1818214"/>
+            <a:ext cx="3339972" cy="1847851"/>
+          </a:xfrm>
+          <a:prstGeom prst="rect">
+            <a:avLst/>
+          </a:prstGeom>
+        </p:spPr>
+      </p:pic>
+      <p:pic>
+        <p:nvPicPr>
+          <p:cNvPr id="37" name="Picture 36" descr="Slate-V2-HD-3colPhotoInset.png"/>
+          <p:cNvPicPr>
+            <a:picLocks noChangeAspect="1"/>
+          </p:cNvPicPr>
+          <p:nvPr/>
+        </p:nvPicPr>
+        <p:blipFill>
+          <a:blip r:embed="rId2">
+            <a:extLst>
+              <a:ext uri="{28A0092B-C50C-407E-A947-70E740481C1C}">
+                <a14:useLocalDpi xmlns:a14="http://schemas.microsoft.com/office/drawing/2010/main" val="0"/>
+              </a:ext>
+            </a:extLst>
+          </a:blip>
+          <a:stretch>
+            <a:fillRect/>
+          </a:stretch>
+        </p:blipFill>
+        <p:spPr>
+          <a:xfrm>
+            <a:off x="7936051" y="1818214"/>
+            <a:ext cx="3339972" cy="1847851"/>
+          </a:xfrm>
+          <a:prstGeom prst="rect">
+            <a:avLst/>
+          </a:prstGeom>
+        </p:spPr>
+      </p:pic>
+      <p:sp>
+        <p:nvSpPr>
+          <p:cNvPr id="30" name="Title 1"/>
+          <p:cNvSpPr>
+            <a:spLocks noGrp="1"/>
+          </p:cNvSpPr>
+          <p:nvPr>
+            <p:ph type="title"/>
+          </p:nvPr>
+        </p:nvSpPr>
+        <p:spPr>
+          <a:xfrm>
+            <a:off x="913794" y="609600"/>
+            <a:ext cx="10353763" cy="970450"/>
+          </a:xfrm>
+        </p:spPr>
+        <p:txBody>
+          <a:bodyPr/>
+          <a:lstStyle/>
+          <a:p>
+            <a:r>
+              <a:rPr lang="en-US"/>
+              <a:t>Click to edit Master title style</a:t>
+            </a:r>
+            <a:endParaRPr lang="en-US" dirty="0"/>
+          </a:p>
+        </p:txBody>
+      </p:sp>
+      <p:sp>
+        <p:nvSpPr>
+          <p:cNvPr id="19" name="Text Placeholder 2"/>
+          <p:cNvSpPr>
+            <a:spLocks noGrp="1"/>
+          </p:cNvSpPr>
+          <p:nvPr>
+            <p:ph type="body" idx="1"/>
+          </p:nvPr>
+        </p:nvSpPr>
+        <p:spPr>
+          <a:xfrm>
+            <a:off x="913795" y="3904106"/>
+            <a:ext cx="3300984" cy="576262"/>
+          </a:xfrm>
+        </p:spPr>
+        <p:txBody>
+          <a:bodyPr anchor="b">
+            <a:noAutofit/>
+          </a:bodyPr>
+          <a:lstStyle>
+            <a:lvl1pPr marL="0" indent="0" algn="ctr">
+              <a:buNone/>
+              <a:defRPr sz="2000" b="0">
+                <a:solidFill>
+                  <a:schemeClr val="tx1"/>
+                </a:solidFill>
+              </a:defRPr>
+            </a:lvl1pPr>
+            <a:lvl2pPr marL="457200" indent="0">
+              <a:buNone/>
+              <a:defRPr sz="2000" b="1"/>
+            </a:lvl2pPr>
+            <a:lvl3pPr marL="914400" indent="0">
+              <a:buNone/>
+              <a:defRPr sz="1800" b="1"/>
+            </a:lvl3pPr>
+            <a:lvl4pPr marL="1371600" indent="0">
+              <a:buNone/>
+              <a:defRPr sz="1600" b="1"/>
+            </a:lvl4pPr>
+            <a:lvl5pPr marL="1828800" indent="0">
+              <a:buNone/>
+              <a:defRPr sz="1600" b="1"/>
+            </a:lvl5pPr>
+            <a:lvl6pPr marL="2286000" indent="0">
+              <a:buNone/>
+              <a:defRPr sz="1600" b="1"/>
+            </a:lvl6pPr>
+            <a:lvl7pPr marL="2743200" indent="0">
+              <a:buNone/>
+              <a:defRPr sz="1600" b="1"/>
+            </a:lvl7pPr>
+            <a:lvl8pPr marL="3200400" indent="0">
+              <a:buNone/>
+              <a:defRPr sz="1600" b="1"/>
+            </a:lvl8pPr>
+            <a:lvl9pPr marL="3657600" indent="0">
+              <a:buNone/>
+              <a:defRPr sz="1600" b="1"/>
+            </a:lvl9pPr>
+          </a:lstStyle>
+          <a:p>
+            <a:pPr lvl="0"/>
+            <a:r>
+              <a:rPr lang="en-US"/>
+              <a:t>Click to edit Master text styles</a:t>
+            </a:r>
+          </a:p>
+        </p:txBody>
+      </p:sp>
+      <p:sp>
+        <p:nvSpPr>
+          <p:cNvPr id="20" name="Picture Placeholder 2"/>
+          <p:cNvSpPr>
+            <a:spLocks noGrp="1" noChangeAspect="1"/>
+          </p:cNvSpPr>
+          <p:nvPr>
+            <p:ph type="pic" idx="15"/>
+          </p:nvPr>
+        </p:nvSpPr>
+        <p:spPr>
+          <a:xfrm>
+            <a:off x="1018102" y="1938918"/>
+            <a:ext cx="3092368" cy="1602954"/>
+          </a:xfrm>
+          <a:prstGeom prst="roundRect">
+            <a:avLst>
+              <a:gd name="adj" fmla="val 1858"/>
+            </a:avLst>
+          </a:prstGeom>
+          <a:effectLst>
+            <a:outerShdw blurRad="38100" dist="25400" dir="4440000">
+              <a:srgbClr val="000000">
+                <a:alpha val="36000"/>
+              </a:srgbClr>
+            </a:outerShdw>
+          </a:effectLst>
+        </p:spPr>
+        <p:txBody>
+          <a:bodyPr anchor="t">
+            <a:normAutofit/>
+          </a:bodyPr>
+          <a:lstStyle>
+            <a:lvl1pPr marL="0" indent="0" algn="ctr">
+              <a:buNone/>
+              <a:defRPr sz="1600"/>
+            </a:lvl1pPr>
+            <a:lvl2pPr marL="457200" indent="0">
+              <a:buNone/>
+              <a:defRPr sz="1600"/>
+            </a:lvl2pPr>
+            <a:lvl3pPr marL="914400" indent="0">
+              <a:buNone/>
+              <a:defRPr sz="1600"/>
+            </a:lvl3pPr>
+            <a:lvl4pPr marL="1371600" indent="0">
+              <a:buNone/>
+              <a:defRPr sz="1600"/>
+            </a:lvl4pPr>
+            <a:lvl5pPr marL="1828800" indent="0">
+              <a:buNone/>
+              <a:defRPr sz="1600"/>
+            </a:lvl5pPr>
+            <a:lvl6pPr marL="2286000" indent="0">
+              <a:buNone/>
+              <a:defRPr sz="1600"/>
+            </a:lvl6pPr>
+            <a:lvl7pPr marL="2743200" indent="0">
+              <a:buNone/>
+              <a:defRPr sz="1600"/>
+            </a:lvl7pPr>
+            <a:lvl8pPr marL="3200400" indent="0">
+              <a:buNone/>
+              <a:defRPr sz="1600"/>
+            </a:lvl8pPr>
+            <a:lvl9pPr marL="3657600" indent="0">
+              <a:buNone/>
+              <a:defRPr sz="1600"/>
+            </a:lvl9pPr>
+          </a:lstStyle>
+          <a:p>
+            <a:r>
+              <a:rPr lang="en-US"/>
+              <a:t>Click icon to add picture</a:t>
+            </a:r>
+            <a:endParaRPr lang="en-US" dirty="0"/>
+          </a:p>
+        </p:txBody>
+      </p:sp>
+      <p:sp>
+        <p:nvSpPr>
+          <p:cNvPr id="21" name="Text Placeholder 3"/>
+          <p:cNvSpPr>
+            <a:spLocks noGrp="1"/>
+          </p:cNvSpPr>
+          <p:nvPr>
+            <p:ph type="body" sz="half" idx="18"/>
+          </p:nvPr>
+        </p:nvSpPr>
+        <p:spPr>
+          <a:xfrm>
+            <a:off x="913795" y="4480368"/>
+            <a:ext cx="3300984" cy="1310833"/>
+          </a:xfrm>
+        </p:spPr>
+        <p:txBody>
+          <a:bodyPr anchor="t">
+            <a:normAutofit/>
+          </a:bodyPr>
+          <a:lstStyle>
+            <a:lvl1pPr marL="0" indent="0" algn="ctr">
+              <a:buNone/>
+              <a:defRPr sz="1400"/>
+            </a:lvl1pPr>
+            <a:lvl2pPr marL="457200" indent="0">
+              <a:buNone/>
+              <a:defRPr sz="1200"/>
+            </a:lvl2pPr>
+            <a:lvl3pPr marL="914400" indent="0">
+              <a:buNone/>
+              <a:defRPr sz="1000"/>
+            </a:lvl3pPr>
+            <a:lvl4pPr marL="1371600" indent="0">
+              <a:buNone/>
+              <a:defRPr sz="900"/>
+            </a:lvl4pPr>
+            <a:lvl5pPr marL="1828800" indent="0">
+              <a:buNone/>
+              <a:defRPr sz="900"/>
+            </a:lvl5pPr>
+            <a:lvl6pPr marL="2286000" indent="0">
+              <a:buNone/>
+              <a:defRPr sz="900"/>
+            </a:lvl6pPr>
+            <a:lvl7pPr marL="2743200" indent="0">
+              <a:buNone/>
+              <a:defRPr sz="900"/>
+            </a:lvl7pPr>
+            <a:lvl8pPr marL="3200400" indent="0">
+              <a:buNone/>
+              <a:defRPr sz="900"/>
+            </a:lvl8pPr>
+            <a:lvl9pPr marL="3657600" indent="0">
+              <a:buNone/>
+              <a:defRPr sz="900"/>
+            </a:lvl9pPr>
+          </a:lstStyle>
+          <a:p>
+            <a:pPr lvl="0"/>
+            <a:r>
+              <a:rPr lang="en-US"/>
+              <a:t>Click to edit Master text styles</a:t>
+            </a:r>
+          </a:p>
+        </p:txBody>
+      </p:sp>
+      <p:sp>
+        <p:nvSpPr>
+          <p:cNvPr id="22" name="Text Placeholder 4"/>
+          <p:cNvSpPr>
+            <a:spLocks noGrp="1"/>
+          </p:cNvSpPr>
+          <p:nvPr>
+            <p:ph type="body" sz="quarter" idx="3"/>
+          </p:nvPr>
+        </p:nvSpPr>
+        <p:spPr>
+          <a:xfrm>
+            <a:off x="4442788" y="3904106"/>
+            <a:ext cx="3300984" cy="576262"/>
+          </a:xfrm>
+        </p:spPr>
+        <p:txBody>
+          <a:bodyPr anchor="b">
+            <a:noAutofit/>
+          </a:bodyPr>
+          <a:lstStyle>
+            <a:lvl1pPr marL="0" indent="0" algn="ctr">
+              <a:buNone/>
+              <a:defRPr sz="2000" b="0">
+                <a:solidFill>
+                  <a:schemeClr val="tx1"/>
+                </a:solidFill>
+              </a:defRPr>
+            </a:lvl1pPr>
+            <a:lvl2pPr marL="457200" indent="0">
+              <a:buNone/>
+              <a:defRPr sz="2000" b="1"/>
+            </a:lvl2pPr>
+            <a:lvl3pPr marL="914400" indent="0">
+              <a:buNone/>
+              <a:defRPr sz="1800" b="1"/>
+            </a:lvl3pPr>
+            <a:lvl4pPr marL="1371600" indent="0">
+              <a:buNone/>
+              <a:defRPr sz="1600" b="1"/>
+            </a:lvl4pPr>
+            <a:lvl5pPr marL="1828800" indent="0">
+              <a:buNone/>
+              <a:defRPr sz="1600" b="1"/>
+            </a:lvl5pPr>
+            <a:lvl6pPr marL="2286000" indent="0">
+              <a:buNone/>
+              <a:defRPr sz="1600" b="1"/>
+            </a:lvl6pPr>
+            <a:lvl7pPr marL="2743200" indent="0">
+              <a:buNone/>
+              <a:defRPr sz="1600" b="1"/>
+            </a:lvl7pPr>
+            <a:lvl8pPr marL="3200400" indent="0">
+              <a:buNone/>
+              <a:defRPr sz="1600" b="1"/>
+            </a:lvl8pPr>
+            <a:lvl9pPr marL="3657600" indent="0">
+              <a:buNone/>
+              <a:defRPr sz="1600" b="1"/>
+            </a:lvl9pPr>
+          </a:lstStyle>
+          <a:p>
+            <a:pPr lvl="0"/>
+            <a:r>
+              <a:rPr lang="en-US"/>
+              <a:t>Click to edit Master text styles</a:t>
+            </a:r>
+          </a:p>
+        </p:txBody>
+      </p:sp>
+      <p:sp>
+        <p:nvSpPr>
+          <p:cNvPr id="23" name="Picture Placeholder 2"/>
+          <p:cNvSpPr>
+            <a:spLocks noGrp="1" noChangeAspect="1"/>
+          </p:cNvSpPr>
+          <p:nvPr>
+            <p:ph type="pic" idx="21"/>
+          </p:nvPr>
+        </p:nvSpPr>
+        <p:spPr>
+          <a:xfrm>
+            <a:off x="4545743" y="1939094"/>
+            <a:ext cx="3092368" cy="1608164"/>
+          </a:xfrm>
+          <a:prstGeom prst="roundRect">
+            <a:avLst>
+              <a:gd name="adj" fmla="val 1858"/>
+            </a:avLst>
+          </a:prstGeom>
+          <a:effectLst>
+            <a:outerShdw blurRad="38100" dist="25400" dir="4440000">
+              <a:srgbClr val="000000">
+                <a:alpha val="36000"/>
+              </a:srgbClr>
+            </a:outerShdw>
+          </a:effectLst>
+        </p:spPr>
+        <p:txBody>
+          <a:bodyPr anchor="t">
+            <a:normAutofit/>
+          </a:bodyPr>
+          <a:lstStyle>
+            <a:lvl1pPr marL="0" indent="0" algn="ctr">
+              <a:buNone/>
+              <a:defRPr sz="1600"/>
+            </a:lvl1pPr>
+            <a:lvl2pPr marL="457200" indent="0">
+              <a:buNone/>
+              <a:defRPr sz="1600"/>
+            </a:lvl2pPr>
+            <a:lvl3pPr marL="914400" indent="0">
+              <a:buNone/>
+              <a:defRPr sz="1600"/>
+            </a:lvl3pPr>
+            <a:lvl4pPr marL="1371600" indent="0">
+              <a:buNone/>
+              <a:defRPr sz="1600"/>
+            </a:lvl4pPr>
+            <a:lvl5pPr marL="1828800" indent="0">
+              <a:buNone/>
+              <a:defRPr sz="1600"/>
+            </a:lvl5pPr>
+            <a:lvl6pPr marL="2286000" indent="0">
+              <a:buNone/>
+              <a:defRPr sz="1600"/>
+            </a:lvl6pPr>
+            <a:lvl7pPr marL="2743200" indent="0">
+              <a:buNone/>
+              <a:defRPr sz="1600"/>
+            </a:lvl7pPr>
+            <a:lvl8pPr marL="3200400" indent="0">
+              <a:buNone/>
+              <a:defRPr sz="1600"/>
+            </a:lvl8pPr>
+            <a:lvl9pPr marL="3657600" indent="0">
+              <a:buNone/>
+              <a:defRPr sz="1600"/>
+            </a:lvl9pPr>
+          </a:lstStyle>
+          <a:p>
+            <a:r>
+              <a:rPr lang="en-US"/>
+              <a:t>Click icon to add picture</a:t>
+            </a:r>
+            <a:endParaRPr lang="en-US" dirty="0"/>
+          </a:p>
+        </p:txBody>
+      </p:sp>
+      <p:sp>
+        <p:nvSpPr>
+          <p:cNvPr id="24" name="Text Placeholder 3"/>
+          <p:cNvSpPr>
+            <a:spLocks noGrp="1"/>
+          </p:cNvSpPr>
+          <p:nvPr>
+            <p:ph type="body" sz="half" idx="19"/>
+          </p:nvPr>
+        </p:nvSpPr>
+        <p:spPr>
+          <a:xfrm>
+            <a:off x="4441435" y="4480367"/>
+            <a:ext cx="3300984" cy="1310833"/>
+          </a:xfrm>
+        </p:spPr>
+        <p:txBody>
+          <a:bodyPr anchor="t">
+            <a:normAutofit/>
+          </a:bodyPr>
+          <a:lstStyle>
+            <a:lvl1pPr marL="0" indent="0" algn="ctr">
+              <a:buNone/>
+              <a:defRPr sz="1400"/>
+            </a:lvl1pPr>
+            <a:lvl2pPr marL="457200" indent="0">
+              <a:buNone/>
+              <a:defRPr sz="1200"/>
+            </a:lvl2pPr>
+            <a:lvl3pPr marL="914400" indent="0">
+              <a:buNone/>
+              <a:defRPr sz="1000"/>
+            </a:lvl3pPr>
+            <a:lvl4pPr marL="1371600" indent="0">
+              <a:buNone/>
+              <a:defRPr sz="900"/>
+            </a:lvl4pPr>
+            <a:lvl5pPr marL="1828800" indent="0">
+              <a:buNone/>
+              <a:defRPr sz="900"/>
+            </a:lvl5pPr>
+            <a:lvl6pPr marL="2286000" indent="0">
+              <a:buNone/>
+              <a:defRPr sz="900"/>
+            </a:lvl6pPr>
+            <a:lvl7pPr marL="2743200" indent="0">
+              <a:buNone/>
+              <a:defRPr sz="900"/>
+            </a:lvl7pPr>
+            <a:lvl8pPr marL="3200400" indent="0">
+              <a:buNone/>
+              <a:defRPr sz="900"/>
+            </a:lvl8pPr>
+            <a:lvl9pPr marL="3657600" indent="0">
+              <a:buNone/>
+              <a:defRPr sz="900"/>
+            </a:lvl9pPr>
+          </a:lstStyle>
+          <a:p>
+            <a:pPr lvl="0"/>
+            <a:r>
+              <a:rPr lang="en-US"/>
+              <a:t>Click to edit Master text styles</a:t>
+            </a:r>
+          </a:p>
+        </p:txBody>
+      </p:sp>
+      <p:sp>
+        <p:nvSpPr>
+          <p:cNvPr id="25" name="Text Placeholder 4"/>
+          <p:cNvSpPr>
+            <a:spLocks noGrp="1"/>
+          </p:cNvSpPr>
+          <p:nvPr>
+            <p:ph type="body" sz="quarter" idx="13"/>
+          </p:nvPr>
+        </p:nvSpPr>
+        <p:spPr>
+          <a:xfrm>
+            <a:off x="7966697" y="3904106"/>
+            <a:ext cx="3300984" cy="576262"/>
+          </a:xfrm>
+        </p:spPr>
+        <p:txBody>
+          <a:bodyPr anchor="b">
+            <a:noAutofit/>
+          </a:bodyPr>
+          <a:lstStyle>
+            <a:lvl1pPr marL="0" indent="0" algn="ctr">
+              <a:buNone/>
+              <a:defRPr sz="2000" b="0">
+                <a:solidFill>
+                  <a:schemeClr val="tx1"/>
+                </a:solidFill>
+              </a:defRPr>
+            </a:lvl1pPr>
+            <a:lvl2pPr marL="457200" indent="0">
+              <a:buNone/>
+              <a:defRPr sz="2000" b="1"/>
+            </a:lvl2pPr>
+            <a:lvl3pPr marL="914400" indent="0">
+              <a:buNone/>
+              <a:defRPr sz="1800" b="1"/>
+            </a:lvl3pPr>
+            <a:lvl4pPr marL="1371600" indent="0">
+              <a:buNone/>
+              <a:defRPr sz="1600" b="1"/>
+            </a:lvl4pPr>
+            <a:lvl5pPr marL="1828800" indent="0">
+              <a:buNone/>
+              <a:defRPr sz="1600" b="1"/>
+            </a:lvl5pPr>
+            <a:lvl6pPr marL="2286000" indent="0">
+              <a:buNone/>
+              <a:defRPr sz="1600" b="1"/>
+            </a:lvl6pPr>
+            <a:lvl7pPr marL="2743200" indent="0">
+              <a:buNone/>
+              <a:defRPr sz="1600" b="1"/>
+            </a:lvl7pPr>
+            <a:lvl8pPr marL="3200400" indent="0">
+              <a:buNone/>
+              <a:defRPr sz="1600" b="1"/>
+            </a:lvl8pPr>
+            <a:lvl9pPr marL="3657600" indent="0">
+              <a:buNone/>
+              <a:defRPr sz="1600" b="1"/>
+            </a:lvl9pPr>
+          </a:lstStyle>
+          <a:p>
+            <a:pPr lvl="0"/>
+            <a:r>
+              <a:rPr lang="en-US"/>
+              <a:t>Click to edit Master text styles</a:t>
+            </a:r>
+          </a:p>
+        </p:txBody>
+      </p:sp>
+      <p:sp>
+        <p:nvSpPr>
+          <p:cNvPr id="26" name="Picture Placeholder 2"/>
+          <p:cNvSpPr>
+            <a:spLocks noGrp="1" noChangeAspect="1"/>
+          </p:cNvSpPr>
+          <p:nvPr>
+            <p:ph type="pic" idx="22"/>
+          </p:nvPr>
+        </p:nvSpPr>
+        <p:spPr>
+          <a:xfrm>
+            <a:off x="8075698" y="1934432"/>
+            <a:ext cx="3092368" cy="1607294"/>
+          </a:xfrm>
+          <a:prstGeom prst="roundRect">
+            <a:avLst>
+              <a:gd name="adj" fmla="val 1858"/>
+            </a:avLst>
+          </a:prstGeom>
+          <a:effectLst>
+            <a:outerShdw blurRad="38100" dist="25400" dir="4440000">
+              <a:srgbClr val="000000">
+                <a:alpha val="36000"/>
+              </a:srgbClr>
+            </a:outerShdw>
+          </a:effectLst>
+        </p:spPr>
+        <p:txBody>
+          <a:bodyPr anchor="t">
+            <a:normAutofit/>
+          </a:bodyPr>
+          <a:lstStyle>
+            <a:lvl1pPr marL="0" indent="0" algn="ctr">
+              <a:buNone/>
+              <a:defRPr sz="1600"/>
+            </a:lvl1pPr>
+            <a:lvl2pPr marL="457200" indent="0">
+              <a:buNone/>
+              <a:defRPr sz="1600"/>
+            </a:lvl2pPr>
+            <a:lvl3pPr marL="914400" indent="0">
+              <a:buNone/>
+              <a:defRPr sz="1600"/>
+            </a:lvl3pPr>
+            <a:lvl4pPr marL="1371600" indent="0">
+              <a:buNone/>
+              <a:defRPr sz="1600"/>
+            </a:lvl4pPr>
+            <a:lvl5pPr marL="1828800" indent="0">
+              <a:buNone/>
+              <a:defRPr sz="1600"/>
+            </a:lvl5pPr>
+            <a:lvl6pPr marL="2286000" indent="0">
+              <a:buNone/>
+              <a:defRPr sz="1600"/>
+            </a:lvl6pPr>
+            <a:lvl7pPr marL="2743200" indent="0">
+              <a:buNone/>
+              <a:defRPr sz="1600"/>
+            </a:lvl7pPr>
+            <a:lvl8pPr marL="3200400" indent="0">
+              <a:buNone/>
+              <a:defRPr sz="1600"/>
+            </a:lvl8pPr>
+            <a:lvl9pPr marL="3657600" indent="0">
+              <a:buNone/>
+              <a:defRPr sz="1600"/>
+            </a:lvl9pPr>
+          </a:lstStyle>
+          <a:p>
+            <a:r>
+              <a:rPr lang="en-US"/>
+              <a:t>Click icon to add picture</a:t>
+            </a:r>
+            <a:endParaRPr lang="en-US" dirty="0"/>
+          </a:p>
+        </p:txBody>
+      </p:sp>
+      <p:sp>
+        <p:nvSpPr>
+          <p:cNvPr id="27" name="Text Placeholder 3"/>
+          <p:cNvSpPr>
+            <a:spLocks noGrp="1"/>
+          </p:cNvSpPr>
+          <p:nvPr>
+            <p:ph type="body" sz="half" idx="20"/>
+          </p:nvPr>
+        </p:nvSpPr>
+        <p:spPr>
+          <a:xfrm>
+            <a:off x="7966572" y="4480365"/>
+            <a:ext cx="3300984" cy="1310835"/>
+          </a:xfrm>
+        </p:spPr>
+        <p:txBody>
+          <a:bodyPr anchor="t">
+            <a:normAutofit/>
+          </a:bodyPr>
+          <a:lstStyle>
+            <a:lvl1pPr marL="0" indent="0" algn="ctr">
+              <a:buNone/>
+              <a:defRPr sz="1400"/>
+            </a:lvl1pPr>
+            <a:lvl2pPr marL="457200" indent="0">
+              <a:buNone/>
+              <a:defRPr sz="1200"/>
+            </a:lvl2pPr>
+            <a:lvl3pPr marL="914400" indent="0">
+              <a:buNone/>
+              <a:defRPr sz="1000"/>
+            </a:lvl3pPr>
+            <a:lvl4pPr marL="1371600" indent="0">
+              <a:buNone/>
+              <a:defRPr sz="900"/>
+            </a:lvl4pPr>
+            <a:lvl5pPr marL="1828800" indent="0">
+              <a:buNone/>
+              <a:defRPr sz="900"/>
+            </a:lvl5pPr>
+            <a:lvl6pPr marL="2286000" indent="0">
+              <a:buNone/>
+              <a:defRPr sz="900"/>
+            </a:lvl6pPr>
+            <a:lvl7pPr marL="2743200" indent="0">
+              <a:buNone/>
+              <a:defRPr sz="900"/>
+            </a:lvl7pPr>
+            <a:lvl8pPr marL="3200400" indent="0">
+              <a:buNone/>
+              <a:defRPr sz="900"/>
+            </a:lvl8pPr>
+            <a:lvl9pPr marL="3657600" indent="0">
+              <a:buNone/>
+              <a:defRPr sz="900"/>
+            </a:lvl9pPr>
+          </a:lstStyle>
+          <a:p>
+            <a:pPr lvl="0"/>
+            <a:r>
+              <a:rPr lang="en-US"/>
+              <a:t>Click to edit Master text styles</a:t>
+            </a:r>
+          </a:p>
+        </p:txBody>
+      </p:sp>
+      <p:sp>
+        <p:nvSpPr>
+          <p:cNvPr id="3" name="Date Placeholder 2"/>
+          <p:cNvSpPr>
+            <a:spLocks noGrp="1"/>
+          </p:cNvSpPr>
+          <p:nvPr>
+            <p:ph type="dt" sz="half" idx="10"/>
+          </p:nvPr>
+        </p:nvSpPr>
+        <p:spPr/>
+        <p:txBody>
+          <a:bodyPr/>
+          <a:lstStyle/>
+          <a:p>
+            <a:fld id="{12435AB4-87E5-4569-B59F-FFDB84E70E67}" type="datetimeFigureOut">
+              <a:rPr lang="en-US" smtClean="0"/>
+              <a:t>4/17/2022</a:t>
+            </a:fld>
+            <a:endParaRPr lang="en-US"/>
+          </a:p>
+        </p:txBody>
+      </p:sp>
+      <p:sp>
+        <p:nvSpPr>
+          <p:cNvPr id="4" name="Footer Placeholder 3"/>
+          <p:cNvSpPr>
+            <a:spLocks noGrp="1"/>
+          </p:cNvSpPr>
+          <p:nvPr>
+            <p:ph type="ftr" sz="quarter" idx="11"/>
+          </p:nvPr>
+        </p:nvSpPr>
+        <p:spPr/>
+        <p:txBody>
+          <a:bodyPr/>
+          <a:lstStyle/>
+          <a:p>
+            <a:endParaRPr lang="en-US"/>
+          </a:p>
+        </p:txBody>
+      </p:sp>
+      <p:sp>
+        <p:nvSpPr>
+          <p:cNvPr id="5" name="Slide Number Placeholder 4"/>
+          <p:cNvSpPr>
+            <a:spLocks noGrp="1"/>
+          </p:cNvSpPr>
+          <p:nvPr>
+            <p:ph type="sldNum" sz="quarter" idx="12"/>
+          </p:nvPr>
+        </p:nvSpPr>
+        <p:spPr/>
+        <p:txBody>
+          <a:bodyPr/>
+          <a:lstStyle/>
+          <a:p>
+            <a:fld id="{522A4B67-F228-4320-BA3B-7A6ECE67417F}" type="slidenum">
+              <a:rPr lang="en-US" smtClean="0"/>
+              <a:t>‹#›</a:t>
+            </a:fld>
+            <a:endParaRPr lang="en-US"/>
+          </a:p>
+        </p:txBody>
+      </p:sp>
+    </p:spTree>
+    <p:extLst>
+      <p:ext uri="{BB962C8B-B14F-4D97-AF65-F5344CB8AC3E}">
+        <p14:creationId xmlns:p14="http://schemas.microsoft.com/office/powerpoint/2010/main" val="1265378028"/>
+      </p:ext>
+    </p:extLst>
+  </p:cSld>
+  <p:clrMapOvr>
+    <a:masterClrMapping/>
+  </p:clrMapOvr>
+</p:sldLayout>
+</file>
+
+<file path=ppt/slideLayouts/slideLayout33.xml><?xml version="1.0" encoding="utf-8"?>
+<p:sldLayout xmlns:a="http://schemas.openxmlformats.org/drawingml/2006/main" xmlns:r="http://schemas.openxmlformats.org/officeDocument/2006/relationships" xmlns:p="http://schemas.openxmlformats.org/presentationml/2006/main" showMasterSp="0" type="vertTx" preserve="1">
+  <p:cSld name="Title and Vertical Text">
+    <p:spTree>
+      <p:nvGrpSpPr>
+        <p:cNvPr id="1" name=""/>
+        <p:cNvGrpSpPr/>
+        <p:nvPr/>
+      </p:nvGrpSpPr>
+      <p:grpSpPr>
+        <a:xfrm>
+          <a:off x="0" y="0"/>
+          <a:ext cx="0" cy="0"/>
+          <a:chOff x="0" y="0"/>
+          <a:chExt cx="0" cy="0"/>
+        </a:xfrm>
+      </p:grpSpPr>
+      <p:sp>
+        <p:nvSpPr>
+          <p:cNvPr id="2" name="Title 1"/>
+          <p:cNvSpPr>
+            <a:spLocks noGrp="1"/>
+          </p:cNvSpPr>
+          <p:nvPr>
+            <p:ph type="title"/>
+          </p:nvPr>
+        </p:nvSpPr>
+        <p:spPr/>
+        <p:txBody>
+          <a:bodyPr/>
+          <a:lstStyle/>
+          <a:p>
+            <a:r>
+              <a:rPr lang="en-US"/>
+              <a:t>Click to edit Master title style</a:t>
+            </a:r>
+            <a:endParaRPr lang="en-US" dirty="0"/>
+          </a:p>
+        </p:txBody>
+      </p:sp>
+      <p:sp>
+        <p:nvSpPr>
+          <p:cNvPr id="3" name="Vertical Text Placeholder 2"/>
+          <p:cNvSpPr>
+            <a:spLocks noGrp="1"/>
+          </p:cNvSpPr>
+          <p:nvPr>
+            <p:ph type="body" orient="vert" idx="1"/>
+          </p:nvPr>
+        </p:nvSpPr>
+        <p:spPr/>
+        <p:txBody>
+          <a:bodyPr vert="eaVert" anchor="t"/>
+          <a:lstStyle/>
+          <a:p>
+            <a:pPr lvl="0"/>
+            <a:r>
+              <a:rPr lang="en-US"/>
+              <a:t>Click to edit Master text styles</a:t>
+            </a:r>
+          </a:p>
+          <a:p>
+            <a:pPr lvl="1"/>
+            <a:r>
+              <a:rPr lang="en-US"/>
+              <a:t>Second level</a:t>
+            </a:r>
+          </a:p>
+          <a:p>
+            <a:pPr lvl="2"/>
+            <a:r>
+              <a:rPr lang="en-US"/>
+              <a:t>Third level</a:t>
+            </a:r>
+          </a:p>
+          <a:p>
+            <a:pPr lvl="3"/>
+            <a:r>
+              <a:rPr lang="en-US"/>
+              <a:t>Fourth level</a:t>
+            </a:r>
+          </a:p>
+          <a:p>
+            <a:pPr lvl="4"/>
+            <a:r>
+              <a:rPr lang="en-US"/>
+              <a:t>Fifth level</a:t>
+            </a:r>
+            <a:endParaRPr lang="en-US" dirty="0"/>
+          </a:p>
+        </p:txBody>
+      </p:sp>
+      <p:sp>
+        <p:nvSpPr>
+          <p:cNvPr id="4" name="Date Placeholder 3"/>
+          <p:cNvSpPr>
+            <a:spLocks noGrp="1"/>
+          </p:cNvSpPr>
+          <p:nvPr>
+            <p:ph type="dt" sz="half" idx="10"/>
+          </p:nvPr>
+        </p:nvSpPr>
+        <p:spPr/>
+        <p:txBody>
+          <a:bodyPr/>
+          <a:lstStyle/>
+          <a:p>
+            <a:fld id="{12435AB4-87E5-4569-B59F-FFDB84E70E67}" type="datetimeFigureOut">
+              <a:rPr lang="en-US" smtClean="0"/>
+              <a:t>4/17/2022</a:t>
+            </a:fld>
+            <a:endParaRPr lang="en-US"/>
+          </a:p>
+        </p:txBody>
+      </p:sp>
+      <p:sp>
+        <p:nvSpPr>
+          <p:cNvPr id="5" name="Footer Placeholder 4"/>
+          <p:cNvSpPr>
+            <a:spLocks noGrp="1"/>
+          </p:cNvSpPr>
+          <p:nvPr>
+            <p:ph type="ftr" sz="quarter" idx="11"/>
+          </p:nvPr>
+        </p:nvSpPr>
+        <p:spPr/>
+        <p:txBody>
+          <a:bodyPr/>
+          <a:lstStyle/>
+          <a:p>
+            <a:endParaRPr lang="en-US"/>
+          </a:p>
+        </p:txBody>
+      </p:sp>
+      <p:sp>
+        <p:nvSpPr>
+          <p:cNvPr id="6" name="Slide Number Placeholder 5"/>
+          <p:cNvSpPr>
+            <a:spLocks noGrp="1"/>
+          </p:cNvSpPr>
+          <p:nvPr>
+            <p:ph type="sldNum" sz="quarter" idx="12"/>
+          </p:nvPr>
+        </p:nvSpPr>
+        <p:spPr/>
+        <p:txBody>
+          <a:bodyPr/>
+          <a:lstStyle/>
+          <a:p>
+            <a:fld id="{522A4B67-F228-4320-BA3B-7A6ECE67417F}" type="slidenum">
+              <a:rPr lang="en-US" smtClean="0"/>
+              <a:t>‹#›</a:t>
+            </a:fld>
+            <a:endParaRPr lang="en-US"/>
+          </a:p>
+        </p:txBody>
+      </p:sp>
+    </p:spTree>
+    <p:extLst>
+      <p:ext uri="{BB962C8B-B14F-4D97-AF65-F5344CB8AC3E}">
+        <p14:creationId xmlns:p14="http://schemas.microsoft.com/office/powerpoint/2010/main" val="3751490964"/>
+      </p:ext>
+    </p:extLst>
+  </p:cSld>
+  <p:clrMapOvr>
+    <a:masterClrMapping/>
+  </p:clrMapOvr>
+</p:sldLayout>
+</file>
+
+<file path=ppt/slideLayouts/slideLayout34.xml><?xml version="1.0" encoding="utf-8"?>
+<p:sldLayout xmlns:a="http://schemas.openxmlformats.org/drawingml/2006/main" xmlns:r="http://schemas.openxmlformats.org/officeDocument/2006/relationships" xmlns:p="http://schemas.openxmlformats.org/presentationml/2006/main" showMasterSp="0" type="vertTitleAndTx" preserve="1">
+  <p:cSld name="Vertical Title and Text">
+    <p:spTree>
+      <p:nvGrpSpPr>
+        <p:cNvPr id="1" name=""/>
+        <p:cNvGrpSpPr/>
+        <p:nvPr/>
+      </p:nvGrpSpPr>
+      <p:grpSpPr>
+        <a:xfrm>
+          <a:off x="0" y="0"/>
+          <a:ext cx="0" cy="0"/>
+          <a:chOff x="0" y="0"/>
+          <a:chExt cx="0" cy="0"/>
+        </a:xfrm>
+      </p:grpSpPr>
+      <p:sp>
+        <p:nvSpPr>
+          <p:cNvPr id="2" name="Vertical Title 1"/>
+          <p:cNvSpPr>
+            <a:spLocks noGrp="1"/>
+          </p:cNvSpPr>
+          <p:nvPr>
+            <p:ph type="title" orient="vert"/>
+          </p:nvPr>
+        </p:nvSpPr>
+        <p:spPr>
+          <a:xfrm>
+            <a:off x="8983068" y="609599"/>
+            <a:ext cx="2284487" cy="5181601"/>
+          </a:xfrm>
+        </p:spPr>
+        <p:txBody>
+          <a:bodyPr vert="eaVert"/>
+          <a:lstStyle>
+            <a:lvl1pPr algn="l">
+              <a:defRPr/>
+            </a:lvl1pPr>
+          </a:lstStyle>
+          <a:p>
+            <a:r>
+              <a:rPr lang="en-US"/>
+              <a:t>Click to edit Master title style</a:t>
+            </a:r>
+            <a:endParaRPr lang="en-US" dirty="0"/>
+          </a:p>
+        </p:txBody>
+      </p:sp>
+      <p:sp>
+        <p:nvSpPr>
+          <p:cNvPr id="3" name="Vertical Text Placeholder 2"/>
+          <p:cNvSpPr>
+            <a:spLocks noGrp="1"/>
+          </p:cNvSpPr>
+          <p:nvPr>
+            <p:ph type="body" orient="vert" idx="1"/>
+          </p:nvPr>
+        </p:nvSpPr>
+        <p:spPr>
+          <a:xfrm>
+            <a:off x="913796" y="609599"/>
+            <a:ext cx="7916872" cy="5181601"/>
+          </a:xfrm>
+        </p:spPr>
+        <p:txBody>
+          <a:bodyPr vert="eaVert" anchor="t"/>
+          <a:lstStyle/>
+          <a:p>
+            <a:pPr lvl="0"/>
+            <a:r>
+              <a:rPr lang="en-US"/>
+              <a:t>Click to edit Master text styles</a:t>
+            </a:r>
+          </a:p>
+          <a:p>
+            <a:pPr lvl="1"/>
+            <a:r>
+              <a:rPr lang="en-US"/>
+              <a:t>Second level</a:t>
+            </a:r>
+          </a:p>
+          <a:p>
+            <a:pPr lvl="2"/>
+            <a:r>
+              <a:rPr lang="en-US"/>
+              <a:t>Third level</a:t>
+            </a:r>
+          </a:p>
+          <a:p>
+            <a:pPr lvl="3"/>
+            <a:r>
+              <a:rPr lang="en-US"/>
+              <a:t>Fourth level</a:t>
+            </a:r>
+          </a:p>
+          <a:p>
+            <a:pPr lvl="4"/>
+            <a:r>
+              <a:rPr lang="en-US"/>
+              <a:t>Fifth level</a:t>
+            </a:r>
+            <a:endParaRPr lang="en-US" dirty="0"/>
+          </a:p>
+        </p:txBody>
+      </p:sp>
+      <p:sp>
+        <p:nvSpPr>
+          <p:cNvPr id="4" name="Date Placeholder 3"/>
+          <p:cNvSpPr>
+            <a:spLocks noGrp="1"/>
+          </p:cNvSpPr>
+          <p:nvPr>
+            <p:ph type="dt" sz="half" idx="10"/>
+          </p:nvPr>
+        </p:nvSpPr>
+        <p:spPr/>
+        <p:txBody>
+          <a:bodyPr/>
+          <a:lstStyle/>
+          <a:p>
+            <a:fld id="{12435AB4-87E5-4569-B59F-FFDB84E70E67}" type="datetimeFigureOut">
+              <a:rPr lang="en-US" smtClean="0"/>
+              <a:t>4/17/2022</a:t>
+            </a:fld>
+            <a:endParaRPr lang="en-US"/>
+          </a:p>
+        </p:txBody>
+      </p:sp>
+      <p:sp>
+        <p:nvSpPr>
+          <p:cNvPr id="5" name="Footer Placeholder 4"/>
+          <p:cNvSpPr>
+            <a:spLocks noGrp="1"/>
+          </p:cNvSpPr>
+          <p:nvPr>
+            <p:ph type="ftr" sz="quarter" idx="11"/>
+          </p:nvPr>
+        </p:nvSpPr>
+        <p:spPr/>
+        <p:txBody>
+          <a:bodyPr/>
+          <a:lstStyle/>
+          <a:p>
+            <a:endParaRPr lang="en-US"/>
+          </a:p>
+        </p:txBody>
+      </p:sp>
+      <p:sp>
+        <p:nvSpPr>
+          <p:cNvPr id="6" name="Slide Number Placeholder 5"/>
+          <p:cNvSpPr>
+            <a:spLocks noGrp="1"/>
+          </p:cNvSpPr>
+          <p:nvPr>
+            <p:ph type="sldNum" sz="quarter" idx="12"/>
+          </p:nvPr>
+        </p:nvSpPr>
+        <p:spPr/>
+        <p:txBody>
+          <a:bodyPr/>
+          <a:lstStyle/>
+          <a:p>
+            <a:fld id="{522A4B67-F228-4320-BA3B-7A6ECE67417F}" type="slidenum">
+              <a:rPr lang="en-US" smtClean="0"/>
+              <a:t>‹#›</a:t>
+            </a:fld>
+            <a:endParaRPr lang="en-US"/>
+          </a:p>
+        </p:txBody>
+      </p:sp>
+    </p:spTree>
+    <p:extLst>
+      <p:ext uri="{BB962C8B-B14F-4D97-AF65-F5344CB8AC3E}">
+        <p14:creationId xmlns:p14="http://schemas.microsoft.com/office/powerpoint/2010/main" val="1502618576"/>
       </p:ext>
     </p:extLst>
   </p:cSld>
@@ -6028,6 +11090,853 @@
 </p:sldMaster>
 </file>
 
+<file path=ppt/slideMasters/slideMaster2.xml><?xml version="1.0" encoding="utf-8"?>
+<p:sldMaster xmlns:a="http://schemas.openxmlformats.org/drawingml/2006/main" xmlns:r="http://schemas.openxmlformats.org/officeDocument/2006/relationships" xmlns:p="http://schemas.openxmlformats.org/presentationml/2006/main">
+  <p:cSld>
+    <p:bg>
+      <p:bgPr>
+        <a:blipFill dpi="0" rotWithShape="1">
+          <a:blip r:embed="rId19">
+            <a:duotone>
+              <a:schemeClr val="bg2">
+                <a:shade val="80000"/>
+                <a:lumMod val="80000"/>
+              </a:schemeClr>
+              <a:schemeClr val="bg2">
+                <a:tint val="98000"/>
+              </a:schemeClr>
+            </a:duotone>
+          </a:blip>
+          <a:srcRect/>
+          <a:stretch>
+            <a:fillRect/>
+          </a:stretch>
+        </a:blipFill>
+        <a:effectLst/>
+      </p:bgPr>
+    </p:bg>
+    <p:spTree>
+      <p:nvGrpSpPr>
+        <p:cNvPr id="1" name=""/>
+        <p:cNvGrpSpPr/>
+        <p:nvPr/>
+      </p:nvGrpSpPr>
+      <p:grpSpPr>
+        <a:xfrm>
+          <a:off x="0" y="0"/>
+          <a:ext cx="0" cy="0"/>
+          <a:chOff x="0" y="0"/>
+          <a:chExt cx="0" cy="0"/>
+        </a:xfrm>
+      </p:grpSpPr>
+      <p:sp>
+        <p:nvSpPr>
+          <p:cNvPr id="2" name="Title Placeholder 1"/>
+          <p:cNvSpPr>
+            <a:spLocks noGrp="1"/>
+          </p:cNvSpPr>
+          <p:nvPr>
+            <p:ph type="title"/>
+          </p:nvPr>
+        </p:nvSpPr>
+        <p:spPr>
+          <a:xfrm>
+            <a:off x="913795" y="609600"/>
+            <a:ext cx="10353762" cy="970450"/>
+          </a:xfrm>
+          <a:prstGeom prst="rect">
+            <a:avLst/>
+          </a:prstGeom>
+          <a:effectLst>
+            <a:outerShdw blurRad="25400" dir="17880000">
+              <a:srgbClr val="000000">
+                <a:alpha val="46000"/>
+              </a:srgbClr>
+            </a:outerShdw>
+          </a:effectLst>
+        </p:spPr>
+        <p:txBody>
+          <a:bodyPr vert="horz" lIns="91440" tIns="45720" rIns="91440" bIns="45720" rtlCol="0" anchor="ctr">
+            <a:normAutofit/>
+          </a:bodyPr>
+          <a:lstStyle/>
+          <a:p>
+            <a:r>
+              <a:rPr lang="en-US"/>
+              <a:t>Click to edit Master title style</a:t>
+            </a:r>
+            <a:endParaRPr lang="en-US" dirty="0"/>
+          </a:p>
+        </p:txBody>
+      </p:sp>
+      <p:sp>
+        <p:nvSpPr>
+          <p:cNvPr id="3" name="Text Placeholder 2"/>
+          <p:cNvSpPr>
+            <a:spLocks noGrp="1"/>
+          </p:cNvSpPr>
+          <p:nvPr>
+            <p:ph type="body" idx="1"/>
+          </p:nvPr>
+        </p:nvSpPr>
+        <p:spPr>
+          <a:xfrm>
+            <a:off x="913795" y="1732449"/>
+            <a:ext cx="10353762" cy="4058751"/>
+          </a:xfrm>
+          <a:prstGeom prst="rect">
+            <a:avLst/>
+          </a:prstGeom>
+          <a:effectLst>
+            <a:outerShdw blurRad="25400" dir="17880000">
+              <a:srgbClr val="000000">
+                <a:alpha val="46000"/>
+              </a:srgbClr>
+            </a:outerShdw>
+          </a:effectLst>
+        </p:spPr>
+        <p:txBody>
+          <a:bodyPr vert="horz" lIns="91440" tIns="45720" rIns="91440" bIns="45720" rtlCol="0" anchor="t">
+            <a:normAutofit/>
+          </a:bodyPr>
+          <a:lstStyle/>
+          <a:p>
+            <a:pPr lvl="0"/>
+            <a:r>
+              <a:rPr lang="en-US"/>
+              <a:t>Click to edit Master text styles</a:t>
+            </a:r>
+          </a:p>
+          <a:p>
+            <a:pPr lvl="1"/>
+            <a:r>
+              <a:rPr lang="en-US"/>
+              <a:t>Second level</a:t>
+            </a:r>
+          </a:p>
+          <a:p>
+            <a:pPr lvl="2"/>
+            <a:r>
+              <a:rPr lang="en-US"/>
+              <a:t>Third level</a:t>
+            </a:r>
+          </a:p>
+          <a:p>
+            <a:pPr lvl="3"/>
+            <a:r>
+              <a:rPr lang="en-US"/>
+              <a:t>Fourth level</a:t>
+            </a:r>
+          </a:p>
+          <a:p>
+            <a:pPr lvl="4"/>
+            <a:r>
+              <a:rPr lang="en-US"/>
+              <a:t>Fifth level</a:t>
+            </a:r>
+            <a:endParaRPr lang="en-US" dirty="0"/>
+          </a:p>
+        </p:txBody>
+      </p:sp>
+      <p:sp>
+        <p:nvSpPr>
+          <p:cNvPr id="4" name="Date Placeholder 3"/>
+          <p:cNvSpPr>
+            <a:spLocks noGrp="1"/>
+          </p:cNvSpPr>
+          <p:nvPr>
+            <p:ph type="dt" sz="half" idx="2"/>
+          </p:nvPr>
+        </p:nvSpPr>
+        <p:spPr>
+          <a:xfrm>
+            <a:off x="7678736" y="5883275"/>
+            <a:ext cx="2743200" cy="365125"/>
+          </a:xfrm>
+          <a:prstGeom prst="rect">
+            <a:avLst/>
+          </a:prstGeom>
+        </p:spPr>
+        <p:txBody>
+          <a:bodyPr vert="horz" lIns="91440" tIns="45720" rIns="91440" bIns="45720" rtlCol="0" anchor="ctr"/>
+          <a:lstStyle>
+            <a:lvl1pPr algn="r">
+              <a:defRPr sz="1000">
+                <a:solidFill>
+                  <a:schemeClr val="tx1">
+                    <a:lumMod val="95000"/>
+                  </a:schemeClr>
+                </a:solidFill>
+                <a:effectLst>
+                  <a:outerShdw blurRad="50800" dist="38100" dir="2700000" algn="tl" rotWithShape="0">
+                    <a:schemeClr val="bg1">
+                      <a:alpha val="43000"/>
+                    </a:schemeClr>
+                  </a:outerShdw>
+                </a:effectLst>
+              </a:defRPr>
+            </a:lvl1pPr>
+          </a:lstStyle>
+          <a:p>
+            <a:fld id="{12435AB4-87E5-4569-B59F-FFDB84E70E67}" type="datetimeFigureOut">
+              <a:rPr lang="en-US" smtClean="0"/>
+              <a:t>4/17/2022</a:t>
+            </a:fld>
+            <a:endParaRPr lang="en-US"/>
+          </a:p>
+        </p:txBody>
+      </p:sp>
+      <p:sp>
+        <p:nvSpPr>
+          <p:cNvPr id="5" name="Footer Placeholder 4"/>
+          <p:cNvSpPr>
+            <a:spLocks noGrp="1"/>
+          </p:cNvSpPr>
+          <p:nvPr>
+            <p:ph type="ftr" sz="quarter" idx="3"/>
+          </p:nvPr>
+        </p:nvSpPr>
+        <p:spPr>
+          <a:xfrm>
+            <a:off x="913795" y="5883275"/>
+            <a:ext cx="6672865" cy="365125"/>
+          </a:xfrm>
+          <a:prstGeom prst="rect">
+            <a:avLst/>
+          </a:prstGeom>
+        </p:spPr>
+        <p:txBody>
+          <a:bodyPr vert="horz" lIns="91440" tIns="45720" rIns="91440" bIns="45720" rtlCol="0" anchor="ctr"/>
+          <a:lstStyle>
+            <a:lvl1pPr algn="l">
+              <a:defRPr sz="1000">
+                <a:solidFill>
+                  <a:schemeClr val="tx1">
+                    <a:lumMod val="95000"/>
+                  </a:schemeClr>
+                </a:solidFill>
+                <a:effectLst>
+                  <a:outerShdw blurRad="50800" dist="38100" dir="2700000" algn="tl" rotWithShape="0">
+                    <a:schemeClr val="bg1">
+                      <a:alpha val="43000"/>
+                    </a:schemeClr>
+                  </a:outerShdw>
+                </a:effectLst>
+              </a:defRPr>
+            </a:lvl1pPr>
+          </a:lstStyle>
+          <a:p>
+            <a:endParaRPr lang="en-US"/>
+          </a:p>
+        </p:txBody>
+      </p:sp>
+      <p:sp>
+        <p:nvSpPr>
+          <p:cNvPr id="6" name="Slide Number Placeholder 5"/>
+          <p:cNvSpPr>
+            <a:spLocks noGrp="1"/>
+          </p:cNvSpPr>
+          <p:nvPr>
+            <p:ph type="sldNum" sz="quarter" idx="4"/>
+          </p:nvPr>
+        </p:nvSpPr>
+        <p:spPr>
+          <a:xfrm>
+            <a:off x="10514011" y="5883275"/>
+            <a:ext cx="753545" cy="365125"/>
+          </a:xfrm>
+          <a:prstGeom prst="rect">
+            <a:avLst/>
+          </a:prstGeom>
+        </p:spPr>
+        <p:txBody>
+          <a:bodyPr vert="horz" lIns="91440" tIns="45720" rIns="91440" bIns="45720" rtlCol="0" anchor="ctr"/>
+          <a:lstStyle>
+            <a:lvl1pPr algn="r">
+              <a:defRPr sz="1000">
+                <a:solidFill>
+                  <a:schemeClr val="tx1">
+                    <a:lumMod val="95000"/>
+                  </a:schemeClr>
+                </a:solidFill>
+                <a:effectLst>
+                  <a:outerShdw blurRad="50800" dist="38100" dir="2700000" algn="tl" rotWithShape="0">
+                    <a:schemeClr val="bg1">
+                      <a:alpha val="43000"/>
+                    </a:schemeClr>
+                  </a:outerShdw>
+                </a:effectLst>
+              </a:defRPr>
+            </a:lvl1pPr>
+          </a:lstStyle>
+          <a:p>
+            <a:fld id="{522A4B67-F228-4320-BA3B-7A6ECE67417F}" type="slidenum">
+              <a:rPr lang="en-US" smtClean="0"/>
+              <a:t>‹#›</a:t>
+            </a:fld>
+            <a:endParaRPr lang="en-US"/>
+          </a:p>
+        </p:txBody>
+      </p:sp>
+    </p:spTree>
+    <p:extLst>
+      <p:ext uri="{BB962C8B-B14F-4D97-AF65-F5344CB8AC3E}">
+        <p14:creationId xmlns:p14="http://schemas.microsoft.com/office/powerpoint/2010/main" val="1102342897"/>
+      </p:ext>
+    </p:extLst>
+  </p:cSld>
+  <p:clrMap bg1="dk1" tx1="lt1" bg2="dk2" tx2="lt2" accent1="accent1" accent2="accent2" accent3="accent3" accent4="accent4" accent5="accent5" accent6="accent6" hlink="hlink" folHlink="folHlink"/>
+  <p:sldLayoutIdLst>
+    <p:sldLayoutId id="2147483709" r:id="rId1"/>
+    <p:sldLayoutId id="2147483710" r:id="rId2"/>
+    <p:sldLayoutId id="2147483711" r:id="rId3"/>
+    <p:sldLayoutId id="2147483712" r:id="rId4"/>
+    <p:sldLayoutId id="2147483713" r:id="rId5"/>
+    <p:sldLayoutId id="2147483714" r:id="rId6"/>
+    <p:sldLayoutId id="2147483715" r:id="rId7"/>
+    <p:sldLayoutId id="2147483716" r:id="rId8"/>
+    <p:sldLayoutId id="2147483717" r:id="rId9"/>
+    <p:sldLayoutId id="2147483718" r:id="rId10"/>
+    <p:sldLayoutId id="2147483719" r:id="rId11"/>
+    <p:sldLayoutId id="2147483720" r:id="rId12"/>
+    <p:sldLayoutId id="2147483721" r:id="rId13"/>
+    <p:sldLayoutId id="2147483722" r:id="rId14"/>
+    <p:sldLayoutId id="2147483723" r:id="rId15"/>
+    <p:sldLayoutId id="2147483724" r:id="rId16"/>
+    <p:sldLayoutId id="2147483725" r:id="rId17"/>
+  </p:sldLayoutIdLst>
+  <p:txStyles>
+    <p:titleStyle>
+      <a:lvl1pPr algn="ctr" defTabSz="457200" rtl="0" eaLnBrk="1" latinLnBrk="0" hangingPunct="1">
+        <a:spcBef>
+          <a:spcPct val="0"/>
+        </a:spcBef>
+        <a:buNone/>
+        <a:defRPr sz="4000" kern="1200">
+          <a:ln>
+            <a:solidFill>
+              <a:schemeClr val="bg1">
+                <a:lumMod val="75000"/>
+                <a:lumOff val="25000"/>
+                <a:alpha val="10000"/>
+              </a:schemeClr>
+            </a:solidFill>
+          </a:ln>
+          <a:solidFill>
+            <a:schemeClr val="tx2"/>
+          </a:solidFill>
+          <a:effectLst>
+            <a:outerShdw blurRad="9525" dist="25400" dir="14640000" algn="tl" rotWithShape="0">
+              <a:schemeClr val="bg1">
+                <a:alpha val="30000"/>
+              </a:schemeClr>
+            </a:outerShdw>
+          </a:effectLst>
+          <a:latin typeface="+mj-lt"/>
+          <a:ea typeface="+mj-ea"/>
+          <a:cs typeface="Trebuchet MS"/>
+        </a:defRPr>
+      </a:lvl1pPr>
+      <a:lvl2pPr eaLnBrk="1" hangingPunct="1">
+        <a:defRPr>
+          <a:solidFill>
+            <a:schemeClr val="tx2"/>
+          </a:solidFill>
+        </a:defRPr>
+      </a:lvl2pPr>
+      <a:lvl3pPr eaLnBrk="1" hangingPunct="1">
+        <a:defRPr>
+          <a:solidFill>
+            <a:schemeClr val="tx2"/>
+          </a:solidFill>
+        </a:defRPr>
+      </a:lvl3pPr>
+      <a:lvl4pPr eaLnBrk="1" hangingPunct="1">
+        <a:defRPr>
+          <a:solidFill>
+            <a:schemeClr val="tx2"/>
+          </a:solidFill>
+        </a:defRPr>
+      </a:lvl4pPr>
+      <a:lvl5pPr eaLnBrk="1" hangingPunct="1">
+        <a:defRPr>
+          <a:solidFill>
+            <a:schemeClr val="tx2"/>
+          </a:solidFill>
+        </a:defRPr>
+      </a:lvl5pPr>
+      <a:lvl6pPr eaLnBrk="1" hangingPunct="1">
+        <a:defRPr>
+          <a:solidFill>
+            <a:schemeClr val="tx2"/>
+          </a:solidFill>
+        </a:defRPr>
+      </a:lvl6pPr>
+      <a:lvl7pPr eaLnBrk="1" hangingPunct="1">
+        <a:defRPr>
+          <a:solidFill>
+            <a:schemeClr val="tx2"/>
+          </a:solidFill>
+        </a:defRPr>
+      </a:lvl7pPr>
+      <a:lvl8pPr eaLnBrk="1" hangingPunct="1">
+        <a:defRPr>
+          <a:solidFill>
+            <a:schemeClr val="tx2"/>
+          </a:solidFill>
+        </a:defRPr>
+      </a:lvl8pPr>
+      <a:lvl9pPr eaLnBrk="1" hangingPunct="1">
+        <a:defRPr>
+          <a:solidFill>
+            <a:schemeClr val="tx2"/>
+          </a:solidFill>
+        </a:defRPr>
+      </a:lvl9pPr>
+    </p:titleStyle>
+    <p:bodyStyle>
+      <a:lvl1pPr marL="342900" indent="-306000" algn="l" defTabSz="457200" rtl="0" eaLnBrk="1" latinLnBrk="0" hangingPunct="1">
+        <a:spcBef>
+          <a:spcPct val="20000"/>
+        </a:spcBef>
+        <a:spcAft>
+          <a:spcPts val="600"/>
+        </a:spcAft>
+        <a:buClr>
+          <a:schemeClr val="tx2"/>
+        </a:buClr>
+        <a:buSzPct val="70000"/>
+        <a:buFont typeface="Wingdings 2" charset="2"/>
+        <a:buChar char=""/>
+        <a:defRPr sz="2000" kern="1200">
+          <a:ln>
+            <a:solidFill>
+              <a:schemeClr val="bg1">
+                <a:lumMod val="75000"/>
+                <a:lumOff val="25000"/>
+                <a:alpha val="10000"/>
+              </a:schemeClr>
+            </a:solidFill>
+          </a:ln>
+          <a:solidFill>
+            <a:schemeClr val="tx2"/>
+          </a:solidFill>
+          <a:effectLst>
+            <a:outerShdw blurRad="9525" dist="25400" dir="14640000" algn="tl" rotWithShape="0">
+              <a:schemeClr val="bg1">
+                <a:alpha val="30000"/>
+              </a:schemeClr>
+            </a:outerShdw>
+          </a:effectLst>
+          <a:latin typeface="+mn-lt"/>
+          <a:ea typeface="+mn-ea"/>
+          <a:cs typeface="+mn-cs"/>
+        </a:defRPr>
+      </a:lvl1pPr>
+      <a:lvl2pPr marL="720000" indent="-270000" algn="l" defTabSz="457200" rtl="0" eaLnBrk="1" latinLnBrk="0" hangingPunct="1">
+        <a:spcBef>
+          <a:spcPct val="20000"/>
+        </a:spcBef>
+        <a:spcAft>
+          <a:spcPts val="600"/>
+        </a:spcAft>
+        <a:buClr>
+          <a:schemeClr val="tx2"/>
+        </a:buClr>
+        <a:buSzPct val="70000"/>
+        <a:buFont typeface="Wingdings 2" charset="2"/>
+        <a:buChar char=""/>
+        <a:defRPr sz="1800" kern="1200">
+          <a:ln>
+            <a:solidFill>
+              <a:schemeClr val="bg1">
+                <a:lumMod val="75000"/>
+                <a:lumOff val="25000"/>
+                <a:alpha val="10000"/>
+              </a:schemeClr>
+            </a:solidFill>
+          </a:ln>
+          <a:solidFill>
+            <a:schemeClr val="tx2"/>
+          </a:solidFill>
+          <a:effectLst>
+            <a:outerShdw blurRad="9525" dist="25400" dir="14640000" algn="tl" rotWithShape="0">
+              <a:schemeClr val="bg1">
+                <a:alpha val="30000"/>
+              </a:schemeClr>
+            </a:outerShdw>
+          </a:effectLst>
+          <a:latin typeface="+mn-lt"/>
+          <a:ea typeface="+mn-ea"/>
+          <a:cs typeface="+mn-cs"/>
+        </a:defRPr>
+      </a:lvl2pPr>
+      <a:lvl3pPr marL="1026000" indent="-216000" algn="l" defTabSz="457200" rtl="0" eaLnBrk="1" latinLnBrk="0" hangingPunct="1">
+        <a:spcBef>
+          <a:spcPct val="20000"/>
+        </a:spcBef>
+        <a:spcAft>
+          <a:spcPts val="600"/>
+        </a:spcAft>
+        <a:buClr>
+          <a:schemeClr val="tx2"/>
+        </a:buClr>
+        <a:buSzPct val="70000"/>
+        <a:buFont typeface="Wingdings 2" charset="2"/>
+        <a:buChar char=""/>
+        <a:defRPr sz="1600" kern="1200">
+          <a:ln>
+            <a:solidFill>
+              <a:schemeClr val="bg1">
+                <a:lumMod val="75000"/>
+                <a:lumOff val="25000"/>
+                <a:alpha val="10000"/>
+              </a:schemeClr>
+            </a:solidFill>
+          </a:ln>
+          <a:solidFill>
+            <a:schemeClr val="tx2"/>
+          </a:solidFill>
+          <a:effectLst>
+            <a:outerShdw blurRad="9525" dist="25400" dir="14640000" algn="tl" rotWithShape="0">
+              <a:schemeClr val="bg1">
+                <a:alpha val="30000"/>
+              </a:schemeClr>
+            </a:outerShdw>
+          </a:effectLst>
+          <a:latin typeface="+mn-lt"/>
+          <a:ea typeface="+mn-ea"/>
+          <a:cs typeface="+mn-cs"/>
+        </a:defRPr>
+      </a:lvl3pPr>
+      <a:lvl4pPr marL="1386000" indent="-216000" algn="l" defTabSz="457200" rtl="0" eaLnBrk="1" latinLnBrk="0" hangingPunct="1">
+        <a:spcBef>
+          <a:spcPct val="20000"/>
+        </a:spcBef>
+        <a:spcAft>
+          <a:spcPts val="600"/>
+        </a:spcAft>
+        <a:buClr>
+          <a:schemeClr val="tx2"/>
+        </a:buClr>
+        <a:buSzPct val="70000"/>
+        <a:buFont typeface="Wingdings 2" charset="2"/>
+        <a:buChar char=""/>
+        <a:defRPr sz="1400" kern="1200">
+          <a:ln>
+            <a:solidFill>
+              <a:schemeClr val="bg1">
+                <a:lumMod val="75000"/>
+                <a:lumOff val="25000"/>
+                <a:alpha val="10000"/>
+              </a:schemeClr>
+            </a:solidFill>
+          </a:ln>
+          <a:solidFill>
+            <a:schemeClr val="tx2"/>
+          </a:solidFill>
+          <a:effectLst>
+            <a:outerShdw blurRad="9525" dist="25400" dir="14640000" algn="tl" rotWithShape="0">
+              <a:schemeClr val="bg1">
+                <a:alpha val="30000"/>
+              </a:schemeClr>
+            </a:outerShdw>
+          </a:effectLst>
+          <a:latin typeface="+mn-lt"/>
+          <a:ea typeface="+mn-ea"/>
+          <a:cs typeface="+mn-cs"/>
+        </a:defRPr>
+      </a:lvl4pPr>
+      <a:lvl5pPr marL="1674000" indent="-216000" algn="l" defTabSz="457200" rtl="0" eaLnBrk="1" latinLnBrk="0" hangingPunct="1">
+        <a:spcBef>
+          <a:spcPct val="20000"/>
+        </a:spcBef>
+        <a:spcAft>
+          <a:spcPts val="600"/>
+        </a:spcAft>
+        <a:buClr>
+          <a:schemeClr val="tx2"/>
+        </a:buClr>
+        <a:buSzPct val="70000"/>
+        <a:buFont typeface="Wingdings 2" charset="2"/>
+        <a:buChar char=""/>
+        <a:defRPr sz="1400" kern="1200">
+          <a:ln>
+            <a:solidFill>
+              <a:schemeClr val="bg1">
+                <a:lumMod val="75000"/>
+                <a:lumOff val="25000"/>
+                <a:alpha val="10000"/>
+              </a:schemeClr>
+            </a:solidFill>
+          </a:ln>
+          <a:solidFill>
+            <a:schemeClr val="tx2"/>
+          </a:solidFill>
+          <a:effectLst>
+            <a:outerShdw blurRad="9525" dist="25400" dir="14640000" algn="tl" rotWithShape="0">
+              <a:schemeClr val="bg1">
+                <a:alpha val="30000"/>
+              </a:schemeClr>
+            </a:outerShdw>
+          </a:effectLst>
+          <a:latin typeface="+mn-lt"/>
+          <a:ea typeface="+mn-ea"/>
+          <a:cs typeface="+mn-cs"/>
+        </a:defRPr>
+      </a:lvl5pPr>
+      <a:lvl6pPr marL="2014600" indent="-228600" algn="l" defTabSz="457200" rtl="0" eaLnBrk="1" latinLnBrk="0" hangingPunct="1">
+        <a:spcBef>
+          <a:spcPct val="20000"/>
+        </a:spcBef>
+        <a:spcAft>
+          <a:spcPts val="600"/>
+        </a:spcAft>
+        <a:buClr>
+          <a:schemeClr val="tx2"/>
+        </a:buClr>
+        <a:buSzPct val="70000"/>
+        <a:buFont typeface="Wingdings 2" charset="2"/>
+        <a:buChar char=""/>
+        <a:defRPr sz="1400" kern="1200">
+          <a:ln>
+            <a:solidFill>
+              <a:schemeClr val="bg1">
+                <a:lumMod val="75000"/>
+                <a:lumOff val="25000"/>
+                <a:alpha val="10000"/>
+              </a:schemeClr>
+            </a:solidFill>
+          </a:ln>
+          <a:solidFill>
+            <a:schemeClr val="tx2"/>
+          </a:solidFill>
+          <a:effectLst>
+            <a:outerShdw blurRad="9525" dist="25400" dir="14640000" algn="tl" rotWithShape="0">
+              <a:schemeClr val="bg1">
+                <a:alpha val="30000"/>
+              </a:schemeClr>
+            </a:outerShdw>
+          </a:effectLst>
+          <a:latin typeface="+mn-lt"/>
+          <a:ea typeface="+mn-ea"/>
+          <a:cs typeface="+mn-cs"/>
+        </a:defRPr>
+      </a:lvl6pPr>
+      <a:lvl7pPr marL="2401800" indent="-228600" algn="l" defTabSz="457200" rtl="0" eaLnBrk="1" latinLnBrk="0" hangingPunct="1">
+        <a:spcBef>
+          <a:spcPct val="20000"/>
+        </a:spcBef>
+        <a:spcAft>
+          <a:spcPts val="600"/>
+        </a:spcAft>
+        <a:buClr>
+          <a:schemeClr val="tx2"/>
+        </a:buClr>
+        <a:buSzPct val="70000"/>
+        <a:buFont typeface="Wingdings 2" charset="2"/>
+        <a:buChar char=""/>
+        <a:defRPr sz="1400" kern="1200">
+          <a:ln>
+            <a:solidFill>
+              <a:schemeClr val="bg1">
+                <a:lumMod val="75000"/>
+                <a:lumOff val="25000"/>
+                <a:alpha val="10000"/>
+              </a:schemeClr>
+            </a:solidFill>
+          </a:ln>
+          <a:solidFill>
+            <a:schemeClr val="tx2"/>
+          </a:solidFill>
+          <a:effectLst>
+            <a:outerShdw blurRad="9525" dist="25400" dir="14640000" algn="tl" rotWithShape="0">
+              <a:schemeClr val="bg1">
+                <a:alpha val="30000"/>
+              </a:schemeClr>
+            </a:outerShdw>
+          </a:effectLst>
+          <a:latin typeface="+mn-lt"/>
+          <a:ea typeface="+mn-ea"/>
+          <a:cs typeface="+mn-cs"/>
+        </a:defRPr>
+      </a:lvl7pPr>
+      <a:lvl8pPr marL="2789000" indent="-228600" algn="l" defTabSz="457200" rtl="0" eaLnBrk="1" latinLnBrk="0" hangingPunct="1">
+        <a:spcBef>
+          <a:spcPct val="20000"/>
+        </a:spcBef>
+        <a:spcAft>
+          <a:spcPts val="600"/>
+        </a:spcAft>
+        <a:buClr>
+          <a:schemeClr val="tx2"/>
+        </a:buClr>
+        <a:buSzPct val="70000"/>
+        <a:buFont typeface="Wingdings 2" charset="2"/>
+        <a:buChar char=""/>
+        <a:defRPr sz="1400" kern="1200">
+          <a:ln>
+            <a:solidFill>
+              <a:schemeClr val="bg1">
+                <a:lumMod val="75000"/>
+                <a:lumOff val="25000"/>
+                <a:alpha val="10000"/>
+              </a:schemeClr>
+            </a:solidFill>
+          </a:ln>
+          <a:solidFill>
+            <a:schemeClr val="tx2"/>
+          </a:solidFill>
+          <a:effectLst>
+            <a:outerShdw blurRad="9525" dist="25400" dir="14640000" algn="tl" rotWithShape="0">
+              <a:schemeClr val="bg1">
+                <a:alpha val="30000"/>
+              </a:schemeClr>
+            </a:outerShdw>
+          </a:effectLst>
+          <a:latin typeface="+mn-lt"/>
+          <a:ea typeface="+mn-ea"/>
+          <a:cs typeface="+mn-cs"/>
+        </a:defRPr>
+      </a:lvl8pPr>
+      <a:lvl9pPr marL="3106200" indent="-228600" algn="l" defTabSz="457200" rtl="0" eaLnBrk="1" latinLnBrk="0" hangingPunct="1">
+        <a:spcBef>
+          <a:spcPct val="20000"/>
+        </a:spcBef>
+        <a:spcAft>
+          <a:spcPts val="600"/>
+        </a:spcAft>
+        <a:buClr>
+          <a:schemeClr val="tx2"/>
+        </a:buClr>
+        <a:buSzPct val="70000"/>
+        <a:buFont typeface="Wingdings 2" charset="2"/>
+        <a:buChar char=""/>
+        <a:defRPr sz="1400" kern="1200">
+          <a:ln>
+            <a:solidFill>
+              <a:schemeClr val="bg1">
+                <a:lumMod val="75000"/>
+                <a:lumOff val="25000"/>
+                <a:alpha val="10000"/>
+              </a:schemeClr>
+            </a:solidFill>
+          </a:ln>
+          <a:solidFill>
+            <a:schemeClr val="tx2"/>
+          </a:solidFill>
+          <a:effectLst>
+            <a:outerShdw blurRad="9525" dist="25400" dir="14640000" algn="tl" rotWithShape="0">
+              <a:schemeClr val="bg1">
+                <a:alpha val="30000"/>
+              </a:schemeClr>
+            </a:outerShdw>
+          </a:effectLst>
+          <a:latin typeface="+mn-lt"/>
+          <a:ea typeface="+mn-ea"/>
+          <a:cs typeface="+mn-cs"/>
+        </a:defRPr>
+      </a:lvl9pPr>
+    </p:bodyStyle>
+    <p:otherStyle>
+      <a:defPPr>
+        <a:defRPr lang="en-US"/>
+      </a:defPPr>
+      <a:lvl1pPr marL="0" algn="l" defTabSz="457200" rtl="0" eaLnBrk="1" latinLnBrk="0" hangingPunct="1">
+        <a:defRPr sz="1800" kern="1200">
+          <a:solidFill>
+            <a:schemeClr val="tx1"/>
+          </a:solidFill>
+          <a:latin typeface="+mn-lt"/>
+          <a:ea typeface="+mn-ea"/>
+          <a:cs typeface="+mn-cs"/>
+        </a:defRPr>
+      </a:lvl1pPr>
+      <a:lvl2pPr marL="457200" algn="l" defTabSz="457200" rtl="0" eaLnBrk="1" latinLnBrk="0" hangingPunct="1">
+        <a:defRPr sz="1800" kern="1200">
+          <a:solidFill>
+            <a:schemeClr val="tx1"/>
+          </a:solidFill>
+          <a:latin typeface="+mn-lt"/>
+          <a:ea typeface="+mn-ea"/>
+          <a:cs typeface="+mn-cs"/>
+        </a:defRPr>
+      </a:lvl2pPr>
+      <a:lvl3pPr marL="914400" algn="l" defTabSz="457200" rtl="0" eaLnBrk="1" latinLnBrk="0" hangingPunct="1">
+        <a:defRPr sz="1800" kern="1200">
+          <a:solidFill>
+            <a:schemeClr val="tx1"/>
+          </a:solidFill>
+          <a:latin typeface="+mn-lt"/>
+          <a:ea typeface="+mn-ea"/>
+          <a:cs typeface="+mn-cs"/>
+        </a:defRPr>
+      </a:lvl3pPr>
+      <a:lvl4pPr marL="1371600" algn="l" defTabSz="457200" rtl="0" eaLnBrk="1" latinLnBrk="0" hangingPunct="1">
+        <a:defRPr sz="1800" kern="1200">
+          <a:solidFill>
+            <a:schemeClr val="tx1"/>
+          </a:solidFill>
+          <a:latin typeface="+mn-lt"/>
+          <a:ea typeface="+mn-ea"/>
+          <a:cs typeface="+mn-cs"/>
+        </a:defRPr>
+      </a:lvl4pPr>
+      <a:lvl5pPr marL="1828800" algn="l" defTabSz="457200" rtl="0" eaLnBrk="1" latinLnBrk="0" hangingPunct="1">
+        <a:defRPr sz="1800" kern="1200">
+          <a:solidFill>
+            <a:schemeClr val="tx1"/>
+          </a:solidFill>
+          <a:latin typeface="+mn-lt"/>
+          <a:ea typeface="+mn-ea"/>
+          <a:cs typeface="+mn-cs"/>
+        </a:defRPr>
+      </a:lvl5pPr>
+      <a:lvl6pPr marL="2286000" algn="l" defTabSz="457200" rtl="0" eaLnBrk="1" latinLnBrk="0" hangingPunct="1">
+        <a:defRPr sz="1800" kern="1200">
+          <a:solidFill>
+            <a:schemeClr val="tx1"/>
+          </a:solidFill>
+          <a:latin typeface="+mn-lt"/>
+          <a:ea typeface="+mn-ea"/>
+          <a:cs typeface="+mn-cs"/>
+        </a:defRPr>
+      </a:lvl6pPr>
+      <a:lvl7pPr marL="2743200" algn="l" defTabSz="457200" rtl="0" eaLnBrk="1" latinLnBrk="0" hangingPunct="1">
+        <a:defRPr sz="1800" kern="1200">
+          <a:solidFill>
+            <a:schemeClr val="tx1"/>
+          </a:solidFill>
+          <a:latin typeface="+mn-lt"/>
+          <a:ea typeface="+mn-ea"/>
+          <a:cs typeface="+mn-cs"/>
+        </a:defRPr>
+      </a:lvl7pPr>
+      <a:lvl8pPr marL="3200400" algn="l" defTabSz="457200" rtl="0" eaLnBrk="1" latinLnBrk="0" hangingPunct="1">
+        <a:defRPr sz="1800" kern="1200">
+          <a:solidFill>
+            <a:schemeClr val="tx1"/>
+          </a:solidFill>
+          <a:latin typeface="+mn-lt"/>
+          <a:ea typeface="+mn-ea"/>
+          <a:cs typeface="+mn-cs"/>
+        </a:defRPr>
+      </a:lvl8pPr>
+      <a:lvl9pPr marL="3657600" algn="l" defTabSz="457200" rtl="0" eaLnBrk="1" latinLnBrk="0" hangingPunct="1">
+        <a:defRPr sz="1800" kern="1200">
+          <a:solidFill>
+            <a:schemeClr val="tx1"/>
+          </a:solidFill>
+          <a:latin typeface="+mn-lt"/>
+          <a:ea typeface="+mn-ea"/>
+          <a:cs typeface="+mn-cs"/>
+        </a:defRPr>
+      </a:lvl9pPr>
+    </p:otherStyle>
+  </p:txStyles>
+</p:sldMaster>
+</file>
+
 <file path=ppt/slides/slide1.xml><?xml version="1.0" encoding="utf-8"?>
 <p:sld xmlns:a="http://schemas.openxmlformats.org/drawingml/2006/main" xmlns:r="http://schemas.openxmlformats.org/officeDocument/2006/relationships" xmlns:p="http://schemas.openxmlformats.org/presentationml/2006/main">
   <p:cSld>
@@ -6347,6 +12256,957 @@
 </file>
 
 <file path=ppt/slides/slide11.xml><?xml version="1.0" encoding="utf-8"?>
+<p:sld xmlns:a="http://schemas.openxmlformats.org/drawingml/2006/main" xmlns:r="http://schemas.openxmlformats.org/officeDocument/2006/relationships" xmlns:p="http://schemas.openxmlformats.org/presentationml/2006/main" showMasterSp="0">
+  <p:cSld>
+    <p:spTree>
+      <p:nvGrpSpPr>
+        <p:cNvPr id="1" name=""/>
+        <p:cNvGrpSpPr/>
+        <p:nvPr/>
+      </p:nvGrpSpPr>
+      <p:grpSpPr>
+        <a:xfrm>
+          <a:off x="0" y="0"/>
+          <a:ext cx="0" cy="0"/>
+          <a:chOff x="0" y="0"/>
+          <a:chExt cx="0" cy="0"/>
+        </a:xfrm>
+      </p:grpSpPr>
+      <p:sp>
+        <p:nvSpPr>
+          <p:cNvPr id="3" name="Content Placeholder 2">
+            <a:extLst>
+              <a:ext uri="{FF2B5EF4-FFF2-40B4-BE49-F238E27FC236}">
+                <a16:creationId xmlns:a16="http://schemas.microsoft.com/office/drawing/2014/main" id="{DA948BD0-85D8-4878-98CD-0E79402C744A}"/>
+              </a:ext>
+            </a:extLst>
+          </p:cNvPr>
+          <p:cNvSpPr>
+            <a:spLocks noGrp="1"/>
+          </p:cNvSpPr>
+          <p:nvPr>
+            <p:ph idx="1"/>
+          </p:nvPr>
+        </p:nvSpPr>
+        <p:spPr>
+          <a:xfrm>
+            <a:off x="904830" y="2736494"/>
+            <a:ext cx="4202215" cy="2050657"/>
+          </a:xfrm>
+        </p:spPr>
+        <p:txBody>
+          <a:bodyPr>
+            <a:normAutofit fontScale="85000" lnSpcReduction="20000"/>
+          </a:bodyPr>
+          <a:lstStyle/>
+          <a:p>
+            <a:r>
+              <a:rPr lang="en-US" dirty="0"/>
+              <a:t>Assumed false negative 10x costly as false positive</a:t>
+            </a:r>
+          </a:p>
+          <a:p>
+            <a:r>
+              <a:rPr lang="en-US" dirty="0"/>
+              <a:t>Used balanced data set to train model</a:t>
+            </a:r>
+          </a:p>
+          <a:p>
+            <a:r>
+              <a:rPr lang="en-US" dirty="0"/>
+              <a:t>Accuracy is 52%</a:t>
+            </a:r>
+          </a:p>
+          <a:p>
+            <a:r>
+              <a:rPr lang="en-US" dirty="0"/>
+              <a:t>Sensitivity is 96%</a:t>
+            </a:r>
+          </a:p>
+          <a:p>
+            <a:r>
+              <a:rPr lang="en-US" dirty="0"/>
+              <a:t>Specificity is 50%</a:t>
+            </a:r>
+          </a:p>
+          <a:p>
+            <a:endParaRPr lang="en-US" dirty="0"/>
+          </a:p>
+        </p:txBody>
+      </p:sp>
+      <p:sp>
+        <p:nvSpPr>
+          <p:cNvPr id="5" name="TextBox 4">
+            <a:extLst>
+              <a:ext uri="{FF2B5EF4-FFF2-40B4-BE49-F238E27FC236}">
+                <a16:creationId xmlns:a16="http://schemas.microsoft.com/office/drawing/2014/main" id="{2D44D1DD-7A3D-43F8-BC51-014866B986B8}"/>
+              </a:ext>
+            </a:extLst>
+          </p:cNvPr>
+          <p:cNvSpPr txBox="1"/>
+          <p:nvPr/>
+        </p:nvSpPr>
+        <p:spPr>
+          <a:xfrm>
+            <a:off x="4150659" y="643429"/>
+            <a:ext cx="4648108" cy="646331"/>
+          </a:xfrm>
+          <a:prstGeom prst="rect">
+            <a:avLst/>
+          </a:prstGeom>
+          <a:noFill/>
+        </p:spPr>
+        <p:txBody>
+          <a:bodyPr wrap="square" rtlCol="0">
+            <a:spAutoFit/>
+          </a:bodyPr>
+          <a:lstStyle/>
+          <a:p>
+            <a:pPr marL="0" marR="0" lvl="0" indent="0" algn="l" defTabSz="457200" rtl="0" eaLnBrk="1" fontAlgn="auto" latinLnBrk="0" hangingPunct="1">
+              <a:lnSpc>
+                <a:spcPct val="100000"/>
+              </a:lnSpc>
+              <a:spcBef>
+                <a:spcPts val="0"/>
+              </a:spcBef>
+              <a:spcAft>
+                <a:spcPts val="0"/>
+              </a:spcAft>
+              <a:buClrTx/>
+              <a:buSzTx/>
+              <a:buFontTx/>
+              <a:buNone/>
+              <a:tabLst/>
+              <a:defRPr/>
+            </a:pPr>
+            <a:r>
+              <a:rPr kumimoji="0" lang="en-US" sz="3600" b="0" i="0" u="none" strike="noStrike" kern="1200" cap="none" spc="0" normalizeH="0" baseline="0" noProof="0" dirty="0">
+                <a:ln>
+                  <a:noFill/>
+                </a:ln>
+                <a:solidFill>
+                  <a:prstClr val="white"/>
+                </a:solidFill>
+                <a:effectLst/>
+                <a:uLnTx/>
+                <a:uFillTx/>
+                <a:latin typeface="Calisto MT" panose="02040603050505030304"/>
+                <a:ea typeface="+mn-ea"/>
+                <a:cs typeface="+mn-cs"/>
+              </a:rPr>
+              <a:t>Cost Sensitive CART</a:t>
+            </a:r>
+          </a:p>
+        </p:txBody>
+      </p:sp>
+      <p:graphicFrame>
+        <p:nvGraphicFramePr>
+          <p:cNvPr id="6" name="Table 11">
+            <a:extLst>
+              <a:ext uri="{FF2B5EF4-FFF2-40B4-BE49-F238E27FC236}">
+                <a16:creationId xmlns:a16="http://schemas.microsoft.com/office/drawing/2014/main" id="{807700DD-A356-43F7-A211-144CD5612215}"/>
+              </a:ext>
+            </a:extLst>
+          </p:cNvPr>
+          <p:cNvGraphicFramePr>
+            <a:graphicFrameLocks/>
+          </p:cNvGraphicFramePr>
+          <p:nvPr/>
+        </p:nvGraphicFramePr>
+        <p:xfrm>
+          <a:off x="6271402" y="2473833"/>
+          <a:ext cx="5253486" cy="1373547"/>
+        </p:xfrm>
+        <a:graphic>
+          <a:graphicData uri="http://schemas.openxmlformats.org/drawingml/2006/table">
+            <a:tbl>
+              <a:tblPr firstRow="1" bandRow="1">
+                <a:tableStyleId>{5C22544A-7EE6-4342-B048-85BDC9FD1C3A}</a:tableStyleId>
+              </a:tblPr>
+              <a:tblGrid>
+                <a:gridCol w="1751162">
+                  <a:extLst>
+                    <a:ext uri="{9D8B030D-6E8A-4147-A177-3AD203B41FA5}">
+                      <a16:colId xmlns:a16="http://schemas.microsoft.com/office/drawing/2014/main" val="3148520604"/>
+                    </a:ext>
+                  </a:extLst>
+                </a:gridCol>
+                <a:gridCol w="1751162">
+                  <a:extLst>
+                    <a:ext uri="{9D8B030D-6E8A-4147-A177-3AD203B41FA5}">
+                      <a16:colId xmlns:a16="http://schemas.microsoft.com/office/drawing/2014/main" val="399282765"/>
+                    </a:ext>
+                  </a:extLst>
+                </a:gridCol>
+                <a:gridCol w="1751162">
+                  <a:extLst>
+                    <a:ext uri="{9D8B030D-6E8A-4147-A177-3AD203B41FA5}">
+                      <a16:colId xmlns:a16="http://schemas.microsoft.com/office/drawing/2014/main" val="1726305702"/>
+                    </a:ext>
+                  </a:extLst>
+                </a:gridCol>
+              </a:tblGrid>
+              <a:tr h="457849">
+                <a:tc>
+                  <a:txBody>
+                    <a:bodyPr/>
+                    <a:lstStyle/>
+                    <a:p>
+                      <a:endParaRPr lang="en-US"/>
+                    </a:p>
+                  </a:txBody>
+                  <a:tcPr/>
+                </a:tc>
+                <a:tc>
+                  <a:txBody>
+                    <a:bodyPr/>
+                    <a:lstStyle/>
+                    <a:p>
+                      <a:r>
+                        <a:rPr lang="en-US"/>
+                        <a:t>Actual: No</a:t>
+                      </a:r>
+                      <a:endParaRPr lang="en-US" dirty="0"/>
+                    </a:p>
+                  </a:txBody>
+                  <a:tcPr/>
+                </a:tc>
+                <a:tc>
+                  <a:txBody>
+                    <a:bodyPr/>
+                    <a:lstStyle/>
+                    <a:p>
+                      <a:r>
+                        <a:rPr lang="en-US"/>
+                        <a:t>Actual: Yes</a:t>
+                      </a:r>
+                      <a:endParaRPr lang="en-US" dirty="0"/>
+                    </a:p>
+                  </a:txBody>
+                  <a:tcPr/>
+                </a:tc>
+                <a:extLst>
+                  <a:ext uri="{0D108BD9-81ED-4DB2-BD59-A6C34878D82A}">
+                    <a16:rowId xmlns:a16="http://schemas.microsoft.com/office/drawing/2014/main" val="3067580897"/>
+                  </a:ext>
+                </a:extLst>
+              </a:tr>
+              <a:tr h="457849">
+                <a:tc>
+                  <a:txBody>
+                    <a:bodyPr/>
+                    <a:lstStyle/>
+                    <a:p>
+                      <a:r>
+                        <a:rPr lang="en-US" dirty="0"/>
+                        <a:t>Predicted: No</a:t>
+                      </a:r>
+                    </a:p>
+                  </a:txBody>
+                  <a:tcPr/>
+                </a:tc>
+                <a:tc>
+                  <a:txBody>
+                    <a:bodyPr/>
+                    <a:lstStyle/>
+                    <a:p>
+                      <a:r>
+                        <a:rPr lang="en-US" dirty="0"/>
+                        <a:t>466</a:t>
+                      </a:r>
+                    </a:p>
+                  </a:txBody>
+                  <a:tcPr/>
+                </a:tc>
+                <a:tc>
+                  <a:txBody>
+                    <a:bodyPr/>
+                    <a:lstStyle/>
+                    <a:p>
+                      <a:r>
+                        <a:rPr lang="en-US" dirty="0"/>
+                        <a:t>1</a:t>
+                      </a:r>
+                    </a:p>
+                  </a:txBody>
+                  <a:tcPr/>
+                </a:tc>
+                <a:extLst>
+                  <a:ext uri="{0D108BD9-81ED-4DB2-BD59-A6C34878D82A}">
+                    <a16:rowId xmlns:a16="http://schemas.microsoft.com/office/drawing/2014/main" val="1124866841"/>
+                  </a:ext>
+                </a:extLst>
+              </a:tr>
+              <a:tr h="457849">
+                <a:tc>
+                  <a:txBody>
+                    <a:bodyPr/>
+                    <a:lstStyle/>
+                    <a:p>
+                      <a:r>
+                        <a:rPr lang="en-US"/>
+                        <a:t>Predicted: Yes</a:t>
+                      </a:r>
+                      <a:endParaRPr lang="en-US" dirty="0"/>
+                    </a:p>
+                  </a:txBody>
+                  <a:tcPr/>
+                </a:tc>
+                <a:tc>
+                  <a:txBody>
+                    <a:bodyPr/>
+                    <a:lstStyle/>
+                    <a:p>
+                      <a:r>
+                        <a:rPr lang="en-US" dirty="0"/>
+                        <a:t>473</a:t>
+                      </a:r>
+                    </a:p>
+                  </a:txBody>
+                  <a:tcPr/>
+                </a:tc>
+                <a:tc>
+                  <a:txBody>
+                    <a:bodyPr/>
+                    <a:lstStyle/>
+                    <a:p>
+                      <a:r>
+                        <a:rPr lang="en-US" dirty="0"/>
+                        <a:t>40</a:t>
+                      </a:r>
+                    </a:p>
+                  </a:txBody>
+                  <a:tcPr/>
+                </a:tc>
+                <a:extLst>
+                  <a:ext uri="{0D108BD9-81ED-4DB2-BD59-A6C34878D82A}">
+                    <a16:rowId xmlns:a16="http://schemas.microsoft.com/office/drawing/2014/main" val="3111690452"/>
+                  </a:ext>
+                </a:extLst>
+              </a:tr>
+            </a:tbl>
+          </a:graphicData>
+        </a:graphic>
+      </p:graphicFrame>
+    </p:spTree>
+    <p:extLst>
+      <p:ext uri="{BB962C8B-B14F-4D97-AF65-F5344CB8AC3E}">
+        <p14:creationId xmlns:p14="http://schemas.microsoft.com/office/powerpoint/2010/main" val="3795429793"/>
+      </p:ext>
+    </p:extLst>
+  </p:cSld>
+  <p:clrMapOvr>
+    <a:masterClrMapping/>
+  </p:clrMapOvr>
+  <p:timing>
+    <p:tnLst>
+      <p:par>
+        <p:cTn id="1" dur="indefinite" restart="never" nodeType="tmRoot">
+          <p:childTnLst>
+            <p:seq concurrent="1" nextAc="seek">
+              <p:cTn id="2" dur="indefinite" nodeType="mainSeq">
+                <p:childTnLst>
+                  <p:par>
+                    <p:cTn id="3" fill="hold">
+                      <p:stCondLst>
+                        <p:cond delay="indefinite"/>
+                      </p:stCondLst>
+                      <p:childTnLst>
+                        <p:par>
+                          <p:cTn id="4" fill="hold">
+                            <p:stCondLst>
+                              <p:cond delay="0"/>
+                            </p:stCondLst>
+                            <p:childTnLst>
+                              <p:par>
+                                <p:cTn id="5" presetID="42" presetClass="entr" presetSubtype="0" fill="hold" nodeType="clickEffect">
+                                  <p:stCondLst>
+                                    <p:cond delay="0"/>
+                                  </p:stCondLst>
+                                  <p:childTnLst>
+                                    <p:set>
+                                      <p:cBhvr>
+                                        <p:cTn id="6" dur="1" fill="hold">
+                                          <p:stCondLst>
+                                            <p:cond delay="0"/>
+                                          </p:stCondLst>
+                                        </p:cTn>
+                                        <p:tgtEl>
+                                          <p:spTgt spid="3">
+                                            <p:txEl>
+                                              <p:pRg st="0" end="0"/>
+                                            </p:txEl>
+                                          </p:spTgt>
+                                        </p:tgtEl>
+                                        <p:attrNameLst>
+                                          <p:attrName>style.visibility</p:attrName>
+                                        </p:attrNameLst>
+                                      </p:cBhvr>
+                                      <p:to>
+                                        <p:strVal val="visible"/>
+                                      </p:to>
+                                    </p:set>
+                                    <p:animEffect transition="in" filter="fade">
+                                      <p:cBhvr>
+                                        <p:cTn id="7" dur="1000"/>
+                                        <p:tgtEl>
+                                          <p:spTgt spid="3">
+                                            <p:txEl>
+                                              <p:pRg st="0" end="0"/>
+                                            </p:txEl>
+                                          </p:spTgt>
+                                        </p:tgtEl>
+                                      </p:cBhvr>
+                                    </p:animEffect>
+                                    <p:anim calcmode="lin" valueType="num">
+                                      <p:cBhvr>
+                                        <p:cTn id="8" dur="1000" fill="hold"/>
+                                        <p:tgtEl>
+                                          <p:spTgt spid="3">
+                                            <p:txEl>
+                                              <p:pRg st="0" end="0"/>
+                                            </p:txEl>
+                                          </p:spTgt>
+                                        </p:tgtEl>
+                                        <p:attrNameLst>
+                                          <p:attrName>ppt_x</p:attrName>
+                                        </p:attrNameLst>
+                                      </p:cBhvr>
+                                      <p:tavLst>
+                                        <p:tav tm="0">
+                                          <p:val>
+                                            <p:strVal val="#ppt_x"/>
+                                          </p:val>
+                                        </p:tav>
+                                        <p:tav tm="100000">
+                                          <p:val>
+                                            <p:strVal val="#ppt_x"/>
+                                          </p:val>
+                                        </p:tav>
+                                      </p:tavLst>
+                                    </p:anim>
+                                    <p:anim calcmode="lin" valueType="num">
+                                      <p:cBhvr>
+                                        <p:cTn id="9" dur="1000" fill="hold"/>
+                                        <p:tgtEl>
+                                          <p:spTgt spid="3">
+                                            <p:txEl>
+                                              <p:pRg st="0" end="0"/>
+                                            </p:txEl>
+                                          </p:spTgt>
+                                        </p:tgtEl>
+                                        <p:attrNameLst>
+                                          <p:attrName>ppt_y</p:attrName>
+                                        </p:attrNameLst>
+                                      </p:cBhvr>
+                                      <p:tavLst>
+                                        <p:tav tm="0">
+                                          <p:val>
+                                            <p:strVal val="#ppt_y+.1"/>
+                                          </p:val>
+                                        </p:tav>
+                                        <p:tav tm="100000">
+                                          <p:val>
+                                            <p:strVal val="#ppt_y"/>
+                                          </p:val>
+                                        </p:tav>
+                                      </p:tavLst>
+                                    </p:anim>
+                                  </p:childTnLst>
+                                </p:cTn>
+                              </p:par>
+                            </p:childTnLst>
+                          </p:cTn>
+                        </p:par>
+                      </p:childTnLst>
+                    </p:cTn>
+                  </p:par>
+                  <p:par>
+                    <p:cTn id="10" fill="hold">
+                      <p:stCondLst>
+                        <p:cond delay="indefinite"/>
+                      </p:stCondLst>
+                      <p:childTnLst>
+                        <p:par>
+                          <p:cTn id="11" fill="hold">
+                            <p:stCondLst>
+                              <p:cond delay="0"/>
+                            </p:stCondLst>
+                            <p:childTnLst>
+                              <p:par>
+                                <p:cTn id="12" presetID="42" presetClass="entr" presetSubtype="0" fill="hold" nodeType="clickEffect">
+                                  <p:stCondLst>
+                                    <p:cond delay="0"/>
+                                  </p:stCondLst>
+                                  <p:childTnLst>
+                                    <p:set>
+                                      <p:cBhvr>
+                                        <p:cTn id="13" dur="1" fill="hold">
+                                          <p:stCondLst>
+                                            <p:cond delay="0"/>
+                                          </p:stCondLst>
+                                        </p:cTn>
+                                        <p:tgtEl>
+                                          <p:spTgt spid="3">
+                                            <p:txEl>
+                                              <p:pRg st="1" end="1"/>
+                                            </p:txEl>
+                                          </p:spTgt>
+                                        </p:tgtEl>
+                                        <p:attrNameLst>
+                                          <p:attrName>style.visibility</p:attrName>
+                                        </p:attrNameLst>
+                                      </p:cBhvr>
+                                      <p:to>
+                                        <p:strVal val="visible"/>
+                                      </p:to>
+                                    </p:set>
+                                    <p:animEffect transition="in" filter="fade">
+                                      <p:cBhvr>
+                                        <p:cTn id="14" dur="1000"/>
+                                        <p:tgtEl>
+                                          <p:spTgt spid="3">
+                                            <p:txEl>
+                                              <p:pRg st="1" end="1"/>
+                                            </p:txEl>
+                                          </p:spTgt>
+                                        </p:tgtEl>
+                                      </p:cBhvr>
+                                    </p:animEffect>
+                                    <p:anim calcmode="lin" valueType="num">
+                                      <p:cBhvr>
+                                        <p:cTn id="15" dur="1000" fill="hold"/>
+                                        <p:tgtEl>
+                                          <p:spTgt spid="3">
+                                            <p:txEl>
+                                              <p:pRg st="1" end="1"/>
+                                            </p:txEl>
+                                          </p:spTgt>
+                                        </p:tgtEl>
+                                        <p:attrNameLst>
+                                          <p:attrName>ppt_x</p:attrName>
+                                        </p:attrNameLst>
+                                      </p:cBhvr>
+                                      <p:tavLst>
+                                        <p:tav tm="0">
+                                          <p:val>
+                                            <p:strVal val="#ppt_x"/>
+                                          </p:val>
+                                        </p:tav>
+                                        <p:tav tm="100000">
+                                          <p:val>
+                                            <p:strVal val="#ppt_x"/>
+                                          </p:val>
+                                        </p:tav>
+                                      </p:tavLst>
+                                    </p:anim>
+                                    <p:anim calcmode="lin" valueType="num">
+                                      <p:cBhvr>
+                                        <p:cTn id="16" dur="1000" fill="hold"/>
+                                        <p:tgtEl>
+                                          <p:spTgt spid="3">
+                                            <p:txEl>
+                                              <p:pRg st="1" end="1"/>
+                                            </p:txEl>
+                                          </p:spTgt>
+                                        </p:tgtEl>
+                                        <p:attrNameLst>
+                                          <p:attrName>ppt_y</p:attrName>
+                                        </p:attrNameLst>
+                                      </p:cBhvr>
+                                      <p:tavLst>
+                                        <p:tav tm="0">
+                                          <p:val>
+                                            <p:strVal val="#ppt_y+.1"/>
+                                          </p:val>
+                                        </p:tav>
+                                        <p:tav tm="100000">
+                                          <p:val>
+                                            <p:strVal val="#ppt_y"/>
+                                          </p:val>
+                                        </p:tav>
+                                      </p:tavLst>
+                                    </p:anim>
+                                  </p:childTnLst>
+                                </p:cTn>
+                              </p:par>
+                            </p:childTnLst>
+                          </p:cTn>
+                        </p:par>
+                      </p:childTnLst>
+                    </p:cTn>
+                  </p:par>
+                  <p:par>
+                    <p:cTn id="17" fill="hold">
+                      <p:stCondLst>
+                        <p:cond delay="indefinite"/>
+                      </p:stCondLst>
+                      <p:childTnLst>
+                        <p:par>
+                          <p:cTn id="18" fill="hold">
+                            <p:stCondLst>
+                              <p:cond delay="0"/>
+                            </p:stCondLst>
+                            <p:childTnLst>
+                              <p:par>
+                                <p:cTn id="19" presetID="42" presetClass="entr" presetSubtype="0" fill="hold" nodeType="clickEffect">
+                                  <p:stCondLst>
+                                    <p:cond delay="0"/>
+                                  </p:stCondLst>
+                                  <p:childTnLst>
+                                    <p:set>
+                                      <p:cBhvr>
+                                        <p:cTn id="20" dur="1" fill="hold">
+                                          <p:stCondLst>
+                                            <p:cond delay="0"/>
+                                          </p:stCondLst>
+                                        </p:cTn>
+                                        <p:tgtEl>
+                                          <p:spTgt spid="3">
+                                            <p:txEl>
+                                              <p:pRg st="2" end="2"/>
+                                            </p:txEl>
+                                          </p:spTgt>
+                                        </p:tgtEl>
+                                        <p:attrNameLst>
+                                          <p:attrName>style.visibility</p:attrName>
+                                        </p:attrNameLst>
+                                      </p:cBhvr>
+                                      <p:to>
+                                        <p:strVal val="visible"/>
+                                      </p:to>
+                                    </p:set>
+                                    <p:animEffect transition="in" filter="fade">
+                                      <p:cBhvr>
+                                        <p:cTn id="21" dur="1000"/>
+                                        <p:tgtEl>
+                                          <p:spTgt spid="3">
+                                            <p:txEl>
+                                              <p:pRg st="2" end="2"/>
+                                            </p:txEl>
+                                          </p:spTgt>
+                                        </p:tgtEl>
+                                      </p:cBhvr>
+                                    </p:animEffect>
+                                    <p:anim calcmode="lin" valueType="num">
+                                      <p:cBhvr>
+                                        <p:cTn id="22" dur="1000" fill="hold"/>
+                                        <p:tgtEl>
+                                          <p:spTgt spid="3">
+                                            <p:txEl>
+                                              <p:pRg st="2" end="2"/>
+                                            </p:txEl>
+                                          </p:spTgt>
+                                        </p:tgtEl>
+                                        <p:attrNameLst>
+                                          <p:attrName>ppt_x</p:attrName>
+                                        </p:attrNameLst>
+                                      </p:cBhvr>
+                                      <p:tavLst>
+                                        <p:tav tm="0">
+                                          <p:val>
+                                            <p:strVal val="#ppt_x"/>
+                                          </p:val>
+                                        </p:tav>
+                                        <p:tav tm="100000">
+                                          <p:val>
+                                            <p:strVal val="#ppt_x"/>
+                                          </p:val>
+                                        </p:tav>
+                                      </p:tavLst>
+                                    </p:anim>
+                                    <p:anim calcmode="lin" valueType="num">
+                                      <p:cBhvr>
+                                        <p:cTn id="23" dur="1000" fill="hold"/>
+                                        <p:tgtEl>
+                                          <p:spTgt spid="3">
+                                            <p:txEl>
+                                              <p:pRg st="2" end="2"/>
+                                            </p:txEl>
+                                          </p:spTgt>
+                                        </p:tgtEl>
+                                        <p:attrNameLst>
+                                          <p:attrName>ppt_y</p:attrName>
+                                        </p:attrNameLst>
+                                      </p:cBhvr>
+                                      <p:tavLst>
+                                        <p:tav tm="0">
+                                          <p:val>
+                                            <p:strVal val="#ppt_y+.1"/>
+                                          </p:val>
+                                        </p:tav>
+                                        <p:tav tm="100000">
+                                          <p:val>
+                                            <p:strVal val="#ppt_y"/>
+                                          </p:val>
+                                        </p:tav>
+                                      </p:tavLst>
+                                    </p:anim>
+                                  </p:childTnLst>
+                                </p:cTn>
+                              </p:par>
+                            </p:childTnLst>
+                          </p:cTn>
+                        </p:par>
+                      </p:childTnLst>
+                    </p:cTn>
+                  </p:par>
+                  <p:par>
+                    <p:cTn id="24" fill="hold">
+                      <p:stCondLst>
+                        <p:cond delay="indefinite"/>
+                      </p:stCondLst>
+                      <p:childTnLst>
+                        <p:par>
+                          <p:cTn id="25" fill="hold">
+                            <p:stCondLst>
+                              <p:cond delay="0"/>
+                            </p:stCondLst>
+                            <p:childTnLst>
+                              <p:par>
+                                <p:cTn id="26" presetID="42" presetClass="entr" presetSubtype="0" fill="hold" nodeType="clickEffect">
+                                  <p:stCondLst>
+                                    <p:cond delay="0"/>
+                                  </p:stCondLst>
+                                  <p:childTnLst>
+                                    <p:set>
+                                      <p:cBhvr>
+                                        <p:cTn id="27" dur="1" fill="hold">
+                                          <p:stCondLst>
+                                            <p:cond delay="0"/>
+                                          </p:stCondLst>
+                                        </p:cTn>
+                                        <p:tgtEl>
+                                          <p:spTgt spid="3">
+                                            <p:txEl>
+                                              <p:pRg st="3" end="3"/>
+                                            </p:txEl>
+                                          </p:spTgt>
+                                        </p:tgtEl>
+                                        <p:attrNameLst>
+                                          <p:attrName>style.visibility</p:attrName>
+                                        </p:attrNameLst>
+                                      </p:cBhvr>
+                                      <p:to>
+                                        <p:strVal val="visible"/>
+                                      </p:to>
+                                    </p:set>
+                                    <p:animEffect transition="in" filter="fade">
+                                      <p:cBhvr>
+                                        <p:cTn id="28" dur="1000"/>
+                                        <p:tgtEl>
+                                          <p:spTgt spid="3">
+                                            <p:txEl>
+                                              <p:pRg st="3" end="3"/>
+                                            </p:txEl>
+                                          </p:spTgt>
+                                        </p:tgtEl>
+                                      </p:cBhvr>
+                                    </p:animEffect>
+                                    <p:anim calcmode="lin" valueType="num">
+                                      <p:cBhvr>
+                                        <p:cTn id="29" dur="1000" fill="hold"/>
+                                        <p:tgtEl>
+                                          <p:spTgt spid="3">
+                                            <p:txEl>
+                                              <p:pRg st="3" end="3"/>
+                                            </p:txEl>
+                                          </p:spTgt>
+                                        </p:tgtEl>
+                                        <p:attrNameLst>
+                                          <p:attrName>ppt_x</p:attrName>
+                                        </p:attrNameLst>
+                                      </p:cBhvr>
+                                      <p:tavLst>
+                                        <p:tav tm="0">
+                                          <p:val>
+                                            <p:strVal val="#ppt_x"/>
+                                          </p:val>
+                                        </p:tav>
+                                        <p:tav tm="100000">
+                                          <p:val>
+                                            <p:strVal val="#ppt_x"/>
+                                          </p:val>
+                                        </p:tav>
+                                      </p:tavLst>
+                                    </p:anim>
+                                    <p:anim calcmode="lin" valueType="num">
+                                      <p:cBhvr>
+                                        <p:cTn id="30" dur="1000" fill="hold"/>
+                                        <p:tgtEl>
+                                          <p:spTgt spid="3">
+                                            <p:txEl>
+                                              <p:pRg st="3" end="3"/>
+                                            </p:txEl>
+                                          </p:spTgt>
+                                        </p:tgtEl>
+                                        <p:attrNameLst>
+                                          <p:attrName>ppt_y</p:attrName>
+                                        </p:attrNameLst>
+                                      </p:cBhvr>
+                                      <p:tavLst>
+                                        <p:tav tm="0">
+                                          <p:val>
+                                            <p:strVal val="#ppt_y+.1"/>
+                                          </p:val>
+                                        </p:tav>
+                                        <p:tav tm="100000">
+                                          <p:val>
+                                            <p:strVal val="#ppt_y"/>
+                                          </p:val>
+                                        </p:tav>
+                                      </p:tavLst>
+                                    </p:anim>
+                                  </p:childTnLst>
+                                </p:cTn>
+                              </p:par>
+                            </p:childTnLst>
+                          </p:cTn>
+                        </p:par>
+                      </p:childTnLst>
+                    </p:cTn>
+                  </p:par>
+                  <p:par>
+                    <p:cTn id="31" fill="hold">
+                      <p:stCondLst>
+                        <p:cond delay="indefinite"/>
+                      </p:stCondLst>
+                      <p:childTnLst>
+                        <p:par>
+                          <p:cTn id="32" fill="hold">
+                            <p:stCondLst>
+                              <p:cond delay="0"/>
+                            </p:stCondLst>
+                            <p:childTnLst>
+                              <p:par>
+                                <p:cTn id="33" presetID="42" presetClass="entr" presetSubtype="0" fill="hold" nodeType="clickEffect">
+                                  <p:stCondLst>
+                                    <p:cond delay="0"/>
+                                  </p:stCondLst>
+                                  <p:childTnLst>
+                                    <p:set>
+                                      <p:cBhvr>
+                                        <p:cTn id="34" dur="1" fill="hold">
+                                          <p:stCondLst>
+                                            <p:cond delay="0"/>
+                                          </p:stCondLst>
+                                        </p:cTn>
+                                        <p:tgtEl>
+                                          <p:spTgt spid="3">
+                                            <p:txEl>
+                                              <p:pRg st="4" end="4"/>
+                                            </p:txEl>
+                                          </p:spTgt>
+                                        </p:tgtEl>
+                                        <p:attrNameLst>
+                                          <p:attrName>style.visibility</p:attrName>
+                                        </p:attrNameLst>
+                                      </p:cBhvr>
+                                      <p:to>
+                                        <p:strVal val="visible"/>
+                                      </p:to>
+                                    </p:set>
+                                    <p:animEffect transition="in" filter="fade">
+                                      <p:cBhvr>
+                                        <p:cTn id="35" dur="1000"/>
+                                        <p:tgtEl>
+                                          <p:spTgt spid="3">
+                                            <p:txEl>
+                                              <p:pRg st="4" end="4"/>
+                                            </p:txEl>
+                                          </p:spTgt>
+                                        </p:tgtEl>
+                                      </p:cBhvr>
+                                    </p:animEffect>
+                                    <p:anim calcmode="lin" valueType="num">
+                                      <p:cBhvr>
+                                        <p:cTn id="36" dur="1000" fill="hold"/>
+                                        <p:tgtEl>
+                                          <p:spTgt spid="3">
+                                            <p:txEl>
+                                              <p:pRg st="4" end="4"/>
+                                            </p:txEl>
+                                          </p:spTgt>
+                                        </p:tgtEl>
+                                        <p:attrNameLst>
+                                          <p:attrName>ppt_x</p:attrName>
+                                        </p:attrNameLst>
+                                      </p:cBhvr>
+                                      <p:tavLst>
+                                        <p:tav tm="0">
+                                          <p:val>
+                                            <p:strVal val="#ppt_x"/>
+                                          </p:val>
+                                        </p:tav>
+                                        <p:tav tm="100000">
+                                          <p:val>
+                                            <p:strVal val="#ppt_x"/>
+                                          </p:val>
+                                        </p:tav>
+                                      </p:tavLst>
+                                    </p:anim>
+                                    <p:anim calcmode="lin" valueType="num">
+                                      <p:cBhvr>
+                                        <p:cTn id="37" dur="1000" fill="hold"/>
+                                        <p:tgtEl>
+                                          <p:spTgt spid="3">
+                                            <p:txEl>
+                                              <p:pRg st="4" end="4"/>
+                                            </p:txEl>
+                                          </p:spTgt>
+                                        </p:tgtEl>
+                                        <p:attrNameLst>
+                                          <p:attrName>ppt_y</p:attrName>
+                                        </p:attrNameLst>
+                                      </p:cBhvr>
+                                      <p:tavLst>
+                                        <p:tav tm="0">
+                                          <p:val>
+                                            <p:strVal val="#ppt_y+.1"/>
+                                          </p:val>
+                                        </p:tav>
+                                        <p:tav tm="100000">
+                                          <p:val>
+                                            <p:strVal val="#ppt_y"/>
+                                          </p:val>
+                                        </p:tav>
+                                      </p:tavLst>
+                                    </p:anim>
+                                  </p:childTnLst>
+                                </p:cTn>
+                              </p:par>
+                            </p:childTnLst>
+                          </p:cTn>
+                        </p:par>
+                      </p:childTnLst>
+                    </p:cTn>
+                  </p:par>
+                </p:childTnLst>
+              </p:cTn>
+              <p:prevCondLst>
+                <p:cond evt="onPrev" delay="0">
+                  <p:tgtEl>
+                    <p:sldTgt/>
+                  </p:tgtEl>
+                </p:cond>
+              </p:prevCondLst>
+              <p:nextCondLst>
+                <p:cond evt="onNext" delay="0">
+                  <p:tgtEl>
+                    <p:sldTgt/>
+                  </p:tgtEl>
+                </p:cond>
+              </p:nextCondLst>
+            </p:seq>
+          </p:childTnLst>
+        </p:cTn>
+      </p:par>
+    </p:tnLst>
+  </p:timing>
+</p:sld>
+</file>
+
+<file path=ppt/slides/slide12.xml><?xml version="1.0" encoding="utf-8"?>
 <p:sld xmlns:a="http://schemas.openxmlformats.org/drawingml/2006/main" xmlns:r="http://schemas.openxmlformats.org/officeDocument/2006/relationships" xmlns:p="http://schemas.openxmlformats.org/presentationml/2006/main">
   <p:cSld>
     <p:spTree>
@@ -7032,7 +13892,7 @@
 </p:sld>
 </file>
 
-<file path=ppt/slides/slide12.xml><?xml version="1.0" encoding="utf-8"?>
+<file path=ppt/slides/slide13.xml><?xml version="1.0" encoding="utf-8"?>
 <p:sld xmlns:a="http://schemas.openxmlformats.org/drawingml/2006/main" xmlns:r="http://schemas.openxmlformats.org/officeDocument/2006/relationships" xmlns:p="http://schemas.openxmlformats.org/presentationml/2006/main">
   <p:cSld>
     <p:spTree>
@@ -7323,7 +14183,7 @@
 </p:sld>
 </file>
 
-<file path=ppt/slides/slide13.xml><?xml version="1.0" encoding="utf-8"?>
+<file path=ppt/slides/slide14.xml><?xml version="1.0" encoding="utf-8"?>
 <p:sld xmlns:a="http://schemas.openxmlformats.org/drawingml/2006/main" xmlns:r="http://schemas.openxmlformats.org/officeDocument/2006/relationships" xmlns:p="http://schemas.openxmlformats.org/presentationml/2006/main">
   <p:cSld>
     <p:spTree>
@@ -7452,7 +14312,7 @@
 </p:sld>
 </file>
 
-<file path=ppt/slides/slide14.xml><?xml version="1.0" encoding="utf-8"?>
+<file path=ppt/slides/slide15.xml><?xml version="1.0" encoding="utf-8"?>
 <p:sld xmlns:a="http://schemas.openxmlformats.org/drawingml/2006/main" xmlns:r="http://schemas.openxmlformats.org/officeDocument/2006/relationships" xmlns:p="http://schemas.openxmlformats.org/presentationml/2006/main">
   <p:cSld>
     <p:spTree>
@@ -7787,7 +14647,7 @@
 </p:sld>
 </file>
 
-<file path=ppt/slides/slide15.xml><?xml version="1.0" encoding="utf-8"?>
+<file path=ppt/slides/slide16.xml><?xml version="1.0" encoding="utf-8"?>
 <p:sld xmlns:a="http://schemas.openxmlformats.org/drawingml/2006/main" xmlns:r="http://schemas.openxmlformats.org/officeDocument/2006/relationships" xmlns:p="http://schemas.openxmlformats.org/presentationml/2006/main">
   <p:cSld>
     <p:spTree>
@@ -8122,7 +14982,7 @@
 </p:sld>
 </file>
 
-<file path=ppt/slides/slide16.xml><?xml version="1.0" encoding="utf-8"?>
+<file path=ppt/slides/slide17.xml><?xml version="1.0" encoding="utf-8"?>
 <p:sld xmlns:a="http://schemas.openxmlformats.org/drawingml/2006/main" xmlns:r="http://schemas.openxmlformats.org/officeDocument/2006/relationships" xmlns:p="http://schemas.openxmlformats.org/presentationml/2006/main">
   <p:cSld>
     <p:spTree>
@@ -11820,7 +18680,7 @@
 </p:sld>
 </file>
 
-<file path=ppt/slides/slide17.xml><?xml version="1.0" encoding="utf-8"?>
+<file path=ppt/slides/slide18.xml><?xml version="1.0" encoding="utf-8"?>
 <p:sld xmlns:a="http://schemas.openxmlformats.org/drawingml/2006/main" xmlns:r="http://schemas.openxmlformats.org/officeDocument/2006/relationships" xmlns:p="http://schemas.openxmlformats.org/presentationml/2006/main">
   <p:cSld>
     <p:spTree>
@@ -11946,7 +18806,7 @@
 </p:sld>
 </file>
 
-<file path=ppt/slides/slide18.xml><?xml version="1.0" encoding="utf-8"?>
+<file path=ppt/slides/slide19.xml><?xml version="1.0" encoding="utf-8"?>
 <p:sld xmlns:a="http://schemas.openxmlformats.org/drawingml/2006/main" xmlns:r="http://schemas.openxmlformats.org/officeDocument/2006/relationships" xmlns:p="http://schemas.openxmlformats.org/presentationml/2006/main">
   <p:cSld>
     <p:spTree>
@@ -12382,235 +19242,6 @@
 </p:sld>
 </file>
 
-<file path=ppt/slides/slide19.xml><?xml version="1.0" encoding="utf-8"?>
-<p:sld xmlns:a="http://schemas.openxmlformats.org/drawingml/2006/main" xmlns:r="http://schemas.openxmlformats.org/officeDocument/2006/relationships" xmlns:p="http://schemas.openxmlformats.org/presentationml/2006/main">
-  <p:cSld>
-    <p:spTree>
-      <p:nvGrpSpPr>
-        <p:cNvPr id="1" name=""/>
-        <p:cNvGrpSpPr/>
-        <p:nvPr/>
-      </p:nvGrpSpPr>
-      <p:grpSpPr>
-        <a:xfrm>
-          <a:off x="0" y="0"/>
-          <a:ext cx="0" cy="0"/>
-          <a:chOff x="0" y="0"/>
-          <a:chExt cx="0" cy="0"/>
-        </a:xfrm>
-      </p:grpSpPr>
-      <p:sp>
-        <p:nvSpPr>
-          <p:cNvPr id="2" name="Title 1">
-            <a:extLst>
-              <a:ext uri="{FF2B5EF4-FFF2-40B4-BE49-F238E27FC236}">
-                <a16:creationId xmlns:a16="http://schemas.microsoft.com/office/drawing/2014/main" id="{864ED4A0-3212-4818-BAD1-F80ED2028799}"/>
-              </a:ext>
-            </a:extLst>
-          </p:cNvPr>
-          <p:cNvSpPr>
-            <a:spLocks noGrp="1"/>
-          </p:cNvSpPr>
-          <p:nvPr>
-            <p:ph type="title"/>
-          </p:nvPr>
-        </p:nvSpPr>
-        <p:spPr/>
-        <p:txBody>
-          <a:bodyPr/>
-          <a:lstStyle/>
-          <a:p>
-            <a:pPr algn="ctr"/>
-            <a:r>
-              <a:rPr lang="en-US" dirty="0"/>
-              <a:t>References</a:t>
-            </a:r>
-          </a:p>
-        </p:txBody>
-      </p:sp>
-      <p:sp>
-        <p:nvSpPr>
-          <p:cNvPr id="3" name="Content Placeholder 2">
-            <a:extLst>
-              <a:ext uri="{FF2B5EF4-FFF2-40B4-BE49-F238E27FC236}">
-                <a16:creationId xmlns:a16="http://schemas.microsoft.com/office/drawing/2014/main" id="{1D47CA84-7016-4715-8AC7-26FEE33160DF}"/>
-              </a:ext>
-            </a:extLst>
-          </p:cNvPr>
-          <p:cNvSpPr>
-            <a:spLocks noGrp="1"/>
-          </p:cNvSpPr>
-          <p:nvPr>
-            <p:ph idx="1"/>
-          </p:nvPr>
-        </p:nvSpPr>
-        <p:spPr>
-          <a:xfrm>
-            <a:off x="627227" y="1555418"/>
-            <a:ext cx="10937546" cy="4838680"/>
-          </a:xfrm>
-        </p:spPr>
-        <p:txBody>
-          <a:bodyPr>
-            <a:normAutofit fontScale="25000" lnSpcReduction="20000"/>
-          </a:bodyPr>
-          <a:lstStyle/>
-          <a:p>
-            <a:r>
-              <a:rPr lang="en-US" sz="4600" dirty="0">
-                <a:effectLst/>
-              </a:rPr>
-              <a:t>Benjamin </a:t>
-            </a:r>
-            <a:r>
-              <a:rPr lang="en-US" sz="4600" dirty="0" err="1">
-                <a:effectLst/>
-              </a:rPr>
-              <a:t>Wedro</a:t>
-            </a:r>
-            <a:r>
-              <a:rPr lang="en-US" sz="4600" dirty="0">
-                <a:effectLst/>
-              </a:rPr>
-              <a:t>, M. D. (2021, November 12). </a:t>
-            </a:r>
-            <a:r>
-              <a:rPr lang="en-US" sz="4600" i="1" dirty="0">
-                <a:effectLst/>
-              </a:rPr>
-              <a:t>Stroke: Fast, symptoms, causes, types, treatment, prevention</a:t>
-            </a:r>
-            <a:r>
-              <a:rPr lang="en-US" sz="4600" dirty="0">
-                <a:effectLst/>
-              </a:rPr>
-              <a:t>. </a:t>
-            </a:r>
-            <a:r>
-              <a:rPr lang="en-US" sz="4600" dirty="0" err="1">
-                <a:effectLst/>
-              </a:rPr>
-              <a:t>MedicineNet</a:t>
-            </a:r>
-            <a:r>
-              <a:rPr lang="en-US" sz="4600" dirty="0">
-                <a:effectLst/>
-              </a:rPr>
-              <a:t>. Retrieved April 17, 2022, from https://www.medicinenet.com/stroke_symptoms_and_treatment/article.htm </a:t>
-            </a:r>
-          </a:p>
-          <a:p>
-            <a:r>
-              <a:rPr lang="en-US" sz="4600" dirty="0"/>
-              <a:t>Centers for Disease Control and Prevention. (2022, April 5). Stroke facts. Centers for Disease Control and Prevention. Retrieved April 13, 2022, from https://www.cdc.gov/stroke/facts.htm</a:t>
-            </a:r>
-          </a:p>
-          <a:p>
-            <a:endParaRPr lang="en-US" sz="4600" dirty="0"/>
-          </a:p>
-          <a:p>
-            <a:r>
-              <a:rPr lang="en-US" sz="4600" dirty="0" err="1"/>
-              <a:t>Emon</a:t>
-            </a:r>
-            <a:r>
-              <a:rPr lang="en-US" sz="4600" dirty="0"/>
-              <a:t>, M. U., Keya, M. S., </a:t>
-            </a:r>
-            <a:r>
-              <a:rPr lang="en-US" sz="4600" dirty="0" err="1"/>
-              <a:t>Meghla</a:t>
-            </a:r>
-            <a:r>
-              <a:rPr lang="en-US" sz="4600" dirty="0"/>
-              <a:t>, T. I., Rahman, M. M., Al Mamun, M. S., &amp; Kaiser, M. S. (2020, November). Performance analysis of machine learning approaches in stroke prediction. In 2020 4th International Conference on Electronics, Communication and Aerospace Technology (ICECA) (pp. 1464-1469). IEEE.</a:t>
-            </a:r>
-          </a:p>
-          <a:p>
-            <a:r>
-              <a:rPr lang="en-US" sz="4600" dirty="0"/>
-              <a:t>Markus, H. (2008). Stroke: causes and clinical features. Medicine. 36(11). Elsevier Ltd.</a:t>
-            </a:r>
-          </a:p>
-          <a:p>
-            <a:r>
-              <a:rPr lang="en-US" sz="4600" dirty="0"/>
-              <a:t>Murphy, S. J., &amp; </a:t>
-            </a:r>
-            <a:r>
-              <a:rPr lang="en-US" sz="4600" dirty="0" err="1"/>
-              <a:t>Werring</a:t>
-            </a:r>
-            <a:r>
-              <a:rPr lang="en-US" sz="4600" dirty="0"/>
-              <a:t>, D. J. (2020). Stroke: causes and clinical features. Medicine, 48(9), 561-566.</a:t>
-            </a:r>
-          </a:p>
-          <a:p>
-            <a:endParaRPr lang="en-US" sz="4600" dirty="0"/>
-          </a:p>
-          <a:p>
-            <a:r>
-              <a:rPr lang="en-US" sz="4600" dirty="0"/>
-              <a:t>Palacios, F. S. (2021, January 26). Stroke prediction dataset. Kaggle. Retrieved April 14, 2022, from https://www.kaggle.com/datasets/fedesoriano/stroke-prediction-dataset</a:t>
-            </a:r>
-          </a:p>
-          <a:p>
-            <a:endParaRPr lang="en-US" sz="4600" dirty="0"/>
-          </a:p>
-          <a:p>
-            <a:r>
-              <a:rPr lang="en-US" sz="4600" dirty="0"/>
-              <a:t>Pandian, J. D., Gall, S. L., Kate, M. P., Silva, G. S., Akinyemi, R. O., </a:t>
-            </a:r>
-            <a:r>
-              <a:rPr lang="en-US" sz="4600" dirty="0" err="1"/>
-              <a:t>Ovbiagele</a:t>
-            </a:r>
-            <a:r>
-              <a:rPr lang="en-US" sz="4600" dirty="0"/>
-              <a:t>, B. I., ... &amp; Thrift, A. G. (2018). Prevention of stroke: a global perspective. The Lancet, 392(10154), 1269-1278.</a:t>
-            </a:r>
-          </a:p>
-          <a:p>
-            <a:endParaRPr lang="en-US" sz="4600" dirty="0"/>
-          </a:p>
-          <a:p>
-            <a:r>
-              <a:rPr lang="en-US" sz="4600" dirty="0"/>
-              <a:t>R Core Team (2021). R: A language and environment for statistical computing. R Foundation for Statistical Computing, Vienna, Austria. URL https://www.R-project.org/.</a:t>
-            </a:r>
-          </a:p>
-          <a:p>
-            <a:endParaRPr lang="en-US" sz="4600" dirty="0"/>
-          </a:p>
-          <a:p>
-            <a:r>
-              <a:rPr lang="en-US" sz="4600" dirty="0"/>
-              <a:t>Singh, M. S., &amp; Choudhary, P. (2017, August). Stroke prediction using artificial intelligence. In 2017 8th Annual Industrial Automation and Electromechanical Engineering Conference (IEMECON) (pp. 158-161). IEEE.</a:t>
-            </a:r>
-          </a:p>
-          <a:p>
-            <a:pPr marL="36900" indent="0">
-              <a:buNone/>
-            </a:pPr>
-            <a:endParaRPr lang="en-US" dirty="0"/>
-          </a:p>
-        </p:txBody>
-      </p:sp>
-    </p:spTree>
-    <p:extLst>
-      <p:ext uri="{BB962C8B-B14F-4D97-AF65-F5344CB8AC3E}">
-        <p14:creationId xmlns:p14="http://schemas.microsoft.com/office/powerpoint/2010/main" val="137080484"/>
-      </p:ext>
-    </p:extLst>
-  </p:cSld>
-  <p:clrMapOvr>
-    <a:masterClrMapping/>
-  </p:clrMapOvr>
-</p:sld>
-</file>
-
 <file path=ppt/slides/slide2.xml><?xml version="1.0" encoding="utf-8"?>
 <p:sld xmlns:a="http://schemas.openxmlformats.org/drawingml/2006/main" xmlns:r="http://schemas.openxmlformats.org/officeDocument/2006/relationships" xmlns:p="http://schemas.openxmlformats.org/presentationml/2006/main">
   <p:cSld>
@@ -12778,6 +19409,235 @@
     <p:extLst>
       <p:ext uri="{BB962C8B-B14F-4D97-AF65-F5344CB8AC3E}">
         <p14:creationId xmlns:p14="http://schemas.microsoft.com/office/powerpoint/2010/main" val="1702723648"/>
+      </p:ext>
+    </p:extLst>
+  </p:cSld>
+  <p:clrMapOvr>
+    <a:masterClrMapping/>
+  </p:clrMapOvr>
+</p:sld>
+</file>
+
+<file path=ppt/slides/slide20.xml><?xml version="1.0" encoding="utf-8"?>
+<p:sld xmlns:a="http://schemas.openxmlformats.org/drawingml/2006/main" xmlns:r="http://schemas.openxmlformats.org/officeDocument/2006/relationships" xmlns:p="http://schemas.openxmlformats.org/presentationml/2006/main">
+  <p:cSld>
+    <p:spTree>
+      <p:nvGrpSpPr>
+        <p:cNvPr id="1" name=""/>
+        <p:cNvGrpSpPr/>
+        <p:nvPr/>
+      </p:nvGrpSpPr>
+      <p:grpSpPr>
+        <a:xfrm>
+          <a:off x="0" y="0"/>
+          <a:ext cx="0" cy="0"/>
+          <a:chOff x="0" y="0"/>
+          <a:chExt cx="0" cy="0"/>
+        </a:xfrm>
+      </p:grpSpPr>
+      <p:sp>
+        <p:nvSpPr>
+          <p:cNvPr id="2" name="Title 1">
+            <a:extLst>
+              <a:ext uri="{FF2B5EF4-FFF2-40B4-BE49-F238E27FC236}">
+                <a16:creationId xmlns:a16="http://schemas.microsoft.com/office/drawing/2014/main" id="{864ED4A0-3212-4818-BAD1-F80ED2028799}"/>
+              </a:ext>
+            </a:extLst>
+          </p:cNvPr>
+          <p:cNvSpPr>
+            <a:spLocks noGrp="1"/>
+          </p:cNvSpPr>
+          <p:nvPr>
+            <p:ph type="title"/>
+          </p:nvPr>
+        </p:nvSpPr>
+        <p:spPr/>
+        <p:txBody>
+          <a:bodyPr/>
+          <a:lstStyle/>
+          <a:p>
+            <a:pPr algn="ctr"/>
+            <a:r>
+              <a:rPr lang="en-US" dirty="0"/>
+              <a:t>References</a:t>
+            </a:r>
+          </a:p>
+        </p:txBody>
+      </p:sp>
+      <p:sp>
+        <p:nvSpPr>
+          <p:cNvPr id="3" name="Content Placeholder 2">
+            <a:extLst>
+              <a:ext uri="{FF2B5EF4-FFF2-40B4-BE49-F238E27FC236}">
+                <a16:creationId xmlns:a16="http://schemas.microsoft.com/office/drawing/2014/main" id="{1D47CA84-7016-4715-8AC7-26FEE33160DF}"/>
+              </a:ext>
+            </a:extLst>
+          </p:cNvPr>
+          <p:cNvSpPr>
+            <a:spLocks noGrp="1"/>
+          </p:cNvSpPr>
+          <p:nvPr>
+            <p:ph idx="1"/>
+          </p:nvPr>
+        </p:nvSpPr>
+        <p:spPr>
+          <a:xfrm>
+            <a:off x="627227" y="1555418"/>
+            <a:ext cx="10937546" cy="4838680"/>
+          </a:xfrm>
+        </p:spPr>
+        <p:txBody>
+          <a:bodyPr>
+            <a:normAutofit fontScale="25000" lnSpcReduction="20000"/>
+          </a:bodyPr>
+          <a:lstStyle/>
+          <a:p>
+            <a:r>
+              <a:rPr lang="en-US" sz="4600" dirty="0">
+                <a:effectLst/>
+              </a:rPr>
+              <a:t>Benjamin </a:t>
+            </a:r>
+            <a:r>
+              <a:rPr lang="en-US" sz="4600" dirty="0" err="1">
+                <a:effectLst/>
+              </a:rPr>
+              <a:t>Wedro</a:t>
+            </a:r>
+            <a:r>
+              <a:rPr lang="en-US" sz="4600" dirty="0">
+                <a:effectLst/>
+              </a:rPr>
+              <a:t>, M. D. (2021, November 12). </a:t>
+            </a:r>
+            <a:r>
+              <a:rPr lang="en-US" sz="4600" i="1" dirty="0">
+                <a:effectLst/>
+              </a:rPr>
+              <a:t>Stroke: Fast, symptoms, causes, types, treatment, prevention</a:t>
+            </a:r>
+            <a:r>
+              <a:rPr lang="en-US" sz="4600" dirty="0">
+                <a:effectLst/>
+              </a:rPr>
+              <a:t>. </a:t>
+            </a:r>
+            <a:r>
+              <a:rPr lang="en-US" sz="4600" dirty="0" err="1">
+                <a:effectLst/>
+              </a:rPr>
+              <a:t>MedicineNet</a:t>
+            </a:r>
+            <a:r>
+              <a:rPr lang="en-US" sz="4600" dirty="0">
+                <a:effectLst/>
+              </a:rPr>
+              <a:t>. Retrieved April 17, 2022, from https://www.medicinenet.com/stroke_symptoms_and_treatment/article.htm </a:t>
+            </a:r>
+          </a:p>
+          <a:p>
+            <a:r>
+              <a:rPr lang="en-US" sz="4600" dirty="0"/>
+              <a:t>Centers for Disease Control and Prevention. (2022, April 5). Stroke facts. Centers for Disease Control and Prevention. Retrieved April 13, 2022, from https://www.cdc.gov/stroke/facts.htm</a:t>
+            </a:r>
+          </a:p>
+          <a:p>
+            <a:endParaRPr lang="en-US" sz="4600" dirty="0"/>
+          </a:p>
+          <a:p>
+            <a:r>
+              <a:rPr lang="en-US" sz="4600" dirty="0" err="1"/>
+              <a:t>Emon</a:t>
+            </a:r>
+            <a:r>
+              <a:rPr lang="en-US" sz="4600" dirty="0"/>
+              <a:t>, M. U., Keya, M. S., </a:t>
+            </a:r>
+            <a:r>
+              <a:rPr lang="en-US" sz="4600" dirty="0" err="1"/>
+              <a:t>Meghla</a:t>
+            </a:r>
+            <a:r>
+              <a:rPr lang="en-US" sz="4600" dirty="0"/>
+              <a:t>, T. I., Rahman, M. M., Al Mamun, M. S., &amp; Kaiser, M. S. (2020, November). Performance analysis of machine learning approaches in stroke prediction. In 2020 4th International Conference on Electronics, Communication and Aerospace Technology (ICECA) (pp. 1464-1469). IEEE.</a:t>
+            </a:r>
+          </a:p>
+          <a:p>
+            <a:r>
+              <a:rPr lang="en-US" sz="4600" dirty="0"/>
+              <a:t>Markus, H. (2008). Stroke: causes and clinical features. Medicine. 36(11). Elsevier Ltd.</a:t>
+            </a:r>
+          </a:p>
+          <a:p>
+            <a:r>
+              <a:rPr lang="en-US" sz="4600" dirty="0"/>
+              <a:t>Murphy, S. J., &amp; </a:t>
+            </a:r>
+            <a:r>
+              <a:rPr lang="en-US" sz="4600" dirty="0" err="1"/>
+              <a:t>Werring</a:t>
+            </a:r>
+            <a:r>
+              <a:rPr lang="en-US" sz="4600" dirty="0"/>
+              <a:t>, D. J. (2020). Stroke: causes and clinical features. Medicine, 48(9), 561-566.</a:t>
+            </a:r>
+          </a:p>
+          <a:p>
+            <a:endParaRPr lang="en-US" sz="4600" dirty="0"/>
+          </a:p>
+          <a:p>
+            <a:r>
+              <a:rPr lang="en-US" sz="4600" dirty="0"/>
+              <a:t>Palacios, F. S. (2021, January 26). Stroke prediction dataset. Kaggle. Retrieved April 14, 2022, from https://www.kaggle.com/datasets/fedesoriano/stroke-prediction-dataset</a:t>
+            </a:r>
+          </a:p>
+          <a:p>
+            <a:endParaRPr lang="en-US" sz="4600" dirty="0"/>
+          </a:p>
+          <a:p>
+            <a:r>
+              <a:rPr lang="en-US" sz="4600" dirty="0"/>
+              <a:t>Pandian, J. D., Gall, S. L., Kate, M. P., Silva, G. S., Akinyemi, R. O., </a:t>
+            </a:r>
+            <a:r>
+              <a:rPr lang="en-US" sz="4600" dirty="0" err="1"/>
+              <a:t>Ovbiagele</a:t>
+            </a:r>
+            <a:r>
+              <a:rPr lang="en-US" sz="4600" dirty="0"/>
+              <a:t>, B. I., ... &amp; Thrift, A. G. (2018). Prevention of stroke: a global perspective. The Lancet, 392(10154), 1269-1278.</a:t>
+            </a:r>
+          </a:p>
+          <a:p>
+            <a:endParaRPr lang="en-US" sz="4600" dirty="0"/>
+          </a:p>
+          <a:p>
+            <a:r>
+              <a:rPr lang="en-US" sz="4600" dirty="0"/>
+              <a:t>R Core Team (2021). R: A language and environment for statistical computing. R Foundation for Statistical Computing, Vienna, Austria. URL https://www.R-project.org/.</a:t>
+            </a:r>
+          </a:p>
+          <a:p>
+            <a:endParaRPr lang="en-US" sz="4600" dirty="0"/>
+          </a:p>
+          <a:p>
+            <a:r>
+              <a:rPr lang="en-US" sz="4600" dirty="0"/>
+              <a:t>Singh, M. S., &amp; Choudhary, P. (2017, August). Stroke prediction using artificial intelligence. In 2017 8th Annual Industrial Automation and Electromechanical Engineering Conference (IEMECON) (pp. 158-161). IEEE.</a:t>
+            </a:r>
+          </a:p>
+          <a:p>
+            <a:pPr marL="36900" indent="0">
+              <a:buNone/>
+            </a:pPr>
+            <a:endParaRPr lang="en-US" dirty="0"/>
+          </a:p>
+        </p:txBody>
+      </p:sp>
+    </p:spTree>
+    <p:extLst>
+      <p:ext uri="{BB962C8B-B14F-4D97-AF65-F5344CB8AC3E}">
+        <p14:creationId xmlns:p14="http://schemas.microsoft.com/office/powerpoint/2010/main" val="137080484"/>
       </p:ext>
     </p:extLst>
   </p:cSld>
@@ -14875,4 +21735,246 @@
     </a:ext>
   </a:extLst>
 </a:theme>
+</file>
+
+<file path=ppt/theme/theme2.xml><?xml version="1.0" encoding="utf-8"?>
+<a:theme xmlns:a="http://schemas.openxmlformats.org/drawingml/2006/main" name="1_Slate">
+  <a:themeElements>
+    <a:clrScheme name="Slate">
+      <a:dk1>
+        <a:sysClr val="windowText" lastClr="000000"/>
+      </a:dk1>
+      <a:lt1>
+        <a:sysClr val="window" lastClr="FFFFFF"/>
+      </a:lt1>
+      <a:dk2>
+        <a:srgbClr val="212123"/>
+      </a:dk2>
+      <a:lt2>
+        <a:srgbClr val="DADADA"/>
+      </a:lt2>
+      <a:accent1>
+        <a:srgbClr val="3EC26C"/>
+      </a:accent1>
+      <a:accent2>
+        <a:srgbClr val="B3D463"/>
+      </a:accent2>
+      <a:accent3>
+        <a:srgbClr val="3BBC9D"/>
+      </a:accent3>
+      <a:accent4>
+        <a:srgbClr val="97AF75"/>
+      </a:accent4>
+      <a:accent5>
+        <a:srgbClr val="6BA841"/>
+      </a:accent5>
+      <a:accent6>
+        <a:srgbClr val="79AE90"/>
+      </a:accent6>
+      <a:hlink>
+        <a:srgbClr val="85E4A6"/>
+      </a:hlink>
+      <a:folHlink>
+        <a:srgbClr val="BDF3D0"/>
+      </a:folHlink>
+    </a:clrScheme>
+    <a:fontScheme name="Slate">
+      <a:majorFont>
+        <a:latin typeface="Calisto MT" panose="02040603050505030304"/>
+        <a:ea typeface=""/>
+        <a:cs typeface=""/>
+        <a:font script="Jpan" typeface="ＭＳ Ｐゴシック"/>
+        <a:font script="Hang" typeface="돋움"/>
+        <a:font script="Hans" typeface="方正舒体"/>
+        <a:font script="Hant" typeface="微軟正黑體"/>
+        <a:font script="Arab" typeface="Arial"/>
+        <a:font script="Hebr" typeface="Arial"/>
+        <a:font script="Thai" typeface="Cordia New"/>
+        <a:font script="Ethi" typeface="Nyala"/>
+        <a:font script="Beng" typeface="Vrinda"/>
+        <a:font script="Gujr" typeface="Shruti"/>
+        <a:font script="Khmr" typeface="DaunPenh"/>
+        <a:font script="Knda" typeface="Tunga"/>
+        <a:font script="Guru" typeface="Raavi"/>
+        <a:font script="Cans" typeface="Euphemia"/>
+        <a:font script="Cher" typeface="Plantagenet Cherokee"/>
+        <a:font script="Yiii" typeface="Microsoft Yi Baiti"/>
+        <a:font script="Tibt" typeface="Microsoft Himalaya"/>
+        <a:font script="Thaa" typeface="MV Boli"/>
+        <a:font script="Deva" typeface="Mangal"/>
+        <a:font script="Telu" typeface="Gautami"/>
+        <a:font script="Taml" typeface="Latha"/>
+        <a:font script="Syrc" typeface="Estrangelo Edessa"/>
+        <a:font script="Orya" typeface="Kalinga"/>
+        <a:font script="Mlym" typeface="Kartika"/>
+        <a:font script="Laoo" typeface="DokChampa"/>
+        <a:font script="Sinh" typeface="Iskoola Pota"/>
+        <a:font script="Mong" typeface="Mongolian Baiti"/>
+        <a:font script="Viet" typeface="Arial"/>
+        <a:font script="Uigh" typeface="Microsoft Uighur"/>
+        <a:font script="Geor" typeface="Sylfaen"/>
+      </a:majorFont>
+      <a:minorFont>
+        <a:latin typeface="Calisto MT" panose="02040603050505030304"/>
+        <a:ea typeface=""/>
+        <a:cs typeface=""/>
+        <a:font script="Jpan" typeface="ＭＳ Ｐゴシック"/>
+        <a:font script="Hang" typeface="돋움"/>
+        <a:font script="Hans" typeface="方正舒体"/>
+        <a:font script="Hant" typeface="微軟正黑體"/>
+        <a:font script="Arab" typeface="Arial"/>
+        <a:font script="Hebr" typeface="Arial"/>
+        <a:font script="Thai" typeface="Cordia New"/>
+        <a:font script="Ethi" typeface="Nyala"/>
+        <a:font script="Beng" typeface="Vrinda"/>
+        <a:font script="Gujr" typeface="Shruti"/>
+        <a:font script="Khmr" typeface="DaunPenh"/>
+        <a:font script="Knda" typeface="Tunga"/>
+        <a:font script="Guru" typeface="Raavi"/>
+        <a:font script="Cans" typeface="Euphemia"/>
+        <a:font script="Cher" typeface="Plantagenet Cherokee"/>
+        <a:font script="Yiii" typeface="Microsoft Yi Baiti"/>
+        <a:font script="Tibt" typeface="Microsoft Himalaya"/>
+        <a:font script="Thaa" typeface="MV Boli"/>
+        <a:font script="Deva" typeface="Mangal"/>
+        <a:font script="Telu" typeface="Gautami"/>
+        <a:font script="Taml" typeface="Latha"/>
+        <a:font script="Syrc" typeface="Estrangelo Edessa"/>
+        <a:font script="Orya" typeface="Kalinga"/>
+        <a:font script="Mlym" typeface="Kartika"/>
+        <a:font script="Laoo" typeface="DokChampa"/>
+        <a:font script="Sinh" typeface="Iskoola Pota"/>
+        <a:font script="Mong" typeface="Mongolian Baiti"/>
+        <a:font script="Viet" typeface="Arial"/>
+        <a:font script="Uigh" typeface="Microsoft Uighur"/>
+        <a:font script="Geor" typeface="Sylfaen"/>
+      </a:minorFont>
+    </a:fontScheme>
+    <a:fmtScheme name="Slate">
+      <a:fillStyleLst>
+        <a:solidFill>
+          <a:schemeClr val="phClr"/>
+        </a:solidFill>
+        <a:gradFill rotWithShape="1">
+          <a:gsLst>
+            <a:gs pos="0">
+              <a:schemeClr val="phClr">
+                <a:tint val="60000"/>
+                <a:lumMod val="110000"/>
+              </a:schemeClr>
+            </a:gs>
+            <a:gs pos="100000">
+              <a:schemeClr val="phClr">
+                <a:tint val="88000"/>
+              </a:schemeClr>
+            </a:gs>
+          </a:gsLst>
+          <a:lin ang="5400000" scaled="0"/>
+        </a:gradFill>
+        <a:gradFill rotWithShape="1">
+          <a:gsLst>
+            <a:gs pos="0">
+              <a:schemeClr val="phClr">
+                <a:tint val="96000"/>
+                <a:lumMod val="104000"/>
+              </a:schemeClr>
+            </a:gs>
+            <a:gs pos="100000">
+              <a:schemeClr val="phClr">
+                <a:shade val="90000"/>
+                <a:lumMod val="90000"/>
+              </a:schemeClr>
+            </a:gs>
+          </a:gsLst>
+          <a:lin ang="5400000" scaled="0"/>
+        </a:gradFill>
+      </a:fillStyleLst>
+      <a:lnStyleLst>
+        <a:ln w="9525" cap="rnd" cmpd="sng" algn="ctr">
+          <a:solidFill>
+            <a:schemeClr val="phClr">
+              <a:shade val="90000"/>
+            </a:schemeClr>
+          </a:solidFill>
+          <a:prstDash val="solid"/>
+        </a:ln>
+        <a:ln w="15875" cap="rnd" cmpd="sng" algn="ctr">
+          <a:solidFill>
+            <a:schemeClr val="phClr"/>
+          </a:solidFill>
+          <a:prstDash val="solid"/>
+        </a:ln>
+        <a:ln w="25400" cap="rnd" cmpd="sng" algn="ctr">
+          <a:solidFill>
+            <a:schemeClr val="phClr"/>
+          </a:solidFill>
+          <a:prstDash val="solid"/>
+        </a:ln>
+      </a:lnStyleLst>
+      <a:effectStyleLst>
+        <a:effectStyle>
+          <a:effectLst/>
+        </a:effectStyle>
+        <a:effectStyle>
+          <a:effectLst>
+            <a:outerShdw blurRad="63500" dist="25400" dir="5400000" rotWithShape="0">
+              <a:srgbClr val="000000">
+                <a:alpha val="60000"/>
+              </a:srgbClr>
+            </a:outerShdw>
+          </a:effectLst>
+        </a:effectStyle>
+        <a:effectStyle>
+          <a:effectLst>
+            <a:outerShdw blurRad="76200" dist="38100" dir="5400000" rotWithShape="0">
+              <a:srgbClr val="000000">
+                <a:alpha val="75000"/>
+              </a:srgbClr>
+            </a:outerShdw>
+          </a:effectLst>
+          <a:scene3d>
+            <a:camera prst="orthographicFront">
+              <a:rot lat="0" lon="0" rev="0"/>
+            </a:camera>
+            <a:lightRig rig="threePt" dir="t">
+              <a:rot lat="0" lon="0" rev="1200000"/>
+            </a:lightRig>
+          </a:scene3d>
+          <a:sp3d>
+            <a:bevelT w="63500" h="25400" prst="hardEdge"/>
+          </a:sp3d>
+        </a:effectStyle>
+      </a:effectStyleLst>
+      <a:bgFillStyleLst>
+        <a:solidFill>
+          <a:schemeClr val="phClr"/>
+        </a:solidFill>
+        <a:solidFill>
+          <a:schemeClr val="phClr"/>
+        </a:solidFill>
+        <a:blipFill rotWithShape="1">
+          <a:blip xmlns:r="http://schemas.openxmlformats.org/officeDocument/2006/relationships" r:embed="rId1">
+            <a:duotone>
+              <a:schemeClr val="phClr">
+                <a:shade val="80000"/>
+                <a:lumMod val="80000"/>
+              </a:schemeClr>
+              <a:schemeClr val="phClr">
+                <a:tint val="98000"/>
+              </a:schemeClr>
+            </a:duotone>
+          </a:blip>
+          <a:stretch/>
+        </a:blipFill>
+      </a:bgFillStyleLst>
+    </a:fmtScheme>
+  </a:themeElements>
+  <a:objectDefaults/>
+  <a:extraClrSchemeLst/>
+  <a:extLst>
+    <a:ext uri="{05A4C25C-085E-4340-85A3-A5531E510DB2}">
+      <thm15:themeFamily xmlns:thm15="http://schemas.microsoft.com/office/thememl/2012/main" name="Slate" id="{C3F70B94-7CE9-428E-ADC1-3269CC2C3385}" vid="{43372978-11FE-4814-AC26-BC300187D8C7}"/>
+    </a:ext>
+  </a:extLst>
+</a:theme>
 </file>